--- a/book/documents/Opossum_Thrill_meeting_20241028.pptx
+++ b/book/documents/Opossum_Thrill_meeting_20241028.pptx
@@ -218,7 +218,7 @@
           <a:p>
             <a:fld id="{BEC86463-8E31-481F-B621-2A31CFB0E0C8}" type="datetimeFigureOut">
               <a:rPr lang="de-DE" smtClean="0"/>
-              <a:t>24.10.2024</a:t>
+              <a:t>25.10.2024</a:t>
             </a:fld>
             <a:endParaRPr lang="de-DE"/>
           </a:p>
@@ -383,7 +383,7 @@
           <a:p>
             <a:fld id="{381B859A-A014-4C8D-BDA1-7B690D8459F6}" type="datetimeFigureOut">
               <a:rPr lang="de-DE" smtClean="0"/>
-              <a:t>24.10.2024</a:t>
+              <a:t>25.10.2024</a:t>
             </a:fld>
             <a:endParaRPr lang="de-DE"/>
           </a:p>
@@ -9640,6 +9640,45 @@
           </a:prstGeom>
         </p:spPr>
       </p:pic>
+      <p:pic>
+        <p:nvPicPr>
+          <p:cNvPr id="6" name="Grafik 5">
+            <a:extLst>
+              <a:ext uri="{FF2B5EF4-FFF2-40B4-BE49-F238E27FC236}">
+                <a16:creationId xmlns:a16="http://schemas.microsoft.com/office/drawing/2014/main" id="{CB3BC234-A979-4E1A-936D-308C2E7BC1E8}"/>
+              </a:ext>
+            </a:extLst>
+          </p:cNvPr>
+          <p:cNvPicPr>
+            <a:picLocks noChangeAspect="1"/>
+          </p:cNvPicPr>
+          <p:nvPr/>
+        </p:nvPicPr>
+        <p:blipFill>
+          <a:blip r:embed="rId4" cstate="print">
+            <a:extLst>
+              <a:ext uri="{28A0092B-C50C-407E-A947-70E740481C1C}">
+                <a14:useLocalDpi xmlns:a14="http://schemas.microsoft.com/office/drawing/2010/main" val="0"/>
+              </a:ext>
+              <a:ext uri="{96DAC541-7B7A-43D3-8B79-37D633B846F1}">
+                <asvg:svgBlip xmlns:asvg="http://schemas.microsoft.com/office/drawing/2016/SVG/main" r:embed="rId5"/>
+              </a:ext>
+            </a:extLst>
+          </a:blip>
+          <a:stretch>
+            <a:fillRect/>
+          </a:stretch>
+        </p:blipFill>
+        <p:spPr>
+          <a:xfrm>
+            <a:off x="838200" y="3944679"/>
+            <a:ext cx="4629312" cy="2046389"/>
+          </a:xfrm>
+          <a:prstGeom prst="rect">
+            <a:avLst/>
+          </a:prstGeom>
+        </p:spPr>
+      </p:pic>
     </p:spTree>
     <p:extLst>
       <p:ext uri="{BB962C8B-B14F-4D97-AF65-F5344CB8AC3E}">
@@ -16730,7 +16769,7 @@
         </p:blipFill>
         <p:spPr>
           <a:xfrm>
-            <a:off x="7470035" y="1157725"/>
+            <a:off x="5896421" y="1157725"/>
             <a:ext cx="2237980" cy="5019236"/>
           </a:xfrm>
           <a:prstGeom prst="rect">
@@ -16752,7 +16791,7 @@
         </p:nvSpPr>
         <p:spPr>
           <a:xfrm>
-            <a:off x="6200364" y="1120662"/>
+            <a:off x="4552320" y="1120662"/>
             <a:ext cx="1838966" cy="369332"/>
           </a:xfrm>
           <a:prstGeom prst="rect">
@@ -16774,6 +16813,121 @@
           </a:p>
         </p:txBody>
       </p:sp>
+      <p:pic>
+        <p:nvPicPr>
+          <p:cNvPr id="7" name="Grafik 6">
+            <a:extLst>
+              <a:ext uri="{FF2B5EF4-FFF2-40B4-BE49-F238E27FC236}">
+                <a16:creationId xmlns:a16="http://schemas.microsoft.com/office/drawing/2014/main" id="{2634008B-05E4-475B-B7E1-CEDEEA364081}"/>
+              </a:ext>
+            </a:extLst>
+          </p:cNvPr>
+          <p:cNvPicPr>
+            <a:picLocks noChangeAspect="1"/>
+          </p:cNvPicPr>
+          <p:nvPr/>
+        </p:nvPicPr>
+        <p:blipFill>
+          <a:blip r:embed="rId4" cstate="print">
+            <a:extLst>
+              <a:ext uri="{28A0092B-C50C-407E-A947-70E740481C1C}">
+                <a14:useLocalDpi xmlns:a14="http://schemas.microsoft.com/office/drawing/2010/main" val="0"/>
+              </a:ext>
+              <a:ext uri="{96DAC541-7B7A-43D3-8B79-37D633B846F1}">
+                <asvg:svgBlip xmlns:asvg="http://schemas.microsoft.com/office/drawing/2016/SVG/main" r:embed="rId5"/>
+              </a:ext>
+            </a:extLst>
+          </a:blip>
+          <a:stretch>
+            <a:fillRect/>
+          </a:stretch>
+        </p:blipFill>
+        <p:spPr>
+          <a:xfrm>
+            <a:off x="9658581" y="1183697"/>
+            <a:ext cx="1474051" cy="4645603"/>
+          </a:xfrm>
+          <a:prstGeom prst="rect">
+            <a:avLst/>
+          </a:prstGeom>
+        </p:spPr>
+      </p:pic>
+      <p:cxnSp>
+        <p:nvCxnSpPr>
+          <p:cNvPr id="12" name="Gerader Verbinder 11">
+            <a:extLst>
+              <a:ext uri="{FF2B5EF4-FFF2-40B4-BE49-F238E27FC236}">
+                <a16:creationId xmlns:a16="http://schemas.microsoft.com/office/drawing/2014/main" id="{631A0A49-5214-491B-A576-7422A43E3A28}"/>
+              </a:ext>
+            </a:extLst>
+          </p:cNvPr>
+          <p:cNvCxnSpPr>
+            <a:cxnSpLocks/>
+          </p:cNvCxnSpPr>
+          <p:nvPr/>
+        </p:nvCxnSpPr>
+        <p:spPr>
+          <a:xfrm flipV="1">
+            <a:off x="8001000" y="1178720"/>
+            <a:ext cx="1568302" cy="4774405"/>
+          </a:xfrm>
+          <a:prstGeom prst="line">
+            <a:avLst/>
+          </a:prstGeom>
+        </p:spPr>
+        <p:style>
+          <a:lnRef idx="1">
+            <a:schemeClr val="accent1"/>
+          </a:lnRef>
+          <a:fillRef idx="0">
+            <a:schemeClr val="accent1"/>
+          </a:fillRef>
+          <a:effectRef idx="0">
+            <a:schemeClr val="accent1"/>
+          </a:effectRef>
+          <a:fontRef idx="minor">
+            <a:schemeClr val="tx1"/>
+          </a:fontRef>
+        </p:style>
+      </p:cxnSp>
+      <p:cxnSp>
+        <p:nvCxnSpPr>
+          <p:cNvPr id="16" name="Gerader Verbinder 15">
+            <a:extLst>
+              <a:ext uri="{FF2B5EF4-FFF2-40B4-BE49-F238E27FC236}">
+                <a16:creationId xmlns:a16="http://schemas.microsoft.com/office/drawing/2014/main" id="{8EA666E1-65C6-47C6-B538-1BBAEE22A4D1}"/>
+              </a:ext>
+            </a:extLst>
+          </p:cNvPr>
+          <p:cNvCxnSpPr>
+            <a:cxnSpLocks/>
+          </p:cNvCxnSpPr>
+          <p:nvPr/>
+        </p:nvCxnSpPr>
+        <p:spPr>
+          <a:xfrm flipV="1">
+            <a:off x="8048625" y="5819775"/>
+            <a:ext cx="1543050" cy="247650"/>
+          </a:xfrm>
+          <a:prstGeom prst="line">
+            <a:avLst/>
+          </a:prstGeom>
+        </p:spPr>
+        <p:style>
+          <a:lnRef idx="1">
+            <a:schemeClr val="accent1"/>
+          </a:lnRef>
+          <a:fillRef idx="0">
+            <a:schemeClr val="accent1"/>
+          </a:fillRef>
+          <a:effectRef idx="0">
+            <a:schemeClr val="accent1"/>
+          </a:effectRef>
+          <a:fontRef idx="minor">
+            <a:schemeClr val="tx1"/>
+          </a:fontRef>
+        </p:style>
+      </p:cxnSp>
     </p:spTree>
     <p:extLst>
       <p:ext uri="{BB962C8B-B14F-4D97-AF65-F5344CB8AC3E}">
@@ -16784,13 +16938,13 @@
   <p:clrMapOvr>
     <a:masterClrMapping/>
   </p:clrMapOvr>
-  <mc:AlternateContent xmlns:mc="http://schemas.openxmlformats.org/markup-compatibility/2006">
-    <mc:Choice xmlns:p159="http://schemas.microsoft.com/office/powerpoint/2015/09/main" Requires="p159">
+  <mc:AlternateContent xmlns:mc="http://schemas.openxmlformats.org/markup-compatibility/2006" xmlns:p159="http://schemas.microsoft.com/office/powerpoint/2015/09/main">
+    <mc:Choice Requires="p159">
       <p:transition xmlns:p14="http://schemas.microsoft.com/office/powerpoint/2010/main" spd="slow" p14:dur="2000">
         <p159:morph option="byObject"/>
       </p:transition>
     </mc:Choice>
-    <mc:Fallback>
+    <mc:Fallback xmlns="">
       <p:transition spd="slow">
         <p:fade/>
       </p:transition>
@@ -17781,13 +17935,13 @@
   <p:clrMapOvr>
     <a:masterClrMapping/>
   </p:clrMapOvr>
-  <mc:AlternateContent xmlns:mc="http://schemas.openxmlformats.org/markup-compatibility/2006">
-    <mc:Choice xmlns:p159="http://schemas.microsoft.com/office/powerpoint/2015/09/main" Requires="p159">
+  <mc:AlternateContent xmlns:mc="http://schemas.openxmlformats.org/markup-compatibility/2006" xmlns:p159="http://schemas.microsoft.com/office/powerpoint/2015/09/main">
+    <mc:Choice Requires="p159">
       <p:transition xmlns:p14="http://schemas.microsoft.com/office/powerpoint/2010/main" spd="slow" p14:dur="2000">
         <p159:morph option="byObject"/>
       </p:transition>
     </mc:Choice>
-    <mc:Fallback>
+    <mc:Fallback xmlns="">
       <p:transition spd="slow">
         <p:fade/>
       </p:transition>
@@ -18743,13 +18897,13 @@
   <p:clrMapOvr>
     <a:masterClrMapping/>
   </p:clrMapOvr>
-  <mc:AlternateContent xmlns:mc="http://schemas.openxmlformats.org/markup-compatibility/2006">
-    <mc:Choice xmlns:p159="http://schemas.microsoft.com/office/powerpoint/2015/09/main" Requires="p159">
+  <mc:AlternateContent xmlns:mc="http://schemas.openxmlformats.org/markup-compatibility/2006" xmlns:p159="http://schemas.microsoft.com/office/powerpoint/2015/09/main">
+    <mc:Choice Requires="p159">
       <p:transition xmlns:p14="http://schemas.microsoft.com/office/powerpoint/2010/main" spd="slow" p14:dur="2000">
         <p159:morph option="byObject"/>
       </p:transition>
     </mc:Choice>
-    <mc:Fallback>
+    <mc:Fallback xmlns="">
       <p:transition spd="slow">
         <p:fade/>
       </p:transition>

--- a/book/documents/Opossum_Thrill_meeting_20241028.pptx
+++ b/book/documents/Opossum_Thrill_meeting_20241028.pptx
@@ -5,28 +5,29 @@
     <p:sldMasterId id="2147483677" r:id="rId1"/>
   </p:sldMasterIdLst>
   <p:notesMasterIdLst>
-    <p:notesMasterId r:id="rId18"/>
+    <p:notesMasterId r:id="rId19"/>
   </p:notesMasterIdLst>
   <p:handoutMasterIdLst>
-    <p:handoutMasterId r:id="rId19"/>
+    <p:handoutMasterId r:id="rId20"/>
   </p:handoutMasterIdLst>
   <p:sldIdLst>
     <p:sldId id="256" r:id="rId2"/>
-    <p:sldId id="262" r:id="rId3"/>
-    <p:sldId id="272" r:id="rId4"/>
-    <p:sldId id="265" r:id="rId5"/>
-    <p:sldId id="266" r:id="rId6"/>
-    <p:sldId id="267" r:id="rId7"/>
-    <p:sldId id="268" r:id="rId8"/>
-    <p:sldId id="269" r:id="rId9"/>
-    <p:sldId id="270" r:id="rId10"/>
-    <p:sldId id="264" r:id="rId11"/>
-    <p:sldId id="271" r:id="rId12"/>
-    <p:sldId id="273" r:id="rId13"/>
-    <p:sldId id="274" r:id="rId14"/>
-    <p:sldId id="275" r:id="rId15"/>
-    <p:sldId id="277" r:id="rId16"/>
-    <p:sldId id="278" r:id="rId17"/>
+    <p:sldId id="279" r:id="rId3"/>
+    <p:sldId id="262" r:id="rId4"/>
+    <p:sldId id="272" r:id="rId5"/>
+    <p:sldId id="265" r:id="rId6"/>
+    <p:sldId id="266" r:id="rId7"/>
+    <p:sldId id="267" r:id="rId8"/>
+    <p:sldId id="268" r:id="rId9"/>
+    <p:sldId id="269" r:id="rId10"/>
+    <p:sldId id="270" r:id="rId11"/>
+    <p:sldId id="264" r:id="rId12"/>
+    <p:sldId id="271" r:id="rId13"/>
+    <p:sldId id="273" r:id="rId14"/>
+    <p:sldId id="274" r:id="rId15"/>
+    <p:sldId id="275" r:id="rId16"/>
+    <p:sldId id="277" r:id="rId17"/>
+    <p:sldId id="278" r:id="rId18"/>
   </p:sldIdLst>
   <p:sldSz cx="12192000" cy="6858000"/>
   <p:notesSz cx="6858000" cy="9144000"/>
@@ -218,7 +219,7 @@
           <a:p>
             <a:fld id="{BEC86463-8E31-481F-B621-2A31CFB0E0C8}" type="datetimeFigureOut">
               <a:rPr lang="de-DE" smtClean="0"/>
-              <a:t>25.10.2024</a:t>
+              <a:t>28.10.2024</a:t>
             </a:fld>
             <a:endParaRPr lang="de-DE"/>
           </a:p>
@@ -383,7 +384,7 @@
           <a:p>
             <a:fld id="{381B859A-A014-4C8D-BDA1-7B690D8459F6}" type="datetimeFigureOut">
               <a:rPr lang="de-DE" smtClean="0"/>
-              <a:t>25.10.2024</a:t>
+              <a:t>28.10.2024</a:t>
             </a:fld>
             <a:endParaRPr lang="de-DE"/>
           </a:p>
@@ -725,7 +726,7 @@
     </p:spTree>
     <p:extLst>
       <p:ext uri="{BB962C8B-B14F-4D97-AF65-F5344CB8AC3E}">
-        <p14:creationId xmlns:p14="http://schemas.microsoft.com/office/powerpoint/2010/main" val="4094933595"/>
+        <p14:creationId xmlns:p14="http://schemas.microsoft.com/office/powerpoint/2010/main" val="3833469211"/>
       </p:ext>
     </p:extLst>
   </p:cSld>
@@ -754,7 +755,7 @@
       </p:grpSpPr>
       <p:sp>
         <p:nvSpPr>
-          <p:cNvPr id="2" name="Folienbildplatzhalter 1"/>
+          <p:cNvPr id="2" name="Slide Image Placeholder 1"/>
           <p:cNvSpPr>
             <a:spLocks noGrp="1" noRot="1" noChangeAspect="1"/>
           </p:cNvSpPr>
@@ -766,7 +767,7 @@
       </p:sp>
       <p:sp>
         <p:nvSpPr>
-          <p:cNvPr id="3" name="Notizenplatzhalter 2"/>
+          <p:cNvPr id="3" name="Notes Placeholder 2"/>
           <p:cNvSpPr>
             <a:spLocks noGrp="1"/>
           </p:cNvSpPr>
@@ -779,18 +780,18 @@
           <a:bodyPr/>
           <a:lstStyle/>
           <a:p>
-            <a:endParaRPr lang="en-US" dirty="0"/>
+            <a:endParaRPr lang="de-DE" dirty="0"/>
           </a:p>
         </p:txBody>
       </p:sp>
       <p:sp>
         <p:nvSpPr>
-          <p:cNvPr id="4" name="Foliennummernplatzhalter 3"/>
+          <p:cNvPr id="4" name="Slide Number Placeholder 3"/>
           <p:cNvSpPr>
             <a:spLocks noGrp="1"/>
           </p:cNvSpPr>
           <p:nvPr>
-            <p:ph type="sldNum" sz="quarter" idx="5"/>
+            <p:ph type="sldNum" sz="quarter" idx="10"/>
           </p:nvPr>
         </p:nvSpPr>
         <p:spPr/>
@@ -809,7 +810,7 @@
     </p:spTree>
     <p:extLst>
       <p:ext uri="{BB962C8B-B14F-4D97-AF65-F5344CB8AC3E}">
-        <p14:creationId xmlns:p14="http://schemas.microsoft.com/office/powerpoint/2010/main" val="1229740738"/>
+        <p14:creationId xmlns:p14="http://schemas.microsoft.com/office/powerpoint/2010/main" val="3952546570"/>
       </p:ext>
     </p:extLst>
   </p:cSld>
@@ -893,7 +894,7 @@
     </p:spTree>
     <p:extLst>
       <p:ext uri="{BB962C8B-B14F-4D97-AF65-F5344CB8AC3E}">
-        <p14:creationId xmlns:p14="http://schemas.microsoft.com/office/powerpoint/2010/main" val="3021699498"/>
+        <p14:creationId xmlns:p14="http://schemas.microsoft.com/office/powerpoint/2010/main" val="1229740738"/>
       </p:ext>
     </p:extLst>
   </p:cSld>
@@ -969,6 +970,90 @@
             <a:fld id="{F979A9CB-7EAA-4AEB-930C-33BDE432CDED}" type="slidenum">
               <a:rPr lang="de-DE" smtClean="0"/>
               <a:t>16</a:t>
+            </a:fld>
+            <a:endParaRPr lang="de-DE"/>
+          </a:p>
+        </p:txBody>
+      </p:sp>
+    </p:spTree>
+    <p:extLst>
+      <p:ext uri="{BB962C8B-B14F-4D97-AF65-F5344CB8AC3E}">
+        <p14:creationId xmlns:p14="http://schemas.microsoft.com/office/powerpoint/2010/main" val="3021699498"/>
+      </p:ext>
+    </p:extLst>
+  </p:cSld>
+  <p:clrMapOvr>
+    <a:masterClrMapping/>
+  </p:clrMapOvr>
+</p:notes>
+</file>
+
+<file path=ppt/notesSlides/notesSlide13.xml><?xml version="1.0" encoding="utf-8"?>
+<p:notes xmlns:a="http://schemas.openxmlformats.org/drawingml/2006/main" xmlns:r="http://schemas.openxmlformats.org/officeDocument/2006/relationships" xmlns:p="http://schemas.openxmlformats.org/presentationml/2006/main">
+  <p:cSld>
+    <p:spTree>
+      <p:nvGrpSpPr>
+        <p:cNvPr id="1" name=""/>
+        <p:cNvGrpSpPr/>
+        <p:nvPr/>
+      </p:nvGrpSpPr>
+      <p:grpSpPr>
+        <a:xfrm>
+          <a:off x="0" y="0"/>
+          <a:ext cx="0" cy="0"/>
+          <a:chOff x="0" y="0"/>
+          <a:chExt cx="0" cy="0"/>
+        </a:xfrm>
+      </p:grpSpPr>
+      <p:sp>
+        <p:nvSpPr>
+          <p:cNvPr id="2" name="Folienbildplatzhalter 1"/>
+          <p:cNvSpPr>
+            <a:spLocks noGrp="1" noRot="1" noChangeAspect="1"/>
+          </p:cNvSpPr>
+          <p:nvPr>
+            <p:ph type="sldImg"/>
+          </p:nvPr>
+        </p:nvSpPr>
+        <p:spPr/>
+      </p:sp>
+      <p:sp>
+        <p:nvSpPr>
+          <p:cNvPr id="3" name="Notizenplatzhalter 2"/>
+          <p:cNvSpPr>
+            <a:spLocks noGrp="1"/>
+          </p:cNvSpPr>
+          <p:nvPr>
+            <p:ph type="body" idx="1"/>
+          </p:nvPr>
+        </p:nvSpPr>
+        <p:spPr/>
+        <p:txBody>
+          <a:bodyPr/>
+          <a:lstStyle/>
+          <a:p>
+            <a:endParaRPr lang="en-US" dirty="0"/>
+          </a:p>
+        </p:txBody>
+      </p:sp>
+      <p:sp>
+        <p:nvSpPr>
+          <p:cNvPr id="4" name="Foliennummernplatzhalter 3"/>
+          <p:cNvSpPr>
+            <a:spLocks noGrp="1"/>
+          </p:cNvSpPr>
+          <p:nvPr>
+            <p:ph type="sldNum" sz="quarter" idx="5"/>
+          </p:nvPr>
+        </p:nvSpPr>
+        <p:spPr/>
+        <p:txBody>
+          <a:bodyPr/>
+          <a:lstStyle/>
+          <a:p>
+            <a:fld id="{F979A9CB-7EAA-4AEB-930C-33BDE432CDED}" type="slidenum">
+              <a:rPr lang="de-DE" smtClean="0"/>
+              <a:t>17</a:t>
             </a:fld>
             <a:endParaRPr lang="de-DE"/>
           </a:p>
@@ -1052,7 +1137,7 @@
           <a:p>
             <a:fld id="{F979A9CB-7EAA-4AEB-930C-33BDE432CDED}" type="slidenum">
               <a:rPr lang="de-DE" smtClean="0"/>
-              <a:t>6</a:t>
+              <a:t>3</a:t>
             </a:fld>
             <a:endParaRPr lang="de-DE"/>
           </a:p>
@@ -1061,7 +1146,7 @@
     </p:spTree>
     <p:extLst>
       <p:ext uri="{BB962C8B-B14F-4D97-AF65-F5344CB8AC3E}">
-        <p14:creationId xmlns:p14="http://schemas.microsoft.com/office/powerpoint/2010/main" val="3980141886"/>
+        <p14:creationId xmlns:p14="http://schemas.microsoft.com/office/powerpoint/2010/main" val="4094933595"/>
       </p:ext>
     </p:extLst>
   </p:cSld>
@@ -1145,7 +1230,7 @@
     </p:spTree>
     <p:extLst>
       <p:ext uri="{BB962C8B-B14F-4D97-AF65-F5344CB8AC3E}">
-        <p14:creationId xmlns:p14="http://schemas.microsoft.com/office/powerpoint/2010/main" val="329488679"/>
+        <p14:creationId xmlns:p14="http://schemas.microsoft.com/office/powerpoint/2010/main" val="3980141886"/>
       </p:ext>
     </p:extLst>
   </p:cSld>
@@ -1229,7 +1314,7 @@
     </p:spTree>
     <p:extLst>
       <p:ext uri="{BB962C8B-B14F-4D97-AF65-F5344CB8AC3E}">
-        <p14:creationId xmlns:p14="http://schemas.microsoft.com/office/powerpoint/2010/main" val="2198446806"/>
+        <p14:creationId xmlns:p14="http://schemas.microsoft.com/office/powerpoint/2010/main" val="329488679"/>
       </p:ext>
     </p:extLst>
   </p:cSld>
@@ -1313,7 +1398,7 @@
     </p:spTree>
     <p:extLst>
       <p:ext uri="{BB962C8B-B14F-4D97-AF65-F5344CB8AC3E}">
-        <p14:creationId xmlns:p14="http://schemas.microsoft.com/office/powerpoint/2010/main" val="2953691059"/>
+        <p14:creationId xmlns:p14="http://schemas.microsoft.com/office/powerpoint/2010/main" val="2198446806"/>
       </p:ext>
     </p:extLst>
   </p:cSld>
@@ -1397,7 +1482,7 @@
     </p:spTree>
     <p:extLst>
       <p:ext uri="{BB962C8B-B14F-4D97-AF65-F5344CB8AC3E}">
-        <p14:creationId xmlns:p14="http://schemas.microsoft.com/office/powerpoint/2010/main" val="2004103314"/>
+        <p14:creationId xmlns:p14="http://schemas.microsoft.com/office/powerpoint/2010/main" val="2953691059"/>
       </p:ext>
     </p:extLst>
   </p:cSld>
@@ -1481,7 +1566,7 @@
     </p:spTree>
     <p:extLst>
       <p:ext uri="{BB962C8B-B14F-4D97-AF65-F5344CB8AC3E}">
-        <p14:creationId xmlns:p14="http://schemas.microsoft.com/office/powerpoint/2010/main" val="1894456147"/>
+        <p14:creationId xmlns:p14="http://schemas.microsoft.com/office/powerpoint/2010/main" val="2004103314"/>
       </p:ext>
     </p:extLst>
   </p:cSld>
@@ -1565,7 +1650,7 @@
     </p:spTree>
     <p:extLst>
       <p:ext uri="{BB962C8B-B14F-4D97-AF65-F5344CB8AC3E}">
-        <p14:creationId xmlns:p14="http://schemas.microsoft.com/office/powerpoint/2010/main" val="1300352662"/>
+        <p14:creationId xmlns:p14="http://schemas.microsoft.com/office/powerpoint/2010/main" val="1894456147"/>
       </p:ext>
     </p:extLst>
   </p:cSld>
@@ -1649,7 +1734,7 @@
     </p:spTree>
     <p:extLst>
       <p:ext uri="{BB962C8B-B14F-4D97-AF65-F5344CB8AC3E}">
-        <p14:creationId xmlns:p14="http://schemas.microsoft.com/office/powerpoint/2010/main" val="3952546570"/>
+        <p14:creationId xmlns:p14="http://schemas.microsoft.com/office/powerpoint/2010/main" val="1300352662"/>
       </p:ext>
     </p:extLst>
   </p:cSld>
@@ -4526,6 +4611,1076 @@
             </a:r>
             <a:r>
               <a:rPr lang="de-DE" dirty="0" err="1"/>
+              <a:t>Node</a:t>
+            </a:r>
+            <a:r>
+              <a:rPr lang="de-DE" dirty="0"/>
+              <a:t> </a:t>
+            </a:r>
+            <a:r>
+              <a:rPr lang="de-DE" dirty="0" err="1"/>
+              <a:t>types</a:t>
+            </a:r>
+            <a:endParaRPr lang="de-DE" dirty="0"/>
+          </a:p>
+        </p:txBody>
+      </p:sp>
+      <p:sp>
+        <p:nvSpPr>
+          <p:cNvPr id="5" name="Slide Number Placeholder 4"/>
+          <p:cNvSpPr>
+            <a:spLocks noGrp="1"/>
+          </p:cNvSpPr>
+          <p:nvPr>
+            <p:ph type="sldNum" sz="quarter" idx="12"/>
+          </p:nvPr>
+        </p:nvSpPr>
+        <p:spPr/>
+        <p:txBody>
+          <a:bodyPr/>
+          <a:lstStyle/>
+          <a:p>
+            <a:fld id="{EC5B15BB-6B6E-4ECE-9DE6-799FAF01EBD9}" type="slidenum">
+              <a:rPr lang="de-DE" smtClean="0"/>
+              <a:pPr/>
+              <a:t>10</a:t>
+            </a:fld>
+            <a:endParaRPr lang="de-DE" dirty="0"/>
+          </a:p>
+        </p:txBody>
+      </p:sp>
+      <p:sp>
+        <p:nvSpPr>
+          <p:cNvPr id="10" name="Content Placeholder 2">
+            <a:extLst>
+              <a:ext uri="{FF2B5EF4-FFF2-40B4-BE49-F238E27FC236}">
+                <a16:creationId xmlns:a16="http://schemas.microsoft.com/office/drawing/2014/main" id="{C7D215EF-A00A-4A39-8D98-C33D43043FF9}"/>
+              </a:ext>
+            </a:extLst>
+          </p:cNvPr>
+          <p:cNvSpPr txBox="1">
+            <a:spLocks/>
+          </p:cNvSpPr>
+          <p:nvPr/>
+        </p:nvSpPr>
+        <p:spPr>
+          <a:xfrm>
+            <a:off x="838200" y="1371598"/>
+            <a:ext cx="3710049" cy="4805363"/>
+          </a:xfrm>
+          <a:prstGeom prst="rect">
+            <a:avLst/>
+          </a:prstGeom>
+        </p:spPr>
+        <p:txBody>
+          <a:bodyPr vert="horz" lIns="91440" tIns="45720" rIns="91440" bIns="45720" rtlCol="0">
+            <a:normAutofit/>
+          </a:bodyPr>
+          <a:lstStyle>
+            <a:lvl1pPr marL="228600" indent="-228600" algn="l" defTabSz="914400" rtl="0" eaLnBrk="1" latinLnBrk="0" hangingPunct="1">
+              <a:lnSpc>
+                <a:spcPct val="90000"/>
+              </a:lnSpc>
+              <a:spcBef>
+                <a:spcPts val="1000"/>
+              </a:spcBef>
+              <a:buClr>
+                <a:schemeClr val="accent1"/>
+              </a:buClr>
+              <a:buFont typeface="Arial" panose="020B0604020202020204" pitchFamily="34" charset="0"/>
+              <a:buChar char="•"/>
+              <a:defRPr sz="2800" kern="1200" baseline="0">
+                <a:solidFill>
+                  <a:srgbClr val="005597"/>
+                </a:solidFill>
+                <a:latin typeface="+mn-lt"/>
+                <a:ea typeface="+mn-ea"/>
+                <a:cs typeface="+mn-cs"/>
+              </a:defRPr>
+            </a:lvl1pPr>
+            <a:lvl2pPr marL="685800" indent="-228600" algn="l" defTabSz="914400" rtl="0" eaLnBrk="1" latinLnBrk="0" hangingPunct="1">
+              <a:lnSpc>
+                <a:spcPct val="90000"/>
+              </a:lnSpc>
+              <a:spcBef>
+                <a:spcPts val="500"/>
+              </a:spcBef>
+              <a:buClr>
+                <a:schemeClr val="accent1"/>
+              </a:buClr>
+              <a:buFont typeface="Arial" panose="020B0604020202020204" pitchFamily="34" charset="0"/>
+              <a:buChar char="•"/>
+              <a:defRPr sz="2400" kern="1200" baseline="0">
+                <a:solidFill>
+                  <a:srgbClr val="005597"/>
+                </a:solidFill>
+                <a:latin typeface="+mn-lt"/>
+                <a:ea typeface="+mn-ea"/>
+                <a:cs typeface="+mn-cs"/>
+              </a:defRPr>
+            </a:lvl2pPr>
+            <a:lvl3pPr marL="1143000" indent="-228600" algn="l" defTabSz="914400" rtl="0" eaLnBrk="1" latinLnBrk="0" hangingPunct="1">
+              <a:lnSpc>
+                <a:spcPct val="90000"/>
+              </a:lnSpc>
+              <a:spcBef>
+                <a:spcPts val="500"/>
+              </a:spcBef>
+              <a:buClr>
+                <a:schemeClr val="accent1"/>
+              </a:buClr>
+              <a:buFont typeface="Arial" panose="020B0604020202020204" pitchFamily="34" charset="0"/>
+              <a:buChar char="•"/>
+              <a:defRPr sz="2000" kern="1200" baseline="0">
+                <a:solidFill>
+                  <a:srgbClr val="005597"/>
+                </a:solidFill>
+                <a:latin typeface="+mn-lt"/>
+                <a:ea typeface="+mn-ea"/>
+                <a:cs typeface="+mn-cs"/>
+              </a:defRPr>
+            </a:lvl3pPr>
+            <a:lvl4pPr marL="1600200" indent="-228600" algn="l" defTabSz="914400" rtl="0" eaLnBrk="1" latinLnBrk="0" hangingPunct="1">
+              <a:lnSpc>
+                <a:spcPct val="90000"/>
+              </a:lnSpc>
+              <a:spcBef>
+                <a:spcPts val="500"/>
+              </a:spcBef>
+              <a:buClr>
+                <a:schemeClr val="accent1"/>
+              </a:buClr>
+              <a:buFont typeface="Arial" panose="020B0604020202020204" pitchFamily="34" charset="0"/>
+              <a:buChar char="•"/>
+              <a:defRPr sz="1800" kern="1200" baseline="0">
+                <a:solidFill>
+                  <a:srgbClr val="005597"/>
+                </a:solidFill>
+                <a:latin typeface="+mn-lt"/>
+                <a:ea typeface="+mn-ea"/>
+                <a:cs typeface="+mn-cs"/>
+              </a:defRPr>
+            </a:lvl4pPr>
+            <a:lvl5pPr marL="2057400" indent="-228600" algn="l" defTabSz="914400" rtl="0" eaLnBrk="1" latinLnBrk="0" hangingPunct="1">
+              <a:lnSpc>
+                <a:spcPct val="90000"/>
+              </a:lnSpc>
+              <a:spcBef>
+                <a:spcPts val="500"/>
+              </a:spcBef>
+              <a:buClr>
+                <a:schemeClr val="accent1"/>
+              </a:buClr>
+              <a:buFont typeface="Arial" panose="020B0604020202020204" pitchFamily="34" charset="0"/>
+              <a:buChar char="•"/>
+              <a:defRPr sz="1800" kern="1200" baseline="0">
+                <a:solidFill>
+                  <a:srgbClr val="005597"/>
+                </a:solidFill>
+                <a:latin typeface="+mn-lt"/>
+                <a:ea typeface="+mn-ea"/>
+                <a:cs typeface="+mn-cs"/>
+              </a:defRPr>
+            </a:lvl5pPr>
+            <a:lvl6pPr marL="2514600" indent="-228600" algn="l" defTabSz="914400" rtl="0" eaLnBrk="1" latinLnBrk="0" hangingPunct="1">
+              <a:lnSpc>
+                <a:spcPct val="90000"/>
+              </a:lnSpc>
+              <a:spcBef>
+                <a:spcPts val="500"/>
+              </a:spcBef>
+              <a:buFont typeface="Arial" panose="020B0604020202020204" pitchFamily="34" charset="0"/>
+              <a:buChar char="•"/>
+              <a:defRPr sz="1800" kern="1200">
+                <a:solidFill>
+                  <a:schemeClr val="tx1"/>
+                </a:solidFill>
+                <a:latin typeface="+mn-lt"/>
+                <a:ea typeface="+mn-ea"/>
+                <a:cs typeface="+mn-cs"/>
+              </a:defRPr>
+            </a:lvl6pPr>
+            <a:lvl7pPr marL="2971800" indent="-228600" algn="l" defTabSz="914400" rtl="0" eaLnBrk="1" latinLnBrk="0" hangingPunct="1">
+              <a:lnSpc>
+                <a:spcPct val="90000"/>
+              </a:lnSpc>
+              <a:spcBef>
+                <a:spcPts val="500"/>
+              </a:spcBef>
+              <a:buFont typeface="Arial" panose="020B0604020202020204" pitchFamily="34" charset="0"/>
+              <a:buChar char="•"/>
+              <a:defRPr sz="1800" kern="1200">
+                <a:solidFill>
+                  <a:schemeClr val="tx1"/>
+                </a:solidFill>
+                <a:latin typeface="+mn-lt"/>
+                <a:ea typeface="+mn-ea"/>
+                <a:cs typeface="+mn-cs"/>
+              </a:defRPr>
+            </a:lvl7pPr>
+            <a:lvl8pPr marL="3429000" indent="-228600" algn="l" defTabSz="914400" rtl="0" eaLnBrk="1" latinLnBrk="0" hangingPunct="1">
+              <a:lnSpc>
+                <a:spcPct val="90000"/>
+              </a:lnSpc>
+              <a:spcBef>
+                <a:spcPts val="500"/>
+              </a:spcBef>
+              <a:buFont typeface="Arial" panose="020B0604020202020204" pitchFamily="34" charset="0"/>
+              <a:buChar char="•"/>
+              <a:defRPr sz="1800" kern="1200">
+                <a:solidFill>
+                  <a:schemeClr val="tx1"/>
+                </a:solidFill>
+                <a:latin typeface="+mn-lt"/>
+                <a:ea typeface="+mn-ea"/>
+                <a:cs typeface="+mn-cs"/>
+              </a:defRPr>
+            </a:lvl8pPr>
+            <a:lvl9pPr marL="3886200" indent="-228600" algn="l" defTabSz="914400" rtl="0" eaLnBrk="1" latinLnBrk="0" hangingPunct="1">
+              <a:lnSpc>
+                <a:spcPct val="90000"/>
+              </a:lnSpc>
+              <a:spcBef>
+                <a:spcPts val="500"/>
+              </a:spcBef>
+              <a:buFont typeface="Arial" panose="020B0604020202020204" pitchFamily="34" charset="0"/>
+              <a:buChar char="•"/>
+              <a:defRPr sz="1800" kern="1200">
+                <a:solidFill>
+                  <a:schemeClr val="tx1"/>
+                </a:solidFill>
+                <a:latin typeface="+mn-lt"/>
+                <a:ea typeface="+mn-ea"/>
+                <a:cs typeface="+mn-cs"/>
+              </a:defRPr>
+            </a:lvl9pPr>
+          </a:lstStyle>
+          <a:p>
+            <a:pPr marL="0" indent="0">
+              <a:buNone/>
+            </a:pPr>
+            <a:r>
+              <a:rPr lang="de-DE" sz="2000" dirty="0"/>
+              <a:t>Special </a:t>
+            </a:r>
+            <a:r>
+              <a:rPr lang="de-DE" sz="2000" dirty="0" err="1"/>
+              <a:t>nodes</a:t>
+            </a:r>
+            <a:r>
+              <a:rPr lang="de-DE" sz="2000" dirty="0"/>
+              <a:t>:</a:t>
+            </a:r>
+          </a:p>
+          <a:p>
+            <a:r>
+              <a:rPr lang="de-DE" sz="1600" dirty="0"/>
+              <a:t>Source:</a:t>
+            </a:r>
+          </a:p>
+          <a:p>
+            <a:pPr lvl="1"/>
+            <a:r>
+              <a:rPr lang="de-DE" sz="1400" dirty="0"/>
+              <a:t>Holds </a:t>
+            </a:r>
+            <a:r>
+              <a:rPr lang="de-DE" sz="1400" dirty="0" err="1"/>
+              <a:t>the</a:t>
+            </a:r>
+            <a:r>
+              <a:rPr lang="de-DE" sz="1400" dirty="0"/>
+              <a:t> </a:t>
+            </a:r>
+            <a:r>
+              <a:rPr lang="de-DE" sz="1400" dirty="0" err="1"/>
+              <a:t>initially</a:t>
+            </a:r>
+            <a:r>
+              <a:rPr lang="de-DE" sz="1400" dirty="0"/>
+              <a:t> </a:t>
+            </a:r>
+            <a:br>
+              <a:rPr lang="de-DE" sz="1400" dirty="0"/>
+            </a:br>
+            <a:r>
+              <a:rPr lang="de-DE" sz="1400" dirty="0" err="1"/>
+              <a:t>defined</a:t>
+            </a:r>
+            <a:r>
+              <a:rPr lang="de-DE" sz="1400" dirty="0"/>
+              <a:t> light</a:t>
+            </a:r>
+          </a:p>
+          <a:p>
+            <a:pPr lvl="1"/>
+            <a:r>
+              <a:rPr lang="de-DE" sz="1400" dirty="0"/>
+              <a:t>Energy </a:t>
+            </a:r>
+            <a:r>
+              <a:rPr lang="de-DE" sz="1400" dirty="0" err="1"/>
+              <a:t>distribution</a:t>
+            </a:r>
+            <a:r>
+              <a:rPr lang="de-DE" sz="1400" dirty="0"/>
+              <a:t>: Uniform, General 2D </a:t>
+            </a:r>
+            <a:r>
+              <a:rPr lang="de-DE" sz="1400" dirty="0" err="1"/>
+              <a:t>Gaussian</a:t>
+            </a:r>
+            <a:endParaRPr lang="de-DE" sz="1400" dirty="0"/>
+          </a:p>
+          <a:p>
+            <a:pPr lvl="1"/>
+            <a:r>
+              <a:rPr lang="de-DE" sz="1400" dirty="0"/>
+              <a:t>Position </a:t>
+            </a:r>
+            <a:r>
+              <a:rPr lang="de-DE" sz="1400" dirty="0" err="1"/>
+              <a:t>distribution</a:t>
+            </a:r>
+            <a:r>
+              <a:rPr lang="de-DE" sz="1400" dirty="0"/>
+              <a:t>: Hexapolar, Hexagonal, Fibonacci, Random, Sobol, </a:t>
+            </a:r>
+            <a:r>
+              <a:rPr lang="de-DE" sz="1400" dirty="0" err="1"/>
+              <a:t>Grid</a:t>
+            </a:r>
+            <a:endParaRPr lang="de-DE" sz="1400" dirty="0"/>
+          </a:p>
+          <a:p>
+            <a:pPr lvl="1"/>
+            <a:r>
+              <a:rPr lang="de-DE" sz="1400" dirty="0"/>
+              <a:t>Shape: Ellipse, </a:t>
+            </a:r>
+            <a:r>
+              <a:rPr lang="de-DE" sz="1400" dirty="0" err="1"/>
+              <a:t>Rectangle</a:t>
+            </a:r>
+            <a:endParaRPr lang="de-DE" sz="1400" dirty="0"/>
+          </a:p>
+          <a:p>
+            <a:pPr lvl="1"/>
+            <a:r>
+              <a:rPr lang="de-DE" sz="1400" dirty="0" err="1"/>
+              <a:t>Spectrum</a:t>
+            </a:r>
+            <a:r>
+              <a:rPr lang="de-DE" sz="1400" dirty="0"/>
+              <a:t>: </a:t>
+            </a:r>
+            <a:r>
+              <a:rPr lang="de-DE" sz="1400" dirty="0" err="1"/>
+              <a:t>Gaussian</a:t>
+            </a:r>
+            <a:endParaRPr lang="de-DE" sz="1400" dirty="0"/>
+          </a:p>
+          <a:p>
+            <a:r>
+              <a:rPr lang="de-DE" sz="1600" dirty="0" err="1"/>
+              <a:t>Nodegroup</a:t>
+            </a:r>
+            <a:endParaRPr lang="de-DE" sz="1600" dirty="0"/>
+          </a:p>
+          <a:p>
+            <a:pPr lvl="1"/>
+            <a:r>
+              <a:rPr lang="de-DE" sz="1400" dirty="0" err="1"/>
+              <a:t>Allows</a:t>
+            </a:r>
+            <a:r>
+              <a:rPr lang="de-DE" sz="1400" dirty="0"/>
+              <a:t> </a:t>
+            </a:r>
+            <a:r>
+              <a:rPr lang="de-DE" sz="1400" dirty="0" err="1"/>
+              <a:t>grouping</a:t>
+            </a:r>
+            <a:r>
+              <a:rPr lang="de-DE" sz="1400" dirty="0"/>
+              <a:t> </a:t>
+            </a:r>
+            <a:r>
+              <a:rPr lang="de-DE" sz="1400" dirty="0" err="1"/>
+              <a:t>of</a:t>
+            </a:r>
+            <a:r>
+              <a:rPr lang="de-DE" sz="1400" dirty="0"/>
+              <a:t> </a:t>
+            </a:r>
+            <a:r>
+              <a:rPr lang="de-DE" sz="1400" dirty="0" err="1"/>
+              <a:t>nodes</a:t>
+            </a:r>
+            <a:r>
+              <a:rPr lang="de-DE" sz="1400" dirty="0"/>
+              <a:t>, e.g., multiple </a:t>
+            </a:r>
+            <a:r>
+              <a:rPr lang="de-DE" sz="1400" dirty="0" err="1"/>
+              <a:t>lenses</a:t>
+            </a:r>
+            <a:r>
+              <a:rPr lang="de-DE" sz="1400" dirty="0"/>
+              <a:t> </a:t>
+            </a:r>
+            <a:r>
+              <a:rPr lang="de-DE" sz="1400" dirty="0" err="1"/>
+              <a:t>as</a:t>
+            </a:r>
+            <a:r>
+              <a:rPr lang="de-DE" sz="1400" dirty="0"/>
+              <a:t> a </a:t>
+            </a:r>
+            <a:r>
+              <a:rPr lang="de-DE" sz="1400" dirty="0" err="1"/>
+              <a:t>telescope</a:t>
+            </a:r>
+            <a:endParaRPr lang="de-DE" sz="1400" dirty="0"/>
+          </a:p>
+          <a:p>
+            <a:pPr lvl="1"/>
+            <a:r>
+              <a:rPr lang="de-DE" sz="1400" dirty="0"/>
+              <a:t>Infinite </a:t>
+            </a:r>
+            <a:r>
+              <a:rPr lang="de-DE" sz="1400" dirty="0" err="1"/>
+              <a:t>nesting</a:t>
+            </a:r>
+            <a:r>
+              <a:rPr lang="de-DE" sz="1400" dirty="0"/>
+              <a:t> (</a:t>
+            </a:r>
+            <a:r>
+              <a:rPr lang="de-DE" sz="1400" dirty="0" err="1"/>
+              <a:t>groups</a:t>
+            </a:r>
+            <a:r>
+              <a:rPr lang="de-DE" sz="1400" dirty="0"/>
+              <a:t> in </a:t>
+            </a:r>
+            <a:r>
+              <a:rPr lang="de-DE" sz="1400" dirty="0" err="1"/>
+              <a:t>groups</a:t>
+            </a:r>
+            <a:r>
+              <a:rPr lang="de-DE" sz="1400" dirty="0"/>
+              <a:t>) possible</a:t>
+            </a:r>
+          </a:p>
+          <a:p>
+            <a:pPr lvl="1"/>
+            <a:endParaRPr lang="de-DE" sz="1600" dirty="0"/>
+          </a:p>
+        </p:txBody>
+      </p:sp>
+      <p:sp>
+        <p:nvSpPr>
+          <p:cNvPr id="7" name="Content Placeholder 2">
+            <a:extLst>
+              <a:ext uri="{FF2B5EF4-FFF2-40B4-BE49-F238E27FC236}">
+                <a16:creationId xmlns:a16="http://schemas.microsoft.com/office/drawing/2014/main" id="{F152D6A2-8367-4C29-AF8F-F872DE757B9D}"/>
+              </a:ext>
+            </a:extLst>
+          </p:cNvPr>
+          <p:cNvSpPr txBox="1">
+            <a:spLocks/>
+          </p:cNvSpPr>
+          <p:nvPr/>
+        </p:nvSpPr>
+        <p:spPr>
+          <a:xfrm>
+            <a:off x="4786743" y="1371598"/>
+            <a:ext cx="3710049" cy="4805363"/>
+          </a:xfrm>
+          <a:prstGeom prst="rect">
+            <a:avLst/>
+          </a:prstGeom>
+        </p:spPr>
+        <p:txBody>
+          <a:bodyPr vert="horz" lIns="91440" tIns="45720" rIns="91440" bIns="45720" rtlCol="0">
+            <a:normAutofit/>
+          </a:bodyPr>
+          <a:lstStyle>
+            <a:lvl1pPr marL="228600" indent="-228600" algn="l" defTabSz="914400" rtl="0" eaLnBrk="1" latinLnBrk="0" hangingPunct="1">
+              <a:lnSpc>
+                <a:spcPct val="90000"/>
+              </a:lnSpc>
+              <a:spcBef>
+                <a:spcPts val="1000"/>
+              </a:spcBef>
+              <a:buClr>
+                <a:schemeClr val="accent1"/>
+              </a:buClr>
+              <a:buFont typeface="Arial" panose="020B0604020202020204" pitchFamily="34" charset="0"/>
+              <a:buChar char="•"/>
+              <a:defRPr sz="2800" kern="1200" baseline="0">
+                <a:solidFill>
+                  <a:srgbClr val="005597"/>
+                </a:solidFill>
+                <a:latin typeface="+mn-lt"/>
+                <a:ea typeface="+mn-ea"/>
+                <a:cs typeface="+mn-cs"/>
+              </a:defRPr>
+            </a:lvl1pPr>
+            <a:lvl2pPr marL="685800" indent="-228600" algn="l" defTabSz="914400" rtl="0" eaLnBrk="1" latinLnBrk="0" hangingPunct="1">
+              <a:lnSpc>
+                <a:spcPct val="90000"/>
+              </a:lnSpc>
+              <a:spcBef>
+                <a:spcPts val="500"/>
+              </a:spcBef>
+              <a:buClr>
+                <a:schemeClr val="accent1"/>
+              </a:buClr>
+              <a:buFont typeface="Arial" panose="020B0604020202020204" pitchFamily="34" charset="0"/>
+              <a:buChar char="•"/>
+              <a:defRPr sz="2400" kern="1200" baseline="0">
+                <a:solidFill>
+                  <a:srgbClr val="005597"/>
+                </a:solidFill>
+                <a:latin typeface="+mn-lt"/>
+                <a:ea typeface="+mn-ea"/>
+                <a:cs typeface="+mn-cs"/>
+              </a:defRPr>
+            </a:lvl2pPr>
+            <a:lvl3pPr marL="1143000" indent="-228600" algn="l" defTabSz="914400" rtl="0" eaLnBrk="1" latinLnBrk="0" hangingPunct="1">
+              <a:lnSpc>
+                <a:spcPct val="90000"/>
+              </a:lnSpc>
+              <a:spcBef>
+                <a:spcPts val="500"/>
+              </a:spcBef>
+              <a:buClr>
+                <a:schemeClr val="accent1"/>
+              </a:buClr>
+              <a:buFont typeface="Arial" panose="020B0604020202020204" pitchFamily="34" charset="0"/>
+              <a:buChar char="•"/>
+              <a:defRPr sz="2000" kern="1200" baseline="0">
+                <a:solidFill>
+                  <a:srgbClr val="005597"/>
+                </a:solidFill>
+                <a:latin typeface="+mn-lt"/>
+                <a:ea typeface="+mn-ea"/>
+                <a:cs typeface="+mn-cs"/>
+              </a:defRPr>
+            </a:lvl3pPr>
+            <a:lvl4pPr marL="1600200" indent="-228600" algn="l" defTabSz="914400" rtl="0" eaLnBrk="1" latinLnBrk="0" hangingPunct="1">
+              <a:lnSpc>
+                <a:spcPct val="90000"/>
+              </a:lnSpc>
+              <a:spcBef>
+                <a:spcPts val="500"/>
+              </a:spcBef>
+              <a:buClr>
+                <a:schemeClr val="accent1"/>
+              </a:buClr>
+              <a:buFont typeface="Arial" panose="020B0604020202020204" pitchFamily="34" charset="0"/>
+              <a:buChar char="•"/>
+              <a:defRPr sz="1800" kern="1200" baseline="0">
+                <a:solidFill>
+                  <a:srgbClr val="005597"/>
+                </a:solidFill>
+                <a:latin typeface="+mn-lt"/>
+                <a:ea typeface="+mn-ea"/>
+                <a:cs typeface="+mn-cs"/>
+              </a:defRPr>
+            </a:lvl4pPr>
+            <a:lvl5pPr marL="2057400" indent="-228600" algn="l" defTabSz="914400" rtl="0" eaLnBrk="1" latinLnBrk="0" hangingPunct="1">
+              <a:lnSpc>
+                <a:spcPct val="90000"/>
+              </a:lnSpc>
+              <a:spcBef>
+                <a:spcPts val="500"/>
+              </a:spcBef>
+              <a:buClr>
+                <a:schemeClr val="accent1"/>
+              </a:buClr>
+              <a:buFont typeface="Arial" panose="020B0604020202020204" pitchFamily="34" charset="0"/>
+              <a:buChar char="•"/>
+              <a:defRPr sz="1800" kern="1200" baseline="0">
+                <a:solidFill>
+                  <a:srgbClr val="005597"/>
+                </a:solidFill>
+                <a:latin typeface="+mn-lt"/>
+                <a:ea typeface="+mn-ea"/>
+                <a:cs typeface="+mn-cs"/>
+              </a:defRPr>
+            </a:lvl5pPr>
+            <a:lvl6pPr marL="2514600" indent="-228600" algn="l" defTabSz="914400" rtl="0" eaLnBrk="1" latinLnBrk="0" hangingPunct="1">
+              <a:lnSpc>
+                <a:spcPct val="90000"/>
+              </a:lnSpc>
+              <a:spcBef>
+                <a:spcPts val="500"/>
+              </a:spcBef>
+              <a:buFont typeface="Arial" panose="020B0604020202020204" pitchFamily="34" charset="0"/>
+              <a:buChar char="•"/>
+              <a:defRPr sz="1800" kern="1200">
+                <a:solidFill>
+                  <a:schemeClr val="tx1"/>
+                </a:solidFill>
+                <a:latin typeface="+mn-lt"/>
+                <a:ea typeface="+mn-ea"/>
+                <a:cs typeface="+mn-cs"/>
+              </a:defRPr>
+            </a:lvl6pPr>
+            <a:lvl7pPr marL="2971800" indent="-228600" algn="l" defTabSz="914400" rtl="0" eaLnBrk="1" latinLnBrk="0" hangingPunct="1">
+              <a:lnSpc>
+                <a:spcPct val="90000"/>
+              </a:lnSpc>
+              <a:spcBef>
+                <a:spcPts val="500"/>
+              </a:spcBef>
+              <a:buFont typeface="Arial" panose="020B0604020202020204" pitchFamily="34" charset="0"/>
+              <a:buChar char="•"/>
+              <a:defRPr sz="1800" kern="1200">
+                <a:solidFill>
+                  <a:schemeClr val="tx1"/>
+                </a:solidFill>
+                <a:latin typeface="+mn-lt"/>
+                <a:ea typeface="+mn-ea"/>
+                <a:cs typeface="+mn-cs"/>
+              </a:defRPr>
+            </a:lvl7pPr>
+            <a:lvl8pPr marL="3429000" indent="-228600" algn="l" defTabSz="914400" rtl="0" eaLnBrk="1" latinLnBrk="0" hangingPunct="1">
+              <a:lnSpc>
+                <a:spcPct val="90000"/>
+              </a:lnSpc>
+              <a:spcBef>
+                <a:spcPts val="500"/>
+              </a:spcBef>
+              <a:buFont typeface="Arial" panose="020B0604020202020204" pitchFamily="34" charset="0"/>
+              <a:buChar char="•"/>
+              <a:defRPr sz="1800" kern="1200">
+                <a:solidFill>
+                  <a:schemeClr val="tx1"/>
+                </a:solidFill>
+                <a:latin typeface="+mn-lt"/>
+                <a:ea typeface="+mn-ea"/>
+                <a:cs typeface="+mn-cs"/>
+              </a:defRPr>
+            </a:lvl8pPr>
+            <a:lvl9pPr marL="3886200" indent="-228600" algn="l" defTabSz="914400" rtl="0" eaLnBrk="1" latinLnBrk="0" hangingPunct="1">
+              <a:lnSpc>
+                <a:spcPct val="90000"/>
+              </a:lnSpc>
+              <a:spcBef>
+                <a:spcPts val="500"/>
+              </a:spcBef>
+              <a:buFont typeface="Arial" panose="020B0604020202020204" pitchFamily="34" charset="0"/>
+              <a:buChar char="•"/>
+              <a:defRPr sz="1800" kern="1200">
+                <a:solidFill>
+                  <a:schemeClr val="tx1"/>
+                </a:solidFill>
+                <a:latin typeface="+mn-lt"/>
+                <a:ea typeface="+mn-ea"/>
+                <a:cs typeface="+mn-cs"/>
+              </a:defRPr>
+            </a:lvl9pPr>
+          </a:lstStyle>
+          <a:p>
+            <a:pPr marL="0" indent="0">
+              <a:buNone/>
+            </a:pPr>
+            <a:r>
+              <a:rPr lang="de-DE" sz="2000" dirty="0" err="1"/>
+              <a:t>Detector</a:t>
+            </a:r>
+            <a:r>
+              <a:rPr lang="de-DE" sz="2000" dirty="0"/>
+              <a:t> </a:t>
+            </a:r>
+            <a:r>
+              <a:rPr lang="de-DE" sz="2000" dirty="0" err="1"/>
+              <a:t>nodes</a:t>
+            </a:r>
+            <a:r>
+              <a:rPr lang="de-DE" sz="2000" dirty="0"/>
+              <a:t>:</a:t>
+            </a:r>
+          </a:p>
+          <a:p>
+            <a:r>
+              <a:rPr lang="de-DE" sz="1600" dirty="0"/>
+              <a:t>Energy</a:t>
+            </a:r>
+          </a:p>
+          <a:p>
+            <a:r>
+              <a:rPr lang="de-DE" sz="1600" dirty="0" err="1"/>
+              <a:t>Fluence</a:t>
+            </a:r>
+            <a:endParaRPr lang="de-DE" sz="1600" dirty="0"/>
+          </a:p>
+          <a:p>
+            <a:r>
+              <a:rPr lang="de-DE" sz="1600" dirty="0" err="1"/>
+              <a:t>Spectrum</a:t>
+            </a:r>
+            <a:endParaRPr lang="de-DE" sz="1600" dirty="0"/>
+          </a:p>
+          <a:p>
+            <a:r>
+              <a:rPr lang="de-DE" sz="1600" dirty="0"/>
+              <a:t>Spot </a:t>
+            </a:r>
+            <a:r>
+              <a:rPr lang="de-DE" sz="1600" dirty="0" err="1"/>
+              <a:t>diagram</a:t>
+            </a:r>
+            <a:endParaRPr lang="de-DE" sz="1600" dirty="0"/>
+          </a:p>
+          <a:p>
+            <a:r>
+              <a:rPr lang="de-DE" sz="1600" dirty="0" err="1"/>
+              <a:t>Wavefront</a:t>
+            </a:r>
+            <a:endParaRPr lang="de-DE" sz="2000" dirty="0"/>
+          </a:p>
+        </p:txBody>
+      </p:sp>
+      <p:sp>
+        <p:nvSpPr>
+          <p:cNvPr id="13" name="Content Placeholder 2">
+            <a:extLst>
+              <a:ext uri="{FF2B5EF4-FFF2-40B4-BE49-F238E27FC236}">
+                <a16:creationId xmlns:a16="http://schemas.microsoft.com/office/drawing/2014/main" id="{B9181300-2DD4-4219-8C63-0A98DF434A54}"/>
+              </a:ext>
+            </a:extLst>
+          </p:cNvPr>
+          <p:cNvSpPr>
+            <a:spLocks noGrp="1"/>
+          </p:cNvSpPr>
+          <p:nvPr>
+            <p:ph idx="1"/>
+          </p:nvPr>
+        </p:nvSpPr>
+        <p:spPr>
+          <a:xfrm>
+            <a:off x="8129649" y="1371598"/>
+            <a:ext cx="3710049" cy="4805363"/>
+          </a:xfrm>
+        </p:spPr>
+        <p:txBody>
+          <a:bodyPr>
+            <a:normAutofit/>
+          </a:bodyPr>
+          <a:lstStyle/>
+          <a:p>
+            <a:pPr marL="0" indent="0">
+              <a:buNone/>
+            </a:pPr>
+            <a:r>
+              <a:rPr lang="de-DE" sz="2000" dirty="0" err="1"/>
+              <a:t>Generic</a:t>
+            </a:r>
+            <a:r>
+              <a:rPr lang="de-DE" sz="2000" dirty="0"/>
+              <a:t> </a:t>
+            </a:r>
+            <a:r>
+              <a:rPr lang="de-DE" sz="2000" dirty="0" err="1"/>
+              <a:t>nodes</a:t>
+            </a:r>
+            <a:r>
+              <a:rPr lang="de-DE" sz="2000" dirty="0"/>
+              <a:t>:</a:t>
+            </a:r>
+          </a:p>
+          <a:p>
+            <a:r>
+              <a:rPr lang="de-DE" sz="1600" dirty="0" err="1"/>
+              <a:t>Spherical</a:t>
+            </a:r>
+            <a:r>
+              <a:rPr lang="de-DE" sz="1600" dirty="0"/>
+              <a:t> </a:t>
+            </a:r>
+            <a:r>
+              <a:rPr lang="de-DE" sz="1600" dirty="0" err="1"/>
+              <a:t>lens</a:t>
+            </a:r>
+            <a:endParaRPr lang="de-DE" sz="1600" dirty="0"/>
+          </a:p>
+          <a:p>
+            <a:r>
+              <a:rPr lang="de-DE" sz="1600" dirty="0" err="1"/>
+              <a:t>Cylindrical</a:t>
+            </a:r>
+            <a:r>
+              <a:rPr lang="de-DE" sz="1600" dirty="0"/>
+              <a:t> </a:t>
+            </a:r>
+            <a:r>
+              <a:rPr lang="de-DE" sz="1600" dirty="0" err="1"/>
+              <a:t>lens</a:t>
+            </a:r>
+            <a:endParaRPr lang="de-DE" sz="1600" dirty="0"/>
+          </a:p>
+          <a:p>
+            <a:r>
+              <a:rPr lang="de-DE" sz="1600" dirty="0"/>
+              <a:t>Paraxial Lens</a:t>
+            </a:r>
+          </a:p>
+          <a:p>
+            <a:r>
+              <a:rPr lang="de-DE" sz="1600" dirty="0"/>
+              <a:t>Wedge</a:t>
+            </a:r>
+          </a:p>
+          <a:p>
+            <a:r>
+              <a:rPr lang="de-DE" sz="1600" dirty="0" err="1"/>
+              <a:t>Thin</a:t>
+            </a:r>
+            <a:r>
+              <a:rPr lang="de-DE" sz="1600" dirty="0"/>
+              <a:t> </a:t>
+            </a:r>
+            <a:r>
+              <a:rPr lang="de-DE" sz="1600" dirty="0" err="1"/>
+              <a:t>mirror</a:t>
+            </a:r>
+            <a:r>
+              <a:rPr lang="de-DE" sz="1600" dirty="0"/>
+              <a:t> (</a:t>
+            </a:r>
+            <a:r>
+              <a:rPr lang="de-DE" sz="1600" dirty="0" err="1"/>
+              <a:t>single</a:t>
+            </a:r>
+            <a:r>
+              <a:rPr lang="de-DE" sz="1600" dirty="0"/>
+              <a:t> </a:t>
+            </a:r>
+            <a:r>
+              <a:rPr lang="de-DE" sz="1600" dirty="0" err="1"/>
+              <a:t>surface</a:t>
+            </a:r>
+            <a:r>
+              <a:rPr lang="de-DE" sz="1600" dirty="0"/>
+              <a:t>)</a:t>
+            </a:r>
+          </a:p>
+          <a:p>
+            <a:r>
+              <a:rPr lang="de-DE" sz="1600" dirty="0"/>
+              <a:t>Ideal </a:t>
+            </a:r>
+            <a:r>
+              <a:rPr lang="de-DE" sz="1600" dirty="0" err="1"/>
+              <a:t>filter</a:t>
+            </a:r>
+            <a:endParaRPr lang="de-DE" sz="1600" dirty="0"/>
+          </a:p>
+          <a:p>
+            <a:r>
+              <a:rPr lang="de-DE" sz="1600" dirty="0" err="1"/>
+              <a:t>Reflective</a:t>
+            </a:r>
+            <a:r>
+              <a:rPr lang="de-DE" sz="1600" dirty="0"/>
+              <a:t> </a:t>
+            </a:r>
+            <a:r>
+              <a:rPr lang="de-DE" sz="1600" dirty="0" err="1"/>
+              <a:t>grating</a:t>
+            </a:r>
+            <a:endParaRPr lang="de-DE" sz="1600" dirty="0"/>
+          </a:p>
+          <a:p>
+            <a:r>
+              <a:rPr lang="de-DE" sz="1600" dirty="0"/>
+              <a:t>Ideal beam </a:t>
+            </a:r>
+            <a:r>
+              <a:rPr lang="de-DE" sz="1600" dirty="0" err="1"/>
+              <a:t>splitter</a:t>
+            </a:r>
+            <a:endParaRPr lang="de-DE" sz="2000" dirty="0"/>
+          </a:p>
+        </p:txBody>
+      </p:sp>
+      <p:sp>
+        <p:nvSpPr>
+          <p:cNvPr id="8" name="Rechteck 7">
+            <a:extLst>
+              <a:ext uri="{FF2B5EF4-FFF2-40B4-BE49-F238E27FC236}">
+                <a16:creationId xmlns:a16="http://schemas.microsoft.com/office/drawing/2014/main" id="{C6235047-3A4C-401E-B2B2-387361C7F6A1}"/>
+              </a:ext>
+            </a:extLst>
+          </p:cNvPr>
+          <p:cNvSpPr/>
+          <p:nvPr/>
+        </p:nvSpPr>
+        <p:spPr>
+          <a:xfrm>
+            <a:off x="576649" y="1178718"/>
+            <a:ext cx="4163080" cy="5081651"/>
+          </a:xfrm>
+          <a:prstGeom prst="rect">
+            <a:avLst/>
+          </a:prstGeom>
+          <a:solidFill>
+            <a:schemeClr val="bg1">
+              <a:alpha val="70000"/>
+            </a:schemeClr>
+          </a:solidFill>
+          <a:ln>
+            <a:noFill/>
+          </a:ln>
+        </p:spPr>
+        <p:style>
+          <a:lnRef idx="2">
+            <a:schemeClr val="accent1">
+              <a:shade val="50000"/>
+            </a:schemeClr>
+          </a:lnRef>
+          <a:fillRef idx="1">
+            <a:schemeClr val="accent1"/>
+          </a:fillRef>
+          <a:effectRef idx="0">
+            <a:schemeClr val="accent1"/>
+          </a:effectRef>
+          <a:fontRef idx="minor">
+            <a:schemeClr val="lt1"/>
+          </a:fontRef>
+        </p:style>
+        <p:txBody>
+          <a:bodyPr rtlCol="0" anchor="ctr"/>
+          <a:lstStyle/>
+          <a:p>
+            <a:pPr algn="ctr"/>
+            <a:endParaRPr lang="en-US"/>
+          </a:p>
+        </p:txBody>
+      </p:sp>
+      <p:sp>
+        <p:nvSpPr>
+          <p:cNvPr id="9" name="Rechteck 8">
+            <a:extLst>
+              <a:ext uri="{FF2B5EF4-FFF2-40B4-BE49-F238E27FC236}">
+                <a16:creationId xmlns:a16="http://schemas.microsoft.com/office/drawing/2014/main" id="{C13E38FD-DE19-4985-9F07-87D89AB374AE}"/>
+              </a:ext>
+            </a:extLst>
+          </p:cNvPr>
+          <p:cNvSpPr/>
+          <p:nvPr/>
+        </p:nvSpPr>
+        <p:spPr>
+          <a:xfrm>
+            <a:off x="4353149" y="1178718"/>
+            <a:ext cx="3167997" cy="5081651"/>
+          </a:xfrm>
+          <a:prstGeom prst="rect">
+            <a:avLst/>
+          </a:prstGeom>
+          <a:solidFill>
+            <a:schemeClr val="bg1">
+              <a:alpha val="70000"/>
+            </a:schemeClr>
+          </a:solidFill>
+          <a:ln>
+            <a:noFill/>
+          </a:ln>
+        </p:spPr>
+        <p:style>
+          <a:lnRef idx="2">
+            <a:schemeClr val="accent1">
+              <a:shade val="50000"/>
+            </a:schemeClr>
+          </a:lnRef>
+          <a:fillRef idx="1">
+            <a:schemeClr val="accent1"/>
+          </a:fillRef>
+          <a:effectRef idx="0">
+            <a:schemeClr val="accent1"/>
+          </a:effectRef>
+          <a:fontRef idx="minor">
+            <a:schemeClr val="lt1"/>
+          </a:fontRef>
+        </p:style>
+        <p:txBody>
+          <a:bodyPr rtlCol="0" anchor="ctr"/>
+          <a:lstStyle/>
+          <a:p>
+            <a:pPr algn="ctr"/>
+            <a:endParaRPr lang="en-US"/>
+          </a:p>
+        </p:txBody>
+      </p:sp>
+    </p:spTree>
+    <p:extLst>
+      <p:ext uri="{BB962C8B-B14F-4D97-AF65-F5344CB8AC3E}">
+        <p14:creationId xmlns:p14="http://schemas.microsoft.com/office/powerpoint/2010/main" val="300489335"/>
+      </p:ext>
+    </p:extLst>
+  </p:cSld>
+  <p:clrMapOvr>
+    <a:masterClrMapping/>
+  </p:clrMapOvr>
+  <mc:AlternateContent xmlns:mc="http://schemas.openxmlformats.org/markup-compatibility/2006" xmlns:p159="http://schemas.microsoft.com/office/powerpoint/2015/09/main">
+    <mc:Choice Requires="p159">
+      <p:transition xmlns:p14="http://schemas.microsoft.com/office/powerpoint/2010/main" spd="slow" p14:dur="2000">
+        <p159:morph option="byObject"/>
+      </p:transition>
+    </mc:Choice>
+    <mc:Fallback xmlns="">
+      <p:transition spd="slow">
+        <p:fade/>
+      </p:transition>
+    </mc:Fallback>
+  </mc:AlternateContent>
+</p:sld>
+</file>
+
+<file path=ppt/slides/slide11.xml><?xml version="1.0" encoding="utf-8"?>
+<p:sld xmlns:a="http://schemas.openxmlformats.org/drawingml/2006/main" xmlns:r="http://schemas.openxmlformats.org/officeDocument/2006/relationships" xmlns:p="http://schemas.openxmlformats.org/presentationml/2006/main">
+  <p:cSld>
+    <p:spTree>
+      <p:nvGrpSpPr>
+        <p:cNvPr id="1" name=""/>
+        <p:cNvGrpSpPr/>
+        <p:nvPr/>
+      </p:nvGrpSpPr>
+      <p:grpSpPr>
+        <a:xfrm>
+          <a:off x="0" y="0"/>
+          <a:ext cx="0" cy="0"/>
+          <a:chOff x="0" y="0"/>
+          <a:chExt cx="0" cy="0"/>
+        </a:xfrm>
+      </p:grpSpPr>
+      <p:sp>
+        <p:nvSpPr>
+          <p:cNvPr id="2" name="Title 1"/>
+          <p:cNvSpPr>
+            <a:spLocks noGrp="1"/>
+          </p:cNvSpPr>
+          <p:nvPr>
+            <p:ph type="title"/>
+          </p:nvPr>
+        </p:nvSpPr>
+        <p:spPr/>
+        <p:txBody>
+          <a:bodyPr/>
+          <a:lstStyle/>
+          <a:p>
+            <a:r>
+              <a:rPr lang="de-DE" dirty="0"/>
+              <a:t>Nodes – </a:t>
+            </a:r>
+            <a:r>
+              <a:rPr lang="de-DE" dirty="0" err="1"/>
               <a:t>surfaces</a:t>
             </a:r>
             <a:r>
@@ -4950,7 +6105,7 @@
             <a:fld id="{EC5B15BB-6B6E-4ECE-9DE6-799FAF01EBD9}" type="slidenum">
               <a:rPr lang="de-DE" smtClean="0"/>
               <a:pPr/>
-              <a:t>10</a:t>
+              <a:t>11</a:t>
             </a:fld>
             <a:endParaRPr lang="de-DE" dirty="0"/>
           </a:p>
@@ -5232,7 +6387,7 @@
 </p:sld>
 </file>
 
-<file path=ppt/slides/slide11.xml><?xml version="1.0" encoding="utf-8"?>
+<file path=ppt/slides/slide12.xml><?xml version="1.0" encoding="utf-8"?>
 <p:sld xmlns:a="http://schemas.openxmlformats.org/drawingml/2006/main" xmlns:r="http://schemas.openxmlformats.org/officeDocument/2006/relationships" xmlns:p="http://schemas.openxmlformats.org/presentationml/2006/main">
   <p:cSld>
     <p:spTree>
@@ -6014,7 +7169,7 @@
             <a:fld id="{EC5B15BB-6B6E-4ECE-9DE6-799FAF01EBD9}" type="slidenum">
               <a:rPr lang="de-DE" smtClean="0"/>
               <a:pPr/>
-              <a:t>11</a:t>
+              <a:t>12</a:t>
             </a:fld>
             <a:endParaRPr lang="de-DE" dirty="0"/>
           </a:p>
@@ -8436,6 +9591,114 @@
           </p:txBody>
         </p:sp>
       </p:grpSp>
+      <p:sp>
+        <p:nvSpPr>
+          <p:cNvPr id="62" name="Rechteck 61">
+            <a:extLst>
+              <a:ext uri="{FF2B5EF4-FFF2-40B4-BE49-F238E27FC236}">
+                <a16:creationId xmlns:a16="http://schemas.microsoft.com/office/drawing/2014/main" id="{37D4E35D-70F5-467F-8E48-C2F8A62E232C}"/>
+              </a:ext>
+            </a:extLst>
+          </p:cNvPr>
+          <p:cNvSpPr/>
+          <p:nvPr/>
+        </p:nvSpPr>
+        <p:spPr>
+          <a:xfrm>
+            <a:off x="576648" y="1178718"/>
+            <a:ext cx="11005751" cy="1218493"/>
+          </a:xfrm>
+          <a:prstGeom prst="rect">
+            <a:avLst/>
+          </a:prstGeom>
+          <a:solidFill>
+            <a:schemeClr val="bg1">
+              <a:alpha val="70000"/>
+            </a:schemeClr>
+          </a:solidFill>
+          <a:ln>
+            <a:noFill/>
+          </a:ln>
+        </p:spPr>
+        <p:style>
+          <a:lnRef idx="2">
+            <a:schemeClr val="accent1">
+              <a:shade val="50000"/>
+            </a:schemeClr>
+          </a:lnRef>
+          <a:fillRef idx="1">
+            <a:schemeClr val="accent1"/>
+          </a:fillRef>
+          <a:effectRef idx="0">
+            <a:schemeClr val="accent1"/>
+          </a:effectRef>
+          <a:fontRef idx="minor">
+            <a:schemeClr val="lt1"/>
+          </a:fontRef>
+        </p:style>
+        <p:txBody>
+          <a:bodyPr rtlCol="0" anchor="ctr"/>
+          <a:lstStyle/>
+          <a:p>
+            <a:pPr algn="ctr"/>
+            <a:endParaRPr lang="en-US"/>
+          </a:p>
+        </p:txBody>
+      </p:sp>
+      <p:sp>
+        <p:nvSpPr>
+          <p:cNvPr id="79" name="Rechteck 78">
+            <a:extLst>
+              <a:ext uri="{FF2B5EF4-FFF2-40B4-BE49-F238E27FC236}">
+                <a16:creationId xmlns:a16="http://schemas.microsoft.com/office/drawing/2014/main" id="{AC2A1722-7D1F-476C-B113-5A7A725BE083}"/>
+              </a:ext>
+            </a:extLst>
+          </p:cNvPr>
+          <p:cNvSpPr/>
+          <p:nvPr/>
+        </p:nvSpPr>
+        <p:spPr>
+          <a:xfrm>
+            <a:off x="576648" y="2498296"/>
+            <a:ext cx="10915135" cy="1551137"/>
+          </a:xfrm>
+          <a:prstGeom prst="rect">
+            <a:avLst/>
+          </a:prstGeom>
+          <a:solidFill>
+            <a:schemeClr val="bg1">
+              <a:alpha val="70000"/>
+            </a:schemeClr>
+          </a:solidFill>
+          <a:ln>
+            <a:noFill/>
+          </a:ln>
+        </p:spPr>
+        <p:style>
+          <a:lnRef idx="2">
+            <a:schemeClr val="accent1">
+              <a:shade val="50000"/>
+            </a:schemeClr>
+          </a:lnRef>
+          <a:fillRef idx="1">
+            <a:schemeClr val="accent1"/>
+          </a:fillRef>
+          <a:effectRef idx="0">
+            <a:schemeClr val="accent1"/>
+          </a:effectRef>
+          <a:fontRef idx="minor">
+            <a:schemeClr val="lt1"/>
+          </a:fontRef>
+        </p:style>
+        <p:txBody>
+          <a:bodyPr rtlCol="0" anchor="ctr"/>
+          <a:lstStyle/>
+          <a:p>
+            <a:pPr algn="ctr"/>
+            <a:endParaRPr lang="en-US"/>
+          </a:p>
+        </p:txBody>
+      </p:sp>
     </p:spTree>
     <p:extLst>
       <p:ext uri="{BB962C8B-B14F-4D97-AF65-F5344CB8AC3E}">
@@ -8630,6 +9893,41 @@
                                   </p:childTnLst>
                                 </p:cTn>
                               </p:par>
+                              <p:par>
+                                <p:cTn id="17" presetID="10" presetClass="entr" presetSubtype="0" fill="hold" grpId="0" nodeType="withEffect">
+                                  <p:stCondLst>
+                                    <p:cond delay="0"/>
+                                  </p:stCondLst>
+                                  <p:childTnLst>
+                                    <p:set>
+                                      <p:cBhvr>
+                                        <p:cTn id="18" dur="1" fill="hold">
+                                          <p:stCondLst>
+                                            <p:cond delay="0"/>
+                                          </p:stCondLst>
+                                        </p:cTn>
+                                        <p:tgtEl>
+                                          <p:spTgt spid="62"/>
+                                        </p:tgtEl>
+                                        <p:attrNameLst>
+                                          <p:attrName>style.visibility</p:attrName>
+                                        </p:attrNameLst>
+                                      </p:cBhvr>
+                                      <p:to>
+                                        <p:strVal val="visible"/>
+                                      </p:to>
+                                    </p:set>
+                                    <p:animEffect transition="in" filter="fade">
+                                      <p:cBhvr>
+                                        <p:cTn id="19" dur="500"/>
+                                        <p:tgtEl>
+                                          <p:spTgt spid="62"/>
+                                        </p:tgtEl>
+                                      </p:cBhvr>
+                                    </p:animEffect>
+                                  </p:childTnLst>
+                                </p:cTn>
+                              </p:par>
                             </p:childTnLst>
                           </p:cTn>
                         </p:par>
@@ -8637,26 +9935,26 @@
                     </p:cTn>
                   </p:par>
                   <p:par>
-                    <p:cTn id="17" fill="hold">
+                    <p:cTn id="20" fill="hold">
                       <p:stCondLst>
                         <p:cond delay="indefinite"/>
                       </p:stCondLst>
                       <p:childTnLst>
                         <p:par>
-                          <p:cTn id="18" fill="hold">
+                          <p:cTn id="21" fill="hold">
                             <p:stCondLst>
                               <p:cond delay="0"/>
                             </p:stCondLst>
                             <p:childTnLst>
                               <p:par>
-                                <p:cTn id="19" presetID="10" presetClass="entr" presetSubtype="0" fill="hold" nodeType="clickEffect">
+                                <p:cTn id="22" presetID="10" presetClass="entr" presetSubtype="0" fill="hold" nodeType="clickEffect">
                                   <p:stCondLst>
                                     <p:cond delay="0"/>
                                   </p:stCondLst>
                                   <p:childTnLst>
                                     <p:set>
                                       <p:cBhvr>
-                                        <p:cTn id="20" dur="1" fill="hold">
+                                        <p:cTn id="23" dur="1" fill="hold">
                                           <p:stCondLst>
                                             <p:cond delay="0"/>
                                           </p:stCondLst>
@@ -8678,54 +9976,11 @@
                                     </p:set>
                                     <p:animEffect transition="in" filter="fade">
                                       <p:cBhvr>
-                                        <p:cTn id="21" dur="500"/>
+                                        <p:cTn id="24" dur="500"/>
                                         <p:tgtEl>
                                           <p:spTgt spid="3">
                                             <p:txEl>
                                               <p:pRg st="6" end="6"/>
-                                            </p:txEl>
-                                          </p:spTgt>
-                                        </p:tgtEl>
-                                      </p:cBhvr>
-                                    </p:animEffect>
-                                  </p:childTnLst>
-                                </p:cTn>
-                              </p:par>
-                              <p:par>
-                                <p:cTn id="22" presetID="10" presetClass="entr" presetSubtype="0" fill="hold" nodeType="withEffect">
-                                  <p:stCondLst>
-                                    <p:cond delay="0"/>
-                                  </p:stCondLst>
-                                  <p:childTnLst>
-                                    <p:set>
-                                      <p:cBhvr>
-                                        <p:cTn id="23" dur="1" fill="hold">
-                                          <p:stCondLst>
-                                            <p:cond delay="0"/>
-                                          </p:stCondLst>
-                                        </p:cTn>
-                                        <p:tgtEl>
-                                          <p:spTgt spid="3">
-                                            <p:txEl>
-                                              <p:pRg st="7" end="7"/>
-                                            </p:txEl>
-                                          </p:spTgt>
-                                        </p:tgtEl>
-                                        <p:attrNameLst>
-                                          <p:attrName>style.visibility</p:attrName>
-                                        </p:attrNameLst>
-                                      </p:cBhvr>
-                                      <p:to>
-                                        <p:strVal val="visible"/>
-                                      </p:to>
-                                    </p:set>
-                                    <p:animEffect transition="in" filter="fade">
-                                      <p:cBhvr>
-                                        <p:cTn id="24" dur="500"/>
-                                        <p:tgtEl>
-                                          <p:spTgt spid="3">
-                                            <p:txEl>
-                                              <p:pRg st="7" end="7"/>
                                             </p:txEl>
                                           </p:spTgt>
                                         </p:tgtEl>
@@ -8750,7 +10005,7 @@
                                         <p:tgtEl>
                                           <p:spTgt spid="3">
                                             <p:txEl>
-                                              <p:pRg st="8" end="8"/>
+                                              <p:pRg st="7" end="7"/>
                                             </p:txEl>
                                           </p:spTgt>
                                         </p:tgtEl>
@@ -8768,7 +10023,7 @@
                                         <p:tgtEl>
                                           <p:spTgt spid="3">
                                             <p:txEl>
-                                              <p:pRg st="8" end="8"/>
+                                              <p:pRg st="7" end="7"/>
                                             </p:txEl>
                                           </p:spTgt>
                                         </p:tgtEl>
@@ -8793,7 +10048,7 @@
                                         <p:tgtEl>
                                           <p:spTgt spid="3">
                                             <p:txEl>
-                                              <p:pRg st="9" end="9"/>
+                                              <p:pRg st="8" end="8"/>
                                             </p:txEl>
                                           </p:spTgt>
                                         </p:tgtEl>
@@ -8811,7 +10066,7 @@
                                         <p:tgtEl>
                                           <p:spTgt spid="3">
                                             <p:txEl>
-                                              <p:pRg st="9" end="9"/>
+                                              <p:pRg st="8" end="8"/>
                                             </p:txEl>
                                           </p:spTgt>
                                         </p:tgtEl>
@@ -8834,7 +10089,11 @@
                                           </p:stCondLst>
                                         </p:cTn>
                                         <p:tgtEl>
-                                          <p:spTgt spid="78"/>
+                                          <p:spTgt spid="3">
+                                            <p:txEl>
+                                              <p:pRg st="9" end="9"/>
+                                            </p:txEl>
+                                          </p:spTgt>
                                         </p:tgtEl>
                                         <p:attrNameLst>
                                           <p:attrName>style.visibility</p:attrName>
@@ -8848,7 +10107,81 @@
                                       <p:cBhvr>
                                         <p:cTn id="33" dur="500"/>
                                         <p:tgtEl>
+                                          <p:spTgt spid="3">
+                                            <p:txEl>
+                                              <p:pRg st="9" end="9"/>
+                                            </p:txEl>
+                                          </p:spTgt>
+                                        </p:tgtEl>
+                                      </p:cBhvr>
+                                    </p:animEffect>
+                                  </p:childTnLst>
+                                </p:cTn>
+                              </p:par>
+                              <p:par>
+                                <p:cTn id="34" presetID="10" presetClass="entr" presetSubtype="0" fill="hold" nodeType="withEffect">
+                                  <p:stCondLst>
+                                    <p:cond delay="0"/>
+                                  </p:stCondLst>
+                                  <p:childTnLst>
+                                    <p:set>
+                                      <p:cBhvr>
+                                        <p:cTn id="35" dur="1" fill="hold">
+                                          <p:stCondLst>
+                                            <p:cond delay="0"/>
+                                          </p:stCondLst>
+                                        </p:cTn>
+                                        <p:tgtEl>
                                           <p:spTgt spid="78"/>
+                                        </p:tgtEl>
+                                        <p:attrNameLst>
+                                          <p:attrName>style.visibility</p:attrName>
+                                        </p:attrNameLst>
+                                      </p:cBhvr>
+                                      <p:to>
+                                        <p:strVal val="visible"/>
+                                      </p:to>
+                                    </p:set>
+                                    <p:animEffect transition="in" filter="fade">
+                                      <p:cBhvr>
+                                        <p:cTn id="36" dur="500"/>
+                                        <p:tgtEl>
+                                          <p:spTgt spid="78"/>
+                                        </p:tgtEl>
+                                      </p:cBhvr>
+                                    </p:animEffect>
+                                  </p:childTnLst>
+                                </p:cTn>
+                              </p:par>
+                              <p:par>
+                                <p:cTn id="37" presetID="10" presetClass="entr" presetSubtype="0" fill="hold" grpId="0" nodeType="withEffect">
+                                  <p:stCondLst>
+                                    <p:cond delay="0"/>
+                                  </p:stCondLst>
+                                  <p:childTnLst>
+                                    <p:set>
+                                      <p:cBhvr>
+                                        <p:cTn id="38" dur="1" fill="hold">
+                                          <p:stCondLst>
+                                            <p:cond delay="0"/>
+                                          </p:stCondLst>
+                                        </p:cTn>
+                                        <p:tgtEl>
+                                          <p:spTgt spid="79"/>
+                                        </p:tgtEl>
+                                        <p:attrNameLst>
+                                          <p:attrName>style.visibility</p:attrName>
+                                        </p:attrNameLst>
+                                      </p:cBhvr>
+                                      <p:to>
+                                        <p:strVal val="visible"/>
+                                      </p:to>
+                                    </p:set>
+                                    <p:animEffect transition="in" filter="fade">
+                                      <p:cBhvr>
+                                        <p:cTn id="39" dur="500"/>
+                                        <p:tgtEl>
+                                          <p:spTgt spid="79"/>
                                         </p:tgtEl>
                                       </p:cBhvr>
                                     </p:animEffect>
@@ -8882,11 +10215,15 @@
         </p:cTn>
       </p:par>
     </p:tnLst>
+    <p:bldLst>
+      <p:bldP spid="62" grpId="0" animBg="1"/>
+      <p:bldP spid="79" grpId="0" animBg="1"/>
+    </p:bldLst>
   </p:timing>
 </p:sld>
 </file>
 
-<file path=ppt/slides/slide12.xml><?xml version="1.0" encoding="utf-8"?>
+<file path=ppt/slides/slide13.xml><?xml version="1.0" encoding="utf-8"?>
 <p:sld xmlns:a="http://schemas.openxmlformats.org/drawingml/2006/main" xmlns:r="http://schemas.openxmlformats.org/officeDocument/2006/relationships" xmlns:p="http://schemas.openxmlformats.org/presentationml/2006/main">
   <p:cSld>
     <p:spTree>
@@ -9264,7 +10601,7 @@
             <a:fld id="{EC5B15BB-6B6E-4ECE-9DE6-799FAF01EBD9}" type="slidenum">
               <a:rPr lang="de-DE" smtClean="0"/>
               <a:pPr/>
-              <a:t>12</a:t>
+              <a:t>13</a:t>
             </a:fld>
             <a:endParaRPr lang="de-DE" dirty="0"/>
           </a:p>
@@ -9349,7 +10686,7 @@
 </p:sld>
 </file>
 
-<file path=ppt/slides/slide13.xml><?xml version="1.0" encoding="utf-8"?>
+<file path=ppt/slides/slide14.xml><?xml version="1.0" encoding="utf-8"?>
 <p:sld xmlns:a="http://schemas.openxmlformats.org/drawingml/2006/main" xmlns:r="http://schemas.openxmlformats.org/officeDocument/2006/relationships" xmlns:p="http://schemas.openxmlformats.org/presentationml/2006/main">
   <p:cSld>
     <p:spTree>
@@ -9604,7 +10941,7 @@
             <a:fld id="{EC5B15BB-6B6E-4ECE-9DE6-799FAF01EBD9}" type="slidenum">
               <a:rPr lang="de-DE" smtClean="0"/>
               <a:pPr/>
-              <a:t>13</a:t>
+              <a:t>14</a:t>
             </a:fld>
             <a:endParaRPr lang="de-DE" dirty="0"/>
           </a:p>
@@ -9692,7 +11029,7 @@
 </p:sld>
 </file>
 
-<file path=ppt/slides/slide14.xml><?xml version="1.0" encoding="utf-8"?>
+<file path=ppt/slides/slide15.xml><?xml version="1.0" encoding="utf-8"?>
 <p:sld xmlns:a="http://schemas.openxmlformats.org/drawingml/2006/main" xmlns:r="http://schemas.openxmlformats.org/officeDocument/2006/relationships" xmlns:p="http://schemas.openxmlformats.org/presentationml/2006/main">
   <p:cSld>
     <p:spTree>
@@ -9795,7 +11132,7 @@
             <a:fld id="{EC5B15BB-6B6E-4ECE-9DE6-799FAF01EBD9}" type="slidenum">
               <a:rPr lang="de-DE" smtClean="0"/>
               <a:pPr/>
-              <a:t>14</a:t>
+              <a:t>15</a:t>
             </a:fld>
             <a:endParaRPr lang="de-DE" dirty="0"/>
           </a:p>
@@ -10506,7 +11843,7 @@
 </p:sld>
 </file>
 
-<file path=ppt/slides/slide15.xml><?xml version="1.0" encoding="utf-8"?>
+<file path=ppt/slides/slide16.xml><?xml version="1.0" encoding="utf-8"?>
 <p:sld xmlns:a="http://schemas.openxmlformats.org/drawingml/2006/main" xmlns:r="http://schemas.openxmlformats.org/officeDocument/2006/relationships" xmlns:p="http://schemas.openxmlformats.org/presentationml/2006/main">
   <p:cSld>
     <p:spTree>
@@ -10575,7 +11912,7 @@
             <a:fld id="{EC5B15BB-6B6E-4ECE-9DE6-799FAF01EBD9}" type="slidenum">
               <a:rPr lang="de-DE" smtClean="0"/>
               <a:pPr/>
-              <a:t>15</a:t>
+              <a:t>16</a:t>
             </a:fld>
             <a:endParaRPr lang="de-DE" dirty="0"/>
           </a:p>
@@ -10935,7 +12272,7 @@
 </p:sld>
 </file>
 
-<file path=ppt/slides/slide16.xml><?xml version="1.0" encoding="utf-8"?>
+<file path=ppt/slides/slide17.xml><?xml version="1.0" encoding="utf-8"?>
 <p:sld xmlns:a="http://schemas.openxmlformats.org/drawingml/2006/main" xmlns:r="http://schemas.openxmlformats.org/officeDocument/2006/relationships" xmlns:p="http://schemas.openxmlformats.org/presentationml/2006/main">
   <p:cSld>
     <p:spTree>
@@ -11004,7 +12341,7 @@
             <a:fld id="{EC5B15BB-6B6E-4ECE-9DE6-799FAF01EBD9}" type="slidenum">
               <a:rPr lang="de-DE" smtClean="0"/>
               <a:pPr/>
-              <a:t>16</a:t>
+              <a:t>17</a:t>
             </a:fld>
             <a:endParaRPr lang="de-DE" dirty="0"/>
           </a:p>
@@ -11325,6 +12662,3884 @@
             <p:ph type="title"/>
           </p:nvPr>
         </p:nvSpPr>
+        <p:spPr>
+          <a:xfrm>
+            <a:off x="838200" y="802253"/>
+            <a:ext cx="12647927" cy="813593"/>
+          </a:xfrm>
+        </p:spPr>
+        <p:txBody>
+          <a:bodyPr>
+            <a:normAutofit/>
+          </a:bodyPr>
+          <a:lstStyle/>
+          <a:p>
+            <a:r>
+              <a:rPr lang="de-DE" sz="2400" dirty="0"/>
+              <a:t>THRILL WP 3.4  - </a:t>
+            </a:r>
+            <a:r>
+              <a:rPr lang="en-US" sz="2400" dirty="0"/>
+              <a:t>“Supporting calculations for system design”</a:t>
+            </a:r>
+            <a:endParaRPr lang="en-US" sz="3600" noProof="0" dirty="0"/>
+          </a:p>
+        </p:txBody>
+      </p:sp>
+      <p:sp>
+        <p:nvSpPr>
+          <p:cNvPr id="19" name="Text Placeholder 5"/>
+          <p:cNvSpPr txBox="1">
+            <a:spLocks/>
+          </p:cNvSpPr>
+          <p:nvPr/>
+        </p:nvSpPr>
+        <p:spPr>
+          <a:xfrm>
+            <a:off x="472440" y="1637151"/>
+            <a:ext cx="4343400" cy="1279188"/>
+          </a:xfrm>
+          <a:prstGeom prst="rect">
+            <a:avLst/>
+          </a:prstGeom>
+        </p:spPr>
+        <p:txBody>
+          <a:bodyPr vert="horz" lIns="91440" tIns="45720" rIns="91440" bIns="45720" rtlCol="0">
+            <a:normAutofit/>
+          </a:bodyPr>
+          <a:lstStyle>
+            <a:lvl1pPr marL="228600" indent="-228600" algn="l" defTabSz="914400" rtl="0" eaLnBrk="1" latinLnBrk="0" hangingPunct="1">
+              <a:lnSpc>
+                <a:spcPct val="90000"/>
+              </a:lnSpc>
+              <a:spcBef>
+                <a:spcPts val="1000"/>
+              </a:spcBef>
+              <a:buClr>
+                <a:schemeClr val="accent1"/>
+              </a:buClr>
+              <a:buFont typeface="Arial" panose="020B0604020202020204" pitchFamily="34" charset="0"/>
+              <a:buChar char="•"/>
+              <a:defRPr sz="2800" kern="1200" baseline="0">
+                <a:solidFill>
+                  <a:srgbClr val="005597"/>
+                </a:solidFill>
+                <a:latin typeface="+mn-lt"/>
+                <a:ea typeface="+mn-ea"/>
+                <a:cs typeface="+mn-cs"/>
+              </a:defRPr>
+            </a:lvl1pPr>
+            <a:lvl2pPr marL="685800" indent="-228600" algn="l" defTabSz="914400" rtl="0" eaLnBrk="1" latinLnBrk="0" hangingPunct="1">
+              <a:lnSpc>
+                <a:spcPct val="90000"/>
+              </a:lnSpc>
+              <a:spcBef>
+                <a:spcPts val="500"/>
+              </a:spcBef>
+              <a:buClr>
+                <a:schemeClr val="accent1"/>
+              </a:buClr>
+              <a:buFont typeface="Arial" panose="020B0604020202020204" pitchFamily="34" charset="0"/>
+              <a:buChar char="•"/>
+              <a:defRPr sz="2400" kern="1200" baseline="0">
+                <a:solidFill>
+                  <a:srgbClr val="005597"/>
+                </a:solidFill>
+                <a:latin typeface="+mn-lt"/>
+                <a:ea typeface="+mn-ea"/>
+                <a:cs typeface="+mn-cs"/>
+              </a:defRPr>
+            </a:lvl2pPr>
+            <a:lvl3pPr marL="1143000" indent="-228600" algn="l" defTabSz="914400" rtl="0" eaLnBrk="1" latinLnBrk="0" hangingPunct="1">
+              <a:lnSpc>
+                <a:spcPct val="90000"/>
+              </a:lnSpc>
+              <a:spcBef>
+                <a:spcPts val="500"/>
+              </a:spcBef>
+              <a:buClr>
+                <a:schemeClr val="accent1"/>
+              </a:buClr>
+              <a:buFont typeface="Arial" panose="020B0604020202020204" pitchFamily="34" charset="0"/>
+              <a:buChar char="•"/>
+              <a:defRPr sz="2000" kern="1200" baseline="0">
+                <a:solidFill>
+                  <a:srgbClr val="005597"/>
+                </a:solidFill>
+                <a:latin typeface="+mn-lt"/>
+                <a:ea typeface="+mn-ea"/>
+                <a:cs typeface="+mn-cs"/>
+              </a:defRPr>
+            </a:lvl3pPr>
+            <a:lvl4pPr marL="1600200" indent="-228600" algn="l" defTabSz="914400" rtl="0" eaLnBrk="1" latinLnBrk="0" hangingPunct="1">
+              <a:lnSpc>
+                <a:spcPct val="90000"/>
+              </a:lnSpc>
+              <a:spcBef>
+                <a:spcPts val="500"/>
+              </a:spcBef>
+              <a:buClr>
+                <a:schemeClr val="accent1"/>
+              </a:buClr>
+              <a:buFont typeface="Arial" panose="020B0604020202020204" pitchFamily="34" charset="0"/>
+              <a:buChar char="•"/>
+              <a:defRPr sz="1800" kern="1200" baseline="0">
+                <a:solidFill>
+                  <a:srgbClr val="005597"/>
+                </a:solidFill>
+                <a:latin typeface="+mn-lt"/>
+                <a:ea typeface="+mn-ea"/>
+                <a:cs typeface="+mn-cs"/>
+              </a:defRPr>
+            </a:lvl4pPr>
+            <a:lvl5pPr marL="2057400" indent="-228600" algn="l" defTabSz="914400" rtl="0" eaLnBrk="1" latinLnBrk="0" hangingPunct="1">
+              <a:lnSpc>
+                <a:spcPct val="90000"/>
+              </a:lnSpc>
+              <a:spcBef>
+                <a:spcPts val="500"/>
+              </a:spcBef>
+              <a:buClr>
+                <a:schemeClr val="accent1"/>
+              </a:buClr>
+              <a:buFont typeface="Arial" panose="020B0604020202020204" pitchFamily="34" charset="0"/>
+              <a:buChar char="•"/>
+              <a:defRPr sz="1800" kern="1200" baseline="0">
+                <a:solidFill>
+                  <a:srgbClr val="005597"/>
+                </a:solidFill>
+                <a:latin typeface="+mn-lt"/>
+                <a:ea typeface="+mn-ea"/>
+                <a:cs typeface="+mn-cs"/>
+              </a:defRPr>
+            </a:lvl5pPr>
+            <a:lvl6pPr marL="2514600" indent="-228600" algn="l" defTabSz="914400" rtl="0" eaLnBrk="1" latinLnBrk="0" hangingPunct="1">
+              <a:lnSpc>
+                <a:spcPct val="90000"/>
+              </a:lnSpc>
+              <a:spcBef>
+                <a:spcPts val="500"/>
+              </a:spcBef>
+              <a:buFont typeface="Arial" panose="020B0604020202020204" pitchFamily="34" charset="0"/>
+              <a:buChar char="•"/>
+              <a:defRPr sz="1800" kern="1200">
+                <a:solidFill>
+                  <a:schemeClr val="tx1"/>
+                </a:solidFill>
+                <a:latin typeface="+mn-lt"/>
+                <a:ea typeface="+mn-ea"/>
+                <a:cs typeface="+mn-cs"/>
+              </a:defRPr>
+            </a:lvl6pPr>
+            <a:lvl7pPr marL="2971800" indent="-228600" algn="l" defTabSz="914400" rtl="0" eaLnBrk="1" latinLnBrk="0" hangingPunct="1">
+              <a:lnSpc>
+                <a:spcPct val="90000"/>
+              </a:lnSpc>
+              <a:spcBef>
+                <a:spcPts val="500"/>
+              </a:spcBef>
+              <a:buFont typeface="Arial" panose="020B0604020202020204" pitchFamily="34" charset="0"/>
+              <a:buChar char="•"/>
+              <a:defRPr sz="1800" kern="1200">
+                <a:solidFill>
+                  <a:schemeClr val="tx1"/>
+                </a:solidFill>
+                <a:latin typeface="+mn-lt"/>
+                <a:ea typeface="+mn-ea"/>
+                <a:cs typeface="+mn-cs"/>
+              </a:defRPr>
+            </a:lvl7pPr>
+            <a:lvl8pPr marL="3429000" indent="-228600" algn="l" defTabSz="914400" rtl="0" eaLnBrk="1" latinLnBrk="0" hangingPunct="1">
+              <a:lnSpc>
+                <a:spcPct val="90000"/>
+              </a:lnSpc>
+              <a:spcBef>
+                <a:spcPts val="500"/>
+              </a:spcBef>
+              <a:buFont typeface="Arial" panose="020B0604020202020204" pitchFamily="34" charset="0"/>
+              <a:buChar char="•"/>
+              <a:defRPr sz="1800" kern="1200">
+                <a:solidFill>
+                  <a:schemeClr val="tx1"/>
+                </a:solidFill>
+                <a:latin typeface="+mn-lt"/>
+                <a:ea typeface="+mn-ea"/>
+                <a:cs typeface="+mn-cs"/>
+              </a:defRPr>
+            </a:lvl8pPr>
+            <a:lvl9pPr marL="3886200" indent="-228600" algn="l" defTabSz="914400" rtl="0" eaLnBrk="1" latinLnBrk="0" hangingPunct="1">
+              <a:lnSpc>
+                <a:spcPct val="90000"/>
+              </a:lnSpc>
+              <a:spcBef>
+                <a:spcPts val="500"/>
+              </a:spcBef>
+              <a:buFont typeface="Arial" panose="020B0604020202020204" pitchFamily="34" charset="0"/>
+              <a:buChar char="•"/>
+              <a:defRPr sz="1800" kern="1200">
+                <a:solidFill>
+                  <a:schemeClr val="tx1"/>
+                </a:solidFill>
+                <a:latin typeface="+mn-lt"/>
+                <a:ea typeface="+mn-ea"/>
+                <a:cs typeface="+mn-cs"/>
+              </a:defRPr>
+            </a:lvl9pPr>
+          </a:lstStyle>
+          <a:p>
+            <a:r>
+              <a:rPr lang="en-US" sz="1600" dirty="0"/>
+              <a:t>Modern high-intensity laser systems become more sophisticated &amp; complex</a:t>
+            </a:r>
+          </a:p>
+          <a:p>
+            <a:r>
+              <a:rPr lang="en-US" sz="1600" dirty="0"/>
+              <a:t>Rigorous planning is crucial to make systems sustainable</a:t>
+            </a:r>
+          </a:p>
+          <a:p>
+            <a:pPr marL="457200" lvl="1" indent="0">
+              <a:buNone/>
+            </a:pPr>
+            <a:endParaRPr lang="en-US" sz="1200" dirty="0"/>
+          </a:p>
+        </p:txBody>
+      </p:sp>
+      <p:sp>
+        <p:nvSpPr>
+          <p:cNvPr id="14" name="Text Placeholder 5">
+            <a:extLst>
+              <a:ext uri="{FF2B5EF4-FFF2-40B4-BE49-F238E27FC236}">
+                <a16:creationId xmlns:a16="http://schemas.microsoft.com/office/drawing/2014/main" id="{FAD2AC21-9B4F-49C2-BA23-50B7EFF6BE53}"/>
+              </a:ext>
+            </a:extLst>
+          </p:cNvPr>
+          <p:cNvSpPr txBox="1">
+            <a:spLocks/>
+          </p:cNvSpPr>
+          <p:nvPr/>
+        </p:nvSpPr>
+        <p:spPr>
+          <a:xfrm>
+            <a:off x="472440" y="2871033"/>
+            <a:ext cx="4343400" cy="616505"/>
+          </a:xfrm>
+          <a:prstGeom prst="rect">
+            <a:avLst/>
+          </a:prstGeom>
+          <a:solidFill>
+            <a:srgbClr val="22B3C9">
+              <a:alpha val="29000"/>
+            </a:srgbClr>
+          </a:solidFill>
+          <a:ln w="34925" cap="rnd">
+            <a:solidFill>
+              <a:srgbClr val="22B3C9"/>
+            </a:solidFill>
+          </a:ln>
+        </p:spPr>
+        <p:txBody>
+          <a:bodyPr vert="horz" lIns="91440" tIns="45720" rIns="91440" bIns="45720" rtlCol="0" anchor="ctr">
+            <a:normAutofit/>
+          </a:bodyPr>
+          <a:lstStyle>
+            <a:lvl1pPr marL="228600" indent="-228600" algn="l" defTabSz="914400" rtl="0" eaLnBrk="1" latinLnBrk="0" hangingPunct="1">
+              <a:lnSpc>
+                <a:spcPct val="90000"/>
+              </a:lnSpc>
+              <a:spcBef>
+                <a:spcPts val="1000"/>
+              </a:spcBef>
+              <a:buClr>
+                <a:schemeClr val="accent1"/>
+              </a:buClr>
+              <a:buFont typeface="Arial" panose="020B0604020202020204" pitchFamily="34" charset="0"/>
+              <a:buChar char="•"/>
+              <a:defRPr sz="2800" kern="1200" baseline="0">
+                <a:solidFill>
+                  <a:srgbClr val="005597"/>
+                </a:solidFill>
+                <a:latin typeface="+mn-lt"/>
+                <a:ea typeface="+mn-ea"/>
+                <a:cs typeface="+mn-cs"/>
+              </a:defRPr>
+            </a:lvl1pPr>
+            <a:lvl2pPr marL="685800" indent="-228600" algn="l" defTabSz="914400" rtl="0" eaLnBrk="1" latinLnBrk="0" hangingPunct="1">
+              <a:lnSpc>
+                <a:spcPct val="90000"/>
+              </a:lnSpc>
+              <a:spcBef>
+                <a:spcPts val="500"/>
+              </a:spcBef>
+              <a:buClr>
+                <a:schemeClr val="accent1"/>
+              </a:buClr>
+              <a:buFont typeface="Arial" panose="020B0604020202020204" pitchFamily="34" charset="0"/>
+              <a:buChar char="•"/>
+              <a:defRPr sz="2400" kern="1200" baseline="0">
+                <a:solidFill>
+                  <a:srgbClr val="005597"/>
+                </a:solidFill>
+                <a:latin typeface="+mn-lt"/>
+                <a:ea typeface="+mn-ea"/>
+                <a:cs typeface="+mn-cs"/>
+              </a:defRPr>
+            </a:lvl2pPr>
+            <a:lvl3pPr marL="1143000" indent="-228600" algn="l" defTabSz="914400" rtl="0" eaLnBrk="1" latinLnBrk="0" hangingPunct="1">
+              <a:lnSpc>
+                <a:spcPct val="90000"/>
+              </a:lnSpc>
+              <a:spcBef>
+                <a:spcPts val="500"/>
+              </a:spcBef>
+              <a:buClr>
+                <a:schemeClr val="accent1"/>
+              </a:buClr>
+              <a:buFont typeface="Arial" panose="020B0604020202020204" pitchFamily="34" charset="0"/>
+              <a:buChar char="•"/>
+              <a:defRPr sz="2000" kern="1200" baseline="0">
+                <a:solidFill>
+                  <a:srgbClr val="005597"/>
+                </a:solidFill>
+                <a:latin typeface="+mn-lt"/>
+                <a:ea typeface="+mn-ea"/>
+                <a:cs typeface="+mn-cs"/>
+              </a:defRPr>
+            </a:lvl3pPr>
+            <a:lvl4pPr marL="1600200" indent="-228600" algn="l" defTabSz="914400" rtl="0" eaLnBrk="1" latinLnBrk="0" hangingPunct="1">
+              <a:lnSpc>
+                <a:spcPct val="90000"/>
+              </a:lnSpc>
+              <a:spcBef>
+                <a:spcPts val="500"/>
+              </a:spcBef>
+              <a:buClr>
+                <a:schemeClr val="accent1"/>
+              </a:buClr>
+              <a:buFont typeface="Arial" panose="020B0604020202020204" pitchFamily="34" charset="0"/>
+              <a:buChar char="•"/>
+              <a:defRPr sz="1800" kern="1200" baseline="0">
+                <a:solidFill>
+                  <a:srgbClr val="005597"/>
+                </a:solidFill>
+                <a:latin typeface="+mn-lt"/>
+                <a:ea typeface="+mn-ea"/>
+                <a:cs typeface="+mn-cs"/>
+              </a:defRPr>
+            </a:lvl4pPr>
+            <a:lvl5pPr marL="2057400" indent="-228600" algn="l" defTabSz="914400" rtl="0" eaLnBrk="1" latinLnBrk="0" hangingPunct="1">
+              <a:lnSpc>
+                <a:spcPct val="90000"/>
+              </a:lnSpc>
+              <a:spcBef>
+                <a:spcPts val="500"/>
+              </a:spcBef>
+              <a:buClr>
+                <a:schemeClr val="accent1"/>
+              </a:buClr>
+              <a:buFont typeface="Arial" panose="020B0604020202020204" pitchFamily="34" charset="0"/>
+              <a:buChar char="•"/>
+              <a:defRPr sz="1800" kern="1200" baseline="0">
+                <a:solidFill>
+                  <a:srgbClr val="005597"/>
+                </a:solidFill>
+                <a:latin typeface="+mn-lt"/>
+                <a:ea typeface="+mn-ea"/>
+                <a:cs typeface="+mn-cs"/>
+              </a:defRPr>
+            </a:lvl5pPr>
+            <a:lvl6pPr marL="2514600" indent="-228600" algn="l" defTabSz="914400" rtl="0" eaLnBrk="1" latinLnBrk="0" hangingPunct="1">
+              <a:lnSpc>
+                <a:spcPct val="90000"/>
+              </a:lnSpc>
+              <a:spcBef>
+                <a:spcPts val="500"/>
+              </a:spcBef>
+              <a:buFont typeface="Arial" panose="020B0604020202020204" pitchFamily="34" charset="0"/>
+              <a:buChar char="•"/>
+              <a:defRPr sz="1800" kern="1200">
+                <a:solidFill>
+                  <a:schemeClr val="tx1"/>
+                </a:solidFill>
+                <a:latin typeface="+mn-lt"/>
+                <a:ea typeface="+mn-ea"/>
+                <a:cs typeface="+mn-cs"/>
+              </a:defRPr>
+            </a:lvl6pPr>
+            <a:lvl7pPr marL="2971800" indent="-228600" algn="l" defTabSz="914400" rtl="0" eaLnBrk="1" latinLnBrk="0" hangingPunct="1">
+              <a:lnSpc>
+                <a:spcPct val="90000"/>
+              </a:lnSpc>
+              <a:spcBef>
+                <a:spcPts val="500"/>
+              </a:spcBef>
+              <a:buFont typeface="Arial" panose="020B0604020202020204" pitchFamily="34" charset="0"/>
+              <a:buChar char="•"/>
+              <a:defRPr sz="1800" kern="1200">
+                <a:solidFill>
+                  <a:schemeClr val="tx1"/>
+                </a:solidFill>
+                <a:latin typeface="+mn-lt"/>
+                <a:ea typeface="+mn-ea"/>
+                <a:cs typeface="+mn-cs"/>
+              </a:defRPr>
+            </a:lvl7pPr>
+            <a:lvl8pPr marL="3429000" indent="-228600" algn="l" defTabSz="914400" rtl="0" eaLnBrk="1" latinLnBrk="0" hangingPunct="1">
+              <a:lnSpc>
+                <a:spcPct val="90000"/>
+              </a:lnSpc>
+              <a:spcBef>
+                <a:spcPts val="500"/>
+              </a:spcBef>
+              <a:buFont typeface="Arial" panose="020B0604020202020204" pitchFamily="34" charset="0"/>
+              <a:buChar char="•"/>
+              <a:defRPr sz="1800" kern="1200">
+                <a:solidFill>
+                  <a:schemeClr val="tx1"/>
+                </a:solidFill>
+                <a:latin typeface="+mn-lt"/>
+                <a:ea typeface="+mn-ea"/>
+                <a:cs typeface="+mn-cs"/>
+              </a:defRPr>
+            </a:lvl8pPr>
+            <a:lvl9pPr marL="3886200" indent="-228600" algn="l" defTabSz="914400" rtl="0" eaLnBrk="1" latinLnBrk="0" hangingPunct="1">
+              <a:lnSpc>
+                <a:spcPct val="90000"/>
+              </a:lnSpc>
+              <a:spcBef>
+                <a:spcPts val="500"/>
+              </a:spcBef>
+              <a:buFont typeface="Arial" panose="020B0604020202020204" pitchFamily="34" charset="0"/>
+              <a:buChar char="•"/>
+              <a:defRPr sz="1800" kern="1200">
+                <a:solidFill>
+                  <a:schemeClr val="tx1"/>
+                </a:solidFill>
+                <a:latin typeface="+mn-lt"/>
+                <a:ea typeface="+mn-ea"/>
+                <a:cs typeface="+mn-cs"/>
+              </a:defRPr>
+            </a:lvl9pPr>
+          </a:lstStyle>
+          <a:p>
+            <a:pPr marL="0" indent="0" algn="ctr">
+              <a:buNone/>
+            </a:pPr>
+            <a:r>
+              <a:rPr lang="en-US" sz="1600" dirty="0"/>
+              <a:t>Full-scale modeling of these systems, ideally creating a “digital twin” is necessary!</a:t>
+            </a:r>
+            <a:endParaRPr lang="en-US" sz="1200" dirty="0"/>
+          </a:p>
+        </p:txBody>
+      </p:sp>
+      <p:sp>
+        <p:nvSpPr>
+          <p:cNvPr id="18" name="Text Placeholder 5">
+            <a:extLst>
+              <a:ext uri="{FF2B5EF4-FFF2-40B4-BE49-F238E27FC236}">
+                <a16:creationId xmlns:a16="http://schemas.microsoft.com/office/drawing/2014/main" id="{66F01158-3DD0-438A-AE7A-15E991A2C575}"/>
+              </a:ext>
+            </a:extLst>
+          </p:cNvPr>
+          <p:cNvSpPr txBox="1">
+            <a:spLocks/>
+          </p:cNvSpPr>
+          <p:nvPr/>
+        </p:nvSpPr>
+        <p:spPr>
+          <a:xfrm>
+            <a:off x="472440" y="3782943"/>
+            <a:ext cx="4343400" cy="2408620"/>
+          </a:xfrm>
+          <a:prstGeom prst="rect">
+            <a:avLst/>
+          </a:prstGeom>
+        </p:spPr>
+        <p:txBody>
+          <a:bodyPr vert="horz" lIns="91440" tIns="45720" rIns="91440" bIns="45720" rtlCol="0">
+            <a:normAutofit/>
+          </a:bodyPr>
+          <a:lstStyle>
+            <a:lvl1pPr marL="228600" indent="-228600" algn="l" defTabSz="914400" rtl="0" eaLnBrk="1" latinLnBrk="0" hangingPunct="1">
+              <a:lnSpc>
+                <a:spcPct val="90000"/>
+              </a:lnSpc>
+              <a:spcBef>
+                <a:spcPts val="1000"/>
+              </a:spcBef>
+              <a:buClr>
+                <a:schemeClr val="accent1"/>
+              </a:buClr>
+              <a:buFont typeface="Arial" panose="020B0604020202020204" pitchFamily="34" charset="0"/>
+              <a:buChar char="•"/>
+              <a:defRPr sz="2800" kern="1200" baseline="0">
+                <a:solidFill>
+                  <a:srgbClr val="005597"/>
+                </a:solidFill>
+                <a:latin typeface="+mn-lt"/>
+                <a:ea typeface="+mn-ea"/>
+                <a:cs typeface="+mn-cs"/>
+              </a:defRPr>
+            </a:lvl1pPr>
+            <a:lvl2pPr marL="685800" indent="-228600" algn="l" defTabSz="914400" rtl="0" eaLnBrk="1" latinLnBrk="0" hangingPunct="1">
+              <a:lnSpc>
+                <a:spcPct val="90000"/>
+              </a:lnSpc>
+              <a:spcBef>
+                <a:spcPts val="500"/>
+              </a:spcBef>
+              <a:buClr>
+                <a:schemeClr val="accent1"/>
+              </a:buClr>
+              <a:buFont typeface="Arial" panose="020B0604020202020204" pitchFamily="34" charset="0"/>
+              <a:buChar char="•"/>
+              <a:defRPr sz="2400" kern="1200" baseline="0">
+                <a:solidFill>
+                  <a:srgbClr val="005597"/>
+                </a:solidFill>
+                <a:latin typeface="+mn-lt"/>
+                <a:ea typeface="+mn-ea"/>
+                <a:cs typeface="+mn-cs"/>
+              </a:defRPr>
+            </a:lvl2pPr>
+            <a:lvl3pPr marL="1143000" indent="-228600" algn="l" defTabSz="914400" rtl="0" eaLnBrk="1" latinLnBrk="0" hangingPunct="1">
+              <a:lnSpc>
+                <a:spcPct val="90000"/>
+              </a:lnSpc>
+              <a:spcBef>
+                <a:spcPts val="500"/>
+              </a:spcBef>
+              <a:buClr>
+                <a:schemeClr val="accent1"/>
+              </a:buClr>
+              <a:buFont typeface="Arial" panose="020B0604020202020204" pitchFamily="34" charset="0"/>
+              <a:buChar char="•"/>
+              <a:defRPr sz="2000" kern="1200" baseline="0">
+                <a:solidFill>
+                  <a:srgbClr val="005597"/>
+                </a:solidFill>
+                <a:latin typeface="+mn-lt"/>
+                <a:ea typeface="+mn-ea"/>
+                <a:cs typeface="+mn-cs"/>
+              </a:defRPr>
+            </a:lvl3pPr>
+            <a:lvl4pPr marL="1600200" indent="-228600" algn="l" defTabSz="914400" rtl="0" eaLnBrk="1" latinLnBrk="0" hangingPunct="1">
+              <a:lnSpc>
+                <a:spcPct val="90000"/>
+              </a:lnSpc>
+              <a:spcBef>
+                <a:spcPts val="500"/>
+              </a:spcBef>
+              <a:buClr>
+                <a:schemeClr val="accent1"/>
+              </a:buClr>
+              <a:buFont typeface="Arial" panose="020B0604020202020204" pitchFamily="34" charset="0"/>
+              <a:buChar char="•"/>
+              <a:defRPr sz="1800" kern="1200" baseline="0">
+                <a:solidFill>
+                  <a:srgbClr val="005597"/>
+                </a:solidFill>
+                <a:latin typeface="+mn-lt"/>
+                <a:ea typeface="+mn-ea"/>
+                <a:cs typeface="+mn-cs"/>
+              </a:defRPr>
+            </a:lvl4pPr>
+            <a:lvl5pPr marL="2057400" indent="-228600" algn="l" defTabSz="914400" rtl="0" eaLnBrk="1" latinLnBrk="0" hangingPunct="1">
+              <a:lnSpc>
+                <a:spcPct val="90000"/>
+              </a:lnSpc>
+              <a:spcBef>
+                <a:spcPts val="500"/>
+              </a:spcBef>
+              <a:buClr>
+                <a:schemeClr val="accent1"/>
+              </a:buClr>
+              <a:buFont typeface="Arial" panose="020B0604020202020204" pitchFamily="34" charset="0"/>
+              <a:buChar char="•"/>
+              <a:defRPr sz="1800" kern="1200" baseline="0">
+                <a:solidFill>
+                  <a:srgbClr val="005597"/>
+                </a:solidFill>
+                <a:latin typeface="+mn-lt"/>
+                <a:ea typeface="+mn-ea"/>
+                <a:cs typeface="+mn-cs"/>
+              </a:defRPr>
+            </a:lvl5pPr>
+            <a:lvl6pPr marL="2514600" indent="-228600" algn="l" defTabSz="914400" rtl="0" eaLnBrk="1" latinLnBrk="0" hangingPunct="1">
+              <a:lnSpc>
+                <a:spcPct val="90000"/>
+              </a:lnSpc>
+              <a:spcBef>
+                <a:spcPts val="500"/>
+              </a:spcBef>
+              <a:buFont typeface="Arial" panose="020B0604020202020204" pitchFamily="34" charset="0"/>
+              <a:buChar char="•"/>
+              <a:defRPr sz="1800" kern="1200">
+                <a:solidFill>
+                  <a:schemeClr val="tx1"/>
+                </a:solidFill>
+                <a:latin typeface="+mn-lt"/>
+                <a:ea typeface="+mn-ea"/>
+                <a:cs typeface="+mn-cs"/>
+              </a:defRPr>
+            </a:lvl6pPr>
+            <a:lvl7pPr marL="2971800" indent="-228600" algn="l" defTabSz="914400" rtl="0" eaLnBrk="1" latinLnBrk="0" hangingPunct="1">
+              <a:lnSpc>
+                <a:spcPct val="90000"/>
+              </a:lnSpc>
+              <a:spcBef>
+                <a:spcPts val="500"/>
+              </a:spcBef>
+              <a:buFont typeface="Arial" panose="020B0604020202020204" pitchFamily="34" charset="0"/>
+              <a:buChar char="•"/>
+              <a:defRPr sz="1800" kern="1200">
+                <a:solidFill>
+                  <a:schemeClr val="tx1"/>
+                </a:solidFill>
+                <a:latin typeface="+mn-lt"/>
+                <a:ea typeface="+mn-ea"/>
+                <a:cs typeface="+mn-cs"/>
+              </a:defRPr>
+            </a:lvl7pPr>
+            <a:lvl8pPr marL="3429000" indent="-228600" algn="l" defTabSz="914400" rtl="0" eaLnBrk="1" latinLnBrk="0" hangingPunct="1">
+              <a:lnSpc>
+                <a:spcPct val="90000"/>
+              </a:lnSpc>
+              <a:spcBef>
+                <a:spcPts val="500"/>
+              </a:spcBef>
+              <a:buFont typeface="Arial" panose="020B0604020202020204" pitchFamily="34" charset="0"/>
+              <a:buChar char="•"/>
+              <a:defRPr sz="1800" kern="1200">
+                <a:solidFill>
+                  <a:schemeClr val="tx1"/>
+                </a:solidFill>
+                <a:latin typeface="+mn-lt"/>
+                <a:ea typeface="+mn-ea"/>
+                <a:cs typeface="+mn-cs"/>
+              </a:defRPr>
+            </a:lvl8pPr>
+            <a:lvl9pPr marL="3886200" indent="-228600" algn="l" defTabSz="914400" rtl="0" eaLnBrk="1" latinLnBrk="0" hangingPunct="1">
+              <a:lnSpc>
+                <a:spcPct val="90000"/>
+              </a:lnSpc>
+              <a:spcBef>
+                <a:spcPts val="500"/>
+              </a:spcBef>
+              <a:buFont typeface="Arial" panose="020B0604020202020204" pitchFamily="34" charset="0"/>
+              <a:buChar char="•"/>
+              <a:defRPr sz="1800" kern="1200">
+                <a:solidFill>
+                  <a:schemeClr val="tx1"/>
+                </a:solidFill>
+                <a:latin typeface="+mn-lt"/>
+                <a:ea typeface="+mn-ea"/>
+                <a:cs typeface="+mn-cs"/>
+              </a:defRPr>
+            </a:lvl9pPr>
+          </a:lstStyle>
+          <a:p>
+            <a:pPr marL="0" indent="0">
+              <a:buNone/>
+            </a:pPr>
+            <a:r>
+              <a:rPr lang="en-US" sz="1600" b="1" dirty="0"/>
+              <a:t>However, existing modeling solutions are</a:t>
+            </a:r>
+            <a:endParaRPr lang="en-US" sz="1600" dirty="0"/>
+          </a:p>
+          <a:p>
+            <a:r>
+              <a:rPr lang="en-US" sz="1600" dirty="0"/>
+              <a:t>Proprietary: </a:t>
+            </a:r>
+          </a:p>
+          <a:p>
+            <a:pPr lvl="1"/>
+            <a:r>
+              <a:rPr lang="en-US" sz="1200" dirty="0"/>
+              <a:t>hard / impossible to integrate, expensive</a:t>
+            </a:r>
+          </a:p>
+          <a:p>
+            <a:r>
+              <a:rPr lang="en-US" sz="1600" dirty="0"/>
+              <a:t>Self-written codes: </a:t>
+            </a:r>
+          </a:p>
+          <a:p>
+            <a:pPr lvl="1"/>
+            <a:r>
+              <a:rPr lang="en-US" sz="1200" dirty="0"/>
+              <a:t>Often „single-use“ during a thesis</a:t>
+            </a:r>
+          </a:p>
+          <a:p>
+            <a:pPr lvl="1"/>
+            <a:r>
+              <a:rPr lang="en-US" sz="1200" dirty="0"/>
+              <a:t>not well maintained, mostly non-compatible with other code</a:t>
+            </a:r>
+          </a:p>
+          <a:p>
+            <a:r>
+              <a:rPr lang="en-US" sz="1600" dirty="0"/>
+              <a:t>Targeting specific problems</a:t>
+            </a:r>
+            <a:endParaRPr lang="en-US" sz="1200" dirty="0"/>
+          </a:p>
+        </p:txBody>
+      </p:sp>
+      <p:sp>
+        <p:nvSpPr>
+          <p:cNvPr id="50" name="Halbbogen 49">
+            <a:extLst>
+              <a:ext uri="{FF2B5EF4-FFF2-40B4-BE49-F238E27FC236}">
+                <a16:creationId xmlns:a16="http://schemas.microsoft.com/office/drawing/2014/main" id="{17FD0887-3804-4D1E-976E-577DA7BF28A7}"/>
+              </a:ext>
+            </a:extLst>
+          </p:cNvPr>
+          <p:cNvSpPr/>
+          <p:nvPr/>
+        </p:nvSpPr>
+        <p:spPr>
+          <a:xfrm>
+            <a:off x="8931268" y="2799555"/>
+            <a:ext cx="2673331" cy="2673331"/>
+          </a:xfrm>
+          <a:prstGeom prst="blockArc">
+            <a:avLst>
+              <a:gd name="adj1" fmla="val 11880000"/>
+              <a:gd name="adj2" fmla="val 16200000"/>
+              <a:gd name="adj3" fmla="val 4640"/>
+            </a:avLst>
+          </a:prstGeom>
+        </p:spPr>
+        <p:style>
+          <a:lnRef idx="0">
+            <a:schemeClr val="accent1">
+              <a:tint val="60000"/>
+              <a:hueOff val="0"/>
+              <a:satOff val="0"/>
+              <a:lumOff val="0"/>
+              <a:alphaOff val="0"/>
+            </a:schemeClr>
+          </a:lnRef>
+          <a:fillRef idx="1">
+            <a:schemeClr val="accent1">
+              <a:tint val="60000"/>
+              <a:hueOff val="0"/>
+              <a:satOff val="0"/>
+              <a:lumOff val="0"/>
+              <a:alphaOff val="0"/>
+            </a:schemeClr>
+          </a:fillRef>
+          <a:effectRef idx="0">
+            <a:schemeClr val="accent1">
+              <a:tint val="60000"/>
+              <a:hueOff val="0"/>
+              <a:satOff val="0"/>
+              <a:lumOff val="0"/>
+              <a:alphaOff val="0"/>
+            </a:schemeClr>
+          </a:effectRef>
+          <a:fontRef idx="minor">
+            <a:schemeClr val="lt1"/>
+          </a:fontRef>
+        </p:style>
+      </p:sp>
+      <p:sp>
+        <p:nvSpPr>
+          <p:cNvPr id="51" name="Halbbogen 50">
+            <a:extLst>
+              <a:ext uri="{FF2B5EF4-FFF2-40B4-BE49-F238E27FC236}">
+                <a16:creationId xmlns:a16="http://schemas.microsoft.com/office/drawing/2014/main" id="{1219F8F9-3BA8-4F30-8FD4-E779C9D6367E}"/>
+              </a:ext>
+            </a:extLst>
+          </p:cNvPr>
+          <p:cNvSpPr/>
+          <p:nvPr/>
+        </p:nvSpPr>
+        <p:spPr>
+          <a:xfrm>
+            <a:off x="8931268" y="2799555"/>
+            <a:ext cx="2673331" cy="2673331"/>
+          </a:xfrm>
+          <a:prstGeom prst="blockArc">
+            <a:avLst>
+              <a:gd name="adj1" fmla="val 7560000"/>
+              <a:gd name="adj2" fmla="val 11880000"/>
+              <a:gd name="adj3" fmla="val 4640"/>
+            </a:avLst>
+          </a:prstGeom>
+        </p:spPr>
+        <p:style>
+          <a:lnRef idx="0">
+            <a:schemeClr val="accent1">
+              <a:tint val="60000"/>
+              <a:hueOff val="0"/>
+              <a:satOff val="0"/>
+              <a:lumOff val="0"/>
+              <a:alphaOff val="0"/>
+            </a:schemeClr>
+          </a:lnRef>
+          <a:fillRef idx="1">
+            <a:schemeClr val="accent1">
+              <a:tint val="60000"/>
+              <a:hueOff val="0"/>
+              <a:satOff val="0"/>
+              <a:lumOff val="0"/>
+              <a:alphaOff val="0"/>
+            </a:schemeClr>
+          </a:fillRef>
+          <a:effectRef idx="0">
+            <a:schemeClr val="accent1">
+              <a:tint val="60000"/>
+              <a:hueOff val="0"/>
+              <a:satOff val="0"/>
+              <a:lumOff val="0"/>
+              <a:alphaOff val="0"/>
+            </a:schemeClr>
+          </a:effectRef>
+          <a:fontRef idx="minor">
+            <a:schemeClr val="lt1"/>
+          </a:fontRef>
+        </p:style>
+      </p:sp>
+      <p:sp>
+        <p:nvSpPr>
+          <p:cNvPr id="52" name="Halbbogen 51">
+            <a:extLst>
+              <a:ext uri="{FF2B5EF4-FFF2-40B4-BE49-F238E27FC236}">
+                <a16:creationId xmlns:a16="http://schemas.microsoft.com/office/drawing/2014/main" id="{B37A5374-2413-4DC1-B434-2774FED45984}"/>
+              </a:ext>
+            </a:extLst>
+          </p:cNvPr>
+          <p:cNvSpPr/>
+          <p:nvPr/>
+        </p:nvSpPr>
+        <p:spPr>
+          <a:xfrm>
+            <a:off x="8931268" y="2799555"/>
+            <a:ext cx="2673331" cy="2673331"/>
+          </a:xfrm>
+          <a:prstGeom prst="blockArc">
+            <a:avLst>
+              <a:gd name="adj1" fmla="val 3240000"/>
+              <a:gd name="adj2" fmla="val 7560000"/>
+              <a:gd name="adj3" fmla="val 4640"/>
+            </a:avLst>
+          </a:prstGeom>
+        </p:spPr>
+        <p:style>
+          <a:lnRef idx="0">
+            <a:schemeClr val="accent1">
+              <a:tint val="60000"/>
+              <a:hueOff val="0"/>
+              <a:satOff val="0"/>
+              <a:lumOff val="0"/>
+              <a:alphaOff val="0"/>
+            </a:schemeClr>
+          </a:lnRef>
+          <a:fillRef idx="1">
+            <a:schemeClr val="accent1">
+              <a:tint val="60000"/>
+              <a:hueOff val="0"/>
+              <a:satOff val="0"/>
+              <a:lumOff val="0"/>
+              <a:alphaOff val="0"/>
+            </a:schemeClr>
+          </a:fillRef>
+          <a:effectRef idx="0">
+            <a:schemeClr val="accent1">
+              <a:tint val="60000"/>
+              <a:hueOff val="0"/>
+              <a:satOff val="0"/>
+              <a:lumOff val="0"/>
+              <a:alphaOff val="0"/>
+            </a:schemeClr>
+          </a:effectRef>
+          <a:fontRef idx="minor">
+            <a:schemeClr val="lt1"/>
+          </a:fontRef>
+        </p:style>
+      </p:sp>
+      <p:sp>
+        <p:nvSpPr>
+          <p:cNvPr id="53" name="Halbbogen 52">
+            <a:extLst>
+              <a:ext uri="{FF2B5EF4-FFF2-40B4-BE49-F238E27FC236}">
+                <a16:creationId xmlns:a16="http://schemas.microsoft.com/office/drawing/2014/main" id="{1255B92D-9965-470C-8A28-61B79D5562E5}"/>
+              </a:ext>
+            </a:extLst>
+          </p:cNvPr>
+          <p:cNvSpPr/>
+          <p:nvPr/>
+        </p:nvSpPr>
+        <p:spPr>
+          <a:xfrm>
+            <a:off x="8931268" y="2799555"/>
+            <a:ext cx="2673331" cy="2673331"/>
+          </a:xfrm>
+          <a:prstGeom prst="blockArc">
+            <a:avLst>
+              <a:gd name="adj1" fmla="val 20520000"/>
+              <a:gd name="adj2" fmla="val 3240000"/>
+              <a:gd name="adj3" fmla="val 4640"/>
+            </a:avLst>
+          </a:prstGeom>
+        </p:spPr>
+        <p:style>
+          <a:lnRef idx="0">
+            <a:schemeClr val="accent1">
+              <a:tint val="60000"/>
+              <a:hueOff val="0"/>
+              <a:satOff val="0"/>
+              <a:lumOff val="0"/>
+              <a:alphaOff val="0"/>
+            </a:schemeClr>
+          </a:lnRef>
+          <a:fillRef idx="1">
+            <a:schemeClr val="accent1">
+              <a:tint val="60000"/>
+              <a:hueOff val="0"/>
+              <a:satOff val="0"/>
+              <a:lumOff val="0"/>
+              <a:alphaOff val="0"/>
+            </a:schemeClr>
+          </a:fillRef>
+          <a:effectRef idx="0">
+            <a:schemeClr val="accent1">
+              <a:tint val="60000"/>
+              <a:hueOff val="0"/>
+              <a:satOff val="0"/>
+              <a:lumOff val="0"/>
+              <a:alphaOff val="0"/>
+            </a:schemeClr>
+          </a:effectRef>
+          <a:fontRef idx="minor">
+            <a:schemeClr val="lt1"/>
+          </a:fontRef>
+        </p:style>
+      </p:sp>
+      <p:sp>
+        <p:nvSpPr>
+          <p:cNvPr id="54" name="Halbbogen 53">
+            <a:extLst>
+              <a:ext uri="{FF2B5EF4-FFF2-40B4-BE49-F238E27FC236}">
+                <a16:creationId xmlns:a16="http://schemas.microsoft.com/office/drawing/2014/main" id="{1B98A775-5CA7-478B-9563-DB3ECB71A7E3}"/>
+              </a:ext>
+            </a:extLst>
+          </p:cNvPr>
+          <p:cNvSpPr/>
+          <p:nvPr/>
+        </p:nvSpPr>
+        <p:spPr>
+          <a:xfrm>
+            <a:off x="8931268" y="2799555"/>
+            <a:ext cx="2673331" cy="2673331"/>
+          </a:xfrm>
+          <a:prstGeom prst="blockArc">
+            <a:avLst>
+              <a:gd name="adj1" fmla="val 16200000"/>
+              <a:gd name="adj2" fmla="val 20520000"/>
+              <a:gd name="adj3" fmla="val 4640"/>
+            </a:avLst>
+          </a:prstGeom>
+        </p:spPr>
+        <p:style>
+          <a:lnRef idx="0">
+            <a:schemeClr val="accent1">
+              <a:tint val="60000"/>
+              <a:hueOff val="0"/>
+              <a:satOff val="0"/>
+              <a:lumOff val="0"/>
+              <a:alphaOff val="0"/>
+            </a:schemeClr>
+          </a:lnRef>
+          <a:fillRef idx="1">
+            <a:schemeClr val="accent1">
+              <a:tint val="60000"/>
+              <a:hueOff val="0"/>
+              <a:satOff val="0"/>
+              <a:lumOff val="0"/>
+              <a:alphaOff val="0"/>
+            </a:schemeClr>
+          </a:fillRef>
+          <a:effectRef idx="0">
+            <a:schemeClr val="accent1">
+              <a:tint val="60000"/>
+              <a:hueOff val="0"/>
+              <a:satOff val="0"/>
+              <a:lumOff val="0"/>
+              <a:alphaOff val="0"/>
+            </a:schemeClr>
+          </a:effectRef>
+          <a:fontRef idx="minor">
+            <a:schemeClr val="lt1"/>
+          </a:fontRef>
+        </p:style>
+      </p:sp>
+      <p:sp>
+        <p:nvSpPr>
+          <p:cNvPr id="55" name="Freihandform: Form 54">
+            <a:extLst>
+              <a:ext uri="{FF2B5EF4-FFF2-40B4-BE49-F238E27FC236}">
+                <a16:creationId xmlns:a16="http://schemas.microsoft.com/office/drawing/2014/main" id="{6FACDDE4-2C8E-45EA-A9AB-BEC65957242E}"/>
+              </a:ext>
+            </a:extLst>
+          </p:cNvPr>
+          <p:cNvSpPr/>
+          <p:nvPr/>
+        </p:nvSpPr>
+        <p:spPr>
+          <a:xfrm>
+            <a:off x="9656078" y="3531155"/>
+            <a:ext cx="1194568" cy="1194568"/>
+          </a:xfrm>
+          <a:custGeom>
+            <a:avLst/>
+            <a:gdLst>
+              <a:gd name="connsiteX0" fmla="*/ 0 w 1194568"/>
+              <a:gd name="connsiteY0" fmla="*/ 597284 h 1194568"/>
+              <a:gd name="connsiteX1" fmla="*/ 597284 w 1194568"/>
+              <a:gd name="connsiteY1" fmla="*/ 0 h 1194568"/>
+              <a:gd name="connsiteX2" fmla="*/ 1194568 w 1194568"/>
+              <a:gd name="connsiteY2" fmla="*/ 597284 h 1194568"/>
+              <a:gd name="connsiteX3" fmla="*/ 597284 w 1194568"/>
+              <a:gd name="connsiteY3" fmla="*/ 1194568 h 1194568"/>
+              <a:gd name="connsiteX4" fmla="*/ 0 w 1194568"/>
+              <a:gd name="connsiteY4" fmla="*/ 597284 h 1194568"/>
+            </a:gdLst>
+            <a:ahLst/>
+            <a:cxnLst>
+              <a:cxn ang="0">
+                <a:pos x="connsiteX0" y="connsiteY0"/>
+              </a:cxn>
+              <a:cxn ang="0">
+                <a:pos x="connsiteX1" y="connsiteY1"/>
+              </a:cxn>
+              <a:cxn ang="0">
+                <a:pos x="connsiteX2" y="connsiteY2"/>
+              </a:cxn>
+              <a:cxn ang="0">
+                <a:pos x="connsiteX3" y="connsiteY3"/>
+              </a:cxn>
+              <a:cxn ang="0">
+                <a:pos x="connsiteX4" y="connsiteY4"/>
+              </a:cxn>
+            </a:cxnLst>
+            <a:rect l="l" t="t" r="r" b="b"/>
+            <a:pathLst>
+              <a:path w="1194568" h="1194568">
+                <a:moveTo>
+                  <a:pt x="0" y="597284"/>
+                </a:moveTo>
+                <a:cubicBezTo>
+                  <a:pt x="0" y="267413"/>
+                  <a:pt x="267413" y="0"/>
+                  <a:pt x="597284" y="0"/>
+                </a:cubicBezTo>
+                <a:cubicBezTo>
+                  <a:pt x="927155" y="0"/>
+                  <a:pt x="1194568" y="267413"/>
+                  <a:pt x="1194568" y="597284"/>
+                </a:cubicBezTo>
+                <a:cubicBezTo>
+                  <a:pt x="1194568" y="927155"/>
+                  <a:pt x="927155" y="1194568"/>
+                  <a:pt x="597284" y="1194568"/>
+                </a:cubicBezTo>
+                <a:cubicBezTo>
+                  <a:pt x="267413" y="1194568"/>
+                  <a:pt x="0" y="927155"/>
+                  <a:pt x="0" y="597284"/>
+                </a:cubicBezTo>
+                <a:close/>
+              </a:path>
+            </a:pathLst>
+          </a:custGeom>
+          <a:solidFill>
+            <a:schemeClr val="bg1"/>
+          </a:solidFill>
+          <a:ln w="38100">
+            <a:solidFill>
+              <a:srgbClr val="005597"/>
+            </a:solidFill>
+          </a:ln>
+        </p:spPr>
+        <p:style>
+          <a:lnRef idx="2">
+            <a:scrgbClr r="0" g="0" b="0"/>
+          </a:lnRef>
+          <a:fillRef idx="1">
+            <a:scrgbClr r="0" g="0" b="0"/>
+          </a:fillRef>
+          <a:effectRef idx="0">
+            <a:schemeClr val="accent1">
+              <a:hueOff val="0"/>
+              <a:satOff val="0"/>
+              <a:lumOff val="0"/>
+              <a:alphaOff val="0"/>
+            </a:schemeClr>
+          </a:effectRef>
+          <a:fontRef idx="minor">
+            <a:schemeClr val="lt1"/>
+          </a:fontRef>
+        </p:style>
+        <p:txBody>
+          <a:bodyPr spcFirstLastPara="0" vert="horz" wrap="square" lIns="206690" tIns="206690" rIns="206690" bIns="206690" numCol="1" spcCol="1270" anchor="ctr" anchorCtr="0">
+            <a:noAutofit/>
+          </a:bodyPr>
+          <a:lstStyle/>
+          <a:p>
+            <a:pPr marL="0" lvl="0" indent="0" algn="ctr" defTabSz="1111250">
+              <a:lnSpc>
+                <a:spcPct val="90000"/>
+              </a:lnSpc>
+              <a:spcBef>
+                <a:spcPct val="0"/>
+              </a:spcBef>
+              <a:spcAft>
+                <a:spcPct val="35000"/>
+              </a:spcAft>
+              <a:buNone/>
+            </a:pPr>
+            <a:endParaRPr lang="en-US" sz="2500" kern="1200" dirty="0"/>
+          </a:p>
+        </p:txBody>
+      </p:sp>
+      <p:sp>
+        <p:nvSpPr>
+          <p:cNvPr id="56" name="Freihandform: Form 55">
+            <a:extLst>
+              <a:ext uri="{FF2B5EF4-FFF2-40B4-BE49-F238E27FC236}">
+                <a16:creationId xmlns:a16="http://schemas.microsoft.com/office/drawing/2014/main" id="{F190BDA5-16E7-4E3A-B9D3-34E6EB08D22E}"/>
+              </a:ext>
+            </a:extLst>
+          </p:cNvPr>
+          <p:cNvSpPr/>
+          <p:nvPr/>
+        </p:nvSpPr>
+        <p:spPr>
+          <a:xfrm>
+            <a:off x="9670646" y="2233282"/>
+            <a:ext cx="1194574" cy="1194574"/>
+          </a:xfrm>
+          <a:custGeom>
+            <a:avLst/>
+            <a:gdLst>
+              <a:gd name="connsiteX0" fmla="*/ 0 w 1194574"/>
+              <a:gd name="connsiteY0" fmla="*/ 597287 h 1194574"/>
+              <a:gd name="connsiteX1" fmla="*/ 597287 w 1194574"/>
+              <a:gd name="connsiteY1" fmla="*/ 0 h 1194574"/>
+              <a:gd name="connsiteX2" fmla="*/ 1194574 w 1194574"/>
+              <a:gd name="connsiteY2" fmla="*/ 597287 h 1194574"/>
+              <a:gd name="connsiteX3" fmla="*/ 597287 w 1194574"/>
+              <a:gd name="connsiteY3" fmla="*/ 1194574 h 1194574"/>
+              <a:gd name="connsiteX4" fmla="*/ 0 w 1194574"/>
+              <a:gd name="connsiteY4" fmla="*/ 597287 h 1194574"/>
+            </a:gdLst>
+            <a:ahLst/>
+            <a:cxnLst>
+              <a:cxn ang="0">
+                <a:pos x="connsiteX0" y="connsiteY0"/>
+              </a:cxn>
+              <a:cxn ang="0">
+                <a:pos x="connsiteX1" y="connsiteY1"/>
+              </a:cxn>
+              <a:cxn ang="0">
+                <a:pos x="connsiteX2" y="connsiteY2"/>
+              </a:cxn>
+              <a:cxn ang="0">
+                <a:pos x="connsiteX3" y="connsiteY3"/>
+              </a:cxn>
+              <a:cxn ang="0">
+                <a:pos x="connsiteX4" y="connsiteY4"/>
+              </a:cxn>
+            </a:cxnLst>
+            <a:rect l="l" t="t" r="r" b="b"/>
+            <a:pathLst>
+              <a:path w="1194574" h="1194574">
+                <a:moveTo>
+                  <a:pt x="0" y="597287"/>
+                </a:moveTo>
+                <a:cubicBezTo>
+                  <a:pt x="0" y="267414"/>
+                  <a:pt x="267414" y="0"/>
+                  <a:pt x="597287" y="0"/>
+                </a:cubicBezTo>
+                <a:cubicBezTo>
+                  <a:pt x="927160" y="0"/>
+                  <a:pt x="1194574" y="267414"/>
+                  <a:pt x="1194574" y="597287"/>
+                </a:cubicBezTo>
+                <a:cubicBezTo>
+                  <a:pt x="1194574" y="927160"/>
+                  <a:pt x="927160" y="1194574"/>
+                  <a:pt x="597287" y="1194574"/>
+                </a:cubicBezTo>
+                <a:cubicBezTo>
+                  <a:pt x="267414" y="1194574"/>
+                  <a:pt x="0" y="927160"/>
+                  <a:pt x="0" y="597287"/>
+                </a:cubicBezTo>
+                <a:close/>
+              </a:path>
+            </a:pathLst>
+          </a:custGeom>
+          <a:solidFill>
+            <a:schemeClr val="bg1"/>
+          </a:solidFill>
+          <a:ln w="38100">
+            <a:solidFill>
+              <a:srgbClr val="005597"/>
+            </a:solidFill>
+          </a:ln>
+        </p:spPr>
+        <p:style>
+          <a:lnRef idx="2">
+            <a:scrgbClr r="0" g="0" b="0"/>
+          </a:lnRef>
+          <a:fillRef idx="1">
+            <a:scrgbClr r="0" g="0" b="0"/>
+          </a:fillRef>
+          <a:effectRef idx="0">
+            <a:schemeClr val="accent1">
+              <a:hueOff val="0"/>
+              <a:satOff val="0"/>
+              <a:lumOff val="0"/>
+              <a:alphaOff val="0"/>
+            </a:schemeClr>
+          </a:effectRef>
+          <a:fontRef idx="minor">
+            <a:schemeClr val="lt1"/>
+          </a:fontRef>
+        </p:style>
+        <p:txBody>
+          <a:bodyPr spcFirstLastPara="0" vert="horz" wrap="square" lIns="206691" tIns="206691" rIns="206691" bIns="206691" numCol="1" spcCol="1270" anchor="ctr" anchorCtr="0">
+            <a:noAutofit/>
+          </a:bodyPr>
+          <a:lstStyle/>
+          <a:p>
+            <a:pPr marL="0" lvl="0" indent="0" algn="ctr" defTabSz="1111250">
+              <a:lnSpc>
+                <a:spcPct val="90000"/>
+              </a:lnSpc>
+              <a:spcBef>
+                <a:spcPct val="0"/>
+              </a:spcBef>
+              <a:spcAft>
+                <a:spcPct val="35000"/>
+              </a:spcAft>
+              <a:buNone/>
+            </a:pPr>
+            <a:endParaRPr lang="en-US" sz="2500" kern="1200" dirty="0"/>
+          </a:p>
+        </p:txBody>
+      </p:sp>
+      <p:sp>
+        <p:nvSpPr>
+          <p:cNvPr id="57" name="Freihandform: Form 56">
+            <a:extLst>
+              <a:ext uri="{FF2B5EF4-FFF2-40B4-BE49-F238E27FC236}">
+                <a16:creationId xmlns:a16="http://schemas.microsoft.com/office/drawing/2014/main" id="{AA0DE9EE-55A9-414D-8053-AEE00980668D}"/>
+              </a:ext>
+            </a:extLst>
+          </p:cNvPr>
+          <p:cNvSpPr/>
+          <p:nvPr/>
+        </p:nvSpPr>
+        <p:spPr>
+          <a:xfrm>
+            <a:off x="10912395" y="3135465"/>
+            <a:ext cx="1194574" cy="1194574"/>
+          </a:xfrm>
+          <a:custGeom>
+            <a:avLst/>
+            <a:gdLst>
+              <a:gd name="connsiteX0" fmla="*/ 0 w 1194574"/>
+              <a:gd name="connsiteY0" fmla="*/ 597287 h 1194574"/>
+              <a:gd name="connsiteX1" fmla="*/ 597287 w 1194574"/>
+              <a:gd name="connsiteY1" fmla="*/ 0 h 1194574"/>
+              <a:gd name="connsiteX2" fmla="*/ 1194574 w 1194574"/>
+              <a:gd name="connsiteY2" fmla="*/ 597287 h 1194574"/>
+              <a:gd name="connsiteX3" fmla="*/ 597287 w 1194574"/>
+              <a:gd name="connsiteY3" fmla="*/ 1194574 h 1194574"/>
+              <a:gd name="connsiteX4" fmla="*/ 0 w 1194574"/>
+              <a:gd name="connsiteY4" fmla="*/ 597287 h 1194574"/>
+            </a:gdLst>
+            <a:ahLst/>
+            <a:cxnLst>
+              <a:cxn ang="0">
+                <a:pos x="connsiteX0" y="connsiteY0"/>
+              </a:cxn>
+              <a:cxn ang="0">
+                <a:pos x="connsiteX1" y="connsiteY1"/>
+              </a:cxn>
+              <a:cxn ang="0">
+                <a:pos x="connsiteX2" y="connsiteY2"/>
+              </a:cxn>
+              <a:cxn ang="0">
+                <a:pos x="connsiteX3" y="connsiteY3"/>
+              </a:cxn>
+              <a:cxn ang="0">
+                <a:pos x="connsiteX4" y="connsiteY4"/>
+              </a:cxn>
+            </a:cxnLst>
+            <a:rect l="l" t="t" r="r" b="b"/>
+            <a:pathLst>
+              <a:path w="1194574" h="1194574">
+                <a:moveTo>
+                  <a:pt x="0" y="597287"/>
+                </a:moveTo>
+                <a:cubicBezTo>
+                  <a:pt x="0" y="267414"/>
+                  <a:pt x="267414" y="0"/>
+                  <a:pt x="597287" y="0"/>
+                </a:cubicBezTo>
+                <a:cubicBezTo>
+                  <a:pt x="927160" y="0"/>
+                  <a:pt x="1194574" y="267414"/>
+                  <a:pt x="1194574" y="597287"/>
+                </a:cubicBezTo>
+                <a:cubicBezTo>
+                  <a:pt x="1194574" y="927160"/>
+                  <a:pt x="927160" y="1194574"/>
+                  <a:pt x="597287" y="1194574"/>
+                </a:cubicBezTo>
+                <a:cubicBezTo>
+                  <a:pt x="267414" y="1194574"/>
+                  <a:pt x="0" y="927160"/>
+                  <a:pt x="0" y="597287"/>
+                </a:cubicBezTo>
+                <a:close/>
+              </a:path>
+            </a:pathLst>
+          </a:custGeom>
+          <a:solidFill>
+            <a:schemeClr val="bg1"/>
+          </a:solidFill>
+          <a:ln w="38100">
+            <a:solidFill>
+              <a:srgbClr val="005597"/>
+            </a:solidFill>
+          </a:ln>
+        </p:spPr>
+        <p:style>
+          <a:lnRef idx="2">
+            <a:scrgbClr r="0" g="0" b="0"/>
+          </a:lnRef>
+          <a:fillRef idx="1">
+            <a:scrgbClr r="0" g="0" b="0"/>
+          </a:fillRef>
+          <a:effectRef idx="0">
+            <a:schemeClr val="accent1">
+              <a:hueOff val="0"/>
+              <a:satOff val="0"/>
+              <a:lumOff val="0"/>
+              <a:alphaOff val="0"/>
+            </a:schemeClr>
+          </a:effectRef>
+          <a:fontRef idx="minor">
+            <a:schemeClr val="lt1"/>
+          </a:fontRef>
+        </p:style>
+        <p:txBody>
+          <a:bodyPr spcFirstLastPara="0" vert="horz" wrap="square" lIns="239711" tIns="239711" rIns="239711" bIns="239711" numCol="1" spcCol="1270" anchor="ctr" anchorCtr="0">
+            <a:noAutofit/>
+          </a:bodyPr>
+          <a:lstStyle/>
+          <a:p>
+            <a:pPr marL="0" lvl="0" indent="0" algn="ctr" defTabSz="2266950">
+              <a:lnSpc>
+                <a:spcPct val="90000"/>
+              </a:lnSpc>
+              <a:spcBef>
+                <a:spcPct val="0"/>
+              </a:spcBef>
+              <a:spcAft>
+                <a:spcPct val="35000"/>
+              </a:spcAft>
+              <a:buNone/>
+            </a:pPr>
+            <a:endParaRPr lang="en-US" sz="5100" kern="1200"/>
+          </a:p>
+        </p:txBody>
+      </p:sp>
+      <p:sp>
+        <p:nvSpPr>
+          <p:cNvPr id="58" name="Freihandform: Form 57">
+            <a:extLst>
+              <a:ext uri="{FF2B5EF4-FFF2-40B4-BE49-F238E27FC236}">
+                <a16:creationId xmlns:a16="http://schemas.microsoft.com/office/drawing/2014/main" id="{C74310BE-2803-4673-B19D-20BE2BAF12FA}"/>
+              </a:ext>
+            </a:extLst>
+          </p:cNvPr>
+          <p:cNvSpPr/>
+          <p:nvPr/>
+        </p:nvSpPr>
+        <p:spPr>
+          <a:xfrm>
+            <a:off x="10438089" y="4595229"/>
+            <a:ext cx="1194574" cy="1194574"/>
+          </a:xfrm>
+          <a:custGeom>
+            <a:avLst/>
+            <a:gdLst>
+              <a:gd name="connsiteX0" fmla="*/ 0 w 1194574"/>
+              <a:gd name="connsiteY0" fmla="*/ 597287 h 1194574"/>
+              <a:gd name="connsiteX1" fmla="*/ 597287 w 1194574"/>
+              <a:gd name="connsiteY1" fmla="*/ 0 h 1194574"/>
+              <a:gd name="connsiteX2" fmla="*/ 1194574 w 1194574"/>
+              <a:gd name="connsiteY2" fmla="*/ 597287 h 1194574"/>
+              <a:gd name="connsiteX3" fmla="*/ 597287 w 1194574"/>
+              <a:gd name="connsiteY3" fmla="*/ 1194574 h 1194574"/>
+              <a:gd name="connsiteX4" fmla="*/ 0 w 1194574"/>
+              <a:gd name="connsiteY4" fmla="*/ 597287 h 1194574"/>
+            </a:gdLst>
+            <a:ahLst/>
+            <a:cxnLst>
+              <a:cxn ang="0">
+                <a:pos x="connsiteX0" y="connsiteY0"/>
+              </a:cxn>
+              <a:cxn ang="0">
+                <a:pos x="connsiteX1" y="connsiteY1"/>
+              </a:cxn>
+              <a:cxn ang="0">
+                <a:pos x="connsiteX2" y="connsiteY2"/>
+              </a:cxn>
+              <a:cxn ang="0">
+                <a:pos x="connsiteX3" y="connsiteY3"/>
+              </a:cxn>
+              <a:cxn ang="0">
+                <a:pos x="connsiteX4" y="connsiteY4"/>
+              </a:cxn>
+            </a:cxnLst>
+            <a:rect l="l" t="t" r="r" b="b"/>
+            <a:pathLst>
+              <a:path w="1194574" h="1194574">
+                <a:moveTo>
+                  <a:pt x="0" y="597287"/>
+                </a:moveTo>
+                <a:cubicBezTo>
+                  <a:pt x="0" y="267414"/>
+                  <a:pt x="267414" y="0"/>
+                  <a:pt x="597287" y="0"/>
+                </a:cubicBezTo>
+                <a:cubicBezTo>
+                  <a:pt x="927160" y="0"/>
+                  <a:pt x="1194574" y="267414"/>
+                  <a:pt x="1194574" y="597287"/>
+                </a:cubicBezTo>
+                <a:cubicBezTo>
+                  <a:pt x="1194574" y="927160"/>
+                  <a:pt x="927160" y="1194574"/>
+                  <a:pt x="597287" y="1194574"/>
+                </a:cubicBezTo>
+                <a:cubicBezTo>
+                  <a:pt x="267414" y="1194574"/>
+                  <a:pt x="0" y="927160"/>
+                  <a:pt x="0" y="597287"/>
+                </a:cubicBezTo>
+                <a:close/>
+              </a:path>
+            </a:pathLst>
+          </a:custGeom>
+          <a:solidFill>
+            <a:srgbClr val="FFFFFF"/>
+          </a:solidFill>
+          <a:ln w="38100">
+            <a:solidFill>
+              <a:srgbClr val="005597"/>
+            </a:solidFill>
+          </a:ln>
+        </p:spPr>
+        <p:style>
+          <a:lnRef idx="2">
+            <a:scrgbClr r="0" g="0" b="0"/>
+          </a:lnRef>
+          <a:fillRef idx="1">
+            <a:scrgbClr r="0" g="0" b="0"/>
+          </a:fillRef>
+          <a:effectRef idx="0">
+            <a:schemeClr val="accent1">
+              <a:hueOff val="0"/>
+              <a:satOff val="0"/>
+              <a:lumOff val="0"/>
+              <a:alphaOff val="0"/>
+            </a:schemeClr>
+          </a:effectRef>
+          <a:fontRef idx="minor">
+            <a:schemeClr val="lt1"/>
+          </a:fontRef>
+        </p:style>
+        <p:txBody>
+          <a:bodyPr spcFirstLastPara="0" vert="horz" wrap="square" lIns="239711" tIns="239711" rIns="239711" bIns="239711" numCol="1" spcCol="1270" anchor="ctr" anchorCtr="0">
+            <a:noAutofit/>
+          </a:bodyPr>
+          <a:lstStyle/>
+          <a:p>
+            <a:pPr marL="0" lvl="0" indent="0" algn="ctr" defTabSz="2266950">
+              <a:lnSpc>
+                <a:spcPct val="90000"/>
+              </a:lnSpc>
+              <a:spcBef>
+                <a:spcPct val="0"/>
+              </a:spcBef>
+              <a:spcAft>
+                <a:spcPct val="35000"/>
+              </a:spcAft>
+              <a:buNone/>
+            </a:pPr>
+            <a:endParaRPr lang="en-US" sz="5100" kern="1200"/>
+          </a:p>
+        </p:txBody>
+      </p:sp>
+      <p:sp>
+        <p:nvSpPr>
+          <p:cNvPr id="59" name="Freihandform: Form 58">
+            <a:extLst>
+              <a:ext uri="{FF2B5EF4-FFF2-40B4-BE49-F238E27FC236}">
+                <a16:creationId xmlns:a16="http://schemas.microsoft.com/office/drawing/2014/main" id="{9D16CC13-6E62-4463-8225-73EEF4D6D9B0}"/>
+              </a:ext>
+            </a:extLst>
+          </p:cNvPr>
+          <p:cNvSpPr/>
+          <p:nvPr/>
+        </p:nvSpPr>
+        <p:spPr>
+          <a:xfrm>
+            <a:off x="8903203" y="4595229"/>
+            <a:ext cx="1194574" cy="1194574"/>
+          </a:xfrm>
+          <a:custGeom>
+            <a:avLst/>
+            <a:gdLst>
+              <a:gd name="connsiteX0" fmla="*/ 0 w 1194574"/>
+              <a:gd name="connsiteY0" fmla="*/ 597287 h 1194574"/>
+              <a:gd name="connsiteX1" fmla="*/ 597287 w 1194574"/>
+              <a:gd name="connsiteY1" fmla="*/ 0 h 1194574"/>
+              <a:gd name="connsiteX2" fmla="*/ 1194574 w 1194574"/>
+              <a:gd name="connsiteY2" fmla="*/ 597287 h 1194574"/>
+              <a:gd name="connsiteX3" fmla="*/ 597287 w 1194574"/>
+              <a:gd name="connsiteY3" fmla="*/ 1194574 h 1194574"/>
+              <a:gd name="connsiteX4" fmla="*/ 0 w 1194574"/>
+              <a:gd name="connsiteY4" fmla="*/ 597287 h 1194574"/>
+            </a:gdLst>
+            <a:ahLst/>
+            <a:cxnLst>
+              <a:cxn ang="0">
+                <a:pos x="connsiteX0" y="connsiteY0"/>
+              </a:cxn>
+              <a:cxn ang="0">
+                <a:pos x="connsiteX1" y="connsiteY1"/>
+              </a:cxn>
+              <a:cxn ang="0">
+                <a:pos x="connsiteX2" y="connsiteY2"/>
+              </a:cxn>
+              <a:cxn ang="0">
+                <a:pos x="connsiteX3" y="connsiteY3"/>
+              </a:cxn>
+              <a:cxn ang="0">
+                <a:pos x="connsiteX4" y="connsiteY4"/>
+              </a:cxn>
+            </a:cxnLst>
+            <a:rect l="l" t="t" r="r" b="b"/>
+            <a:pathLst>
+              <a:path w="1194574" h="1194574">
+                <a:moveTo>
+                  <a:pt x="0" y="597287"/>
+                </a:moveTo>
+                <a:cubicBezTo>
+                  <a:pt x="0" y="267414"/>
+                  <a:pt x="267414" y="0"/>
+                  <a:pt x="597287" y="0"/>
+                </a:cubicBezTo>
+                <a:cubicBezTo>
+                  <a:pt x="927160" y="0"/>
+                  <a:pt x="1194574" y="267414"/>
+                  <a:pt x="1194574" y="597287"/>
+                </a:cubicBezTo>
+                <a:cubicBezTo>
+                  <a:pt x="1194574" y="927160"/>
+                  <a:pt x="927160" y="1194574"/>
+                  <a:pt x="597287" y="1194574"/>
+                </a:cubicBezTo>
+                <a:cubicBezTo>
+                  <a:pt x="267414" y="1194574"/>
+                  <a:pt x="0" y="927160"/>
+                  <a:pt x="0" y="597287"/>
+                </a:cubicBezTo>
+                <a:close/>
+              </a:path>
+            </a:pathLst>
+          </a:custGeom>
+          <a:solidFill>
+            <a:schemeClr val="bg1"/>
+          </a:solidFill>
+          <a:ln w="38100">
+            <a:solidFill>
+              <a:srgbClr val="005597"/>
+            </a:solidFill>
+          </a:ln>
+        </p:spPr>
+        <p:style>
+          <a:lnRef idx="2">
+            <a:scrgbClr r="0" g="0" b="0"/>
+          </a:lnRef>
+          <a:fillRef idx="1">
+            <a:scrgbClr r="0" g="0" b="0"/>
+          </a:fillRef>
+          <a:effectRef idx="0">
+            <a:schemeClr val="accent1">
+              <a:hueOff val="0"/>
+              <a:satOff val="0"/>
+              <a:lumOff val="0"/>
+              <a:alphaOff val="0"/>
+            </a:schemeClr>
+          </a:effectRef>
+          <a:fontRef idx="minor">
+            <a:schemeClr val="lt1"/>
+          </a:fontRef>
+        </p:style>
+        <p:txBody>
+          <a:bodyPr spcFirstLastPara="0" vert="horz" wrap="square" lIns="206691" tIns="206691" rIns="206691" bIns="206691" numCol="1" spcCol="1270" anchor="ctr" anchorCtr="0">
+            <a:noAutofit/>
+          </a:bodyPr>
+          <a:lstStyle/>
+          <a:p>
+            <a:pPr marL="0" lvl="0" indent="0" algn="ctr" defTabSz="1111250">
+              <a:lnSpc>
+                <a:spcPct val="90000"/>
+              </a:lnSpc>
+              <a:spcBef>
+                <a:spcPct val="0"/>
+              </a:spcBef>
+              <a:spcAft>
+                <a:spcPct val="35000"/>
+              </a:spcAft>
+              <a:buNone/>
+            </a:pPr>
+            <a:endParaRPr lang="en-US" sz="2500" kern="1200"/>
+          </a:p>
+        </p:txBody>
+      </p:sp>
+      <p:sp>
+        <p:nvSpPr>
+          <p:cNvPr id="60" name="Freihandform: Form 59">
+            <a:extLst>
+              <a:ext uri="{FF2B5EF4-FFF2-40B4-BE49-F238E27FC236}">
+                <a16:creationId xmlns:a16="http://schemas.microsoft.com/office/drawing/2014/main" id="{7B941EBA-E8A3-48F7-8509-31C8CDDD1F7B}"/>
+              </a:ext>
+            </a:extLst>
+          </p:cNvPr>
+          <p:cNvSpPr/>
+          <p:nvPr/>
+        </p:nvSpPr>
+        <p:spPr>
+          <a:xfrm>
+            <a:off x="8428897" y="3135465"/>
+            <a:ext cx="1194574" cy="1194574"/>
+          </a:xfrm>
+          <a:custGeom>
+            <a:avLst/>
+            <a:gdLst>
+              <a:gd name="connsiteX0" fmla="*/ 0 w 1194574"/>
+              <a:gd name="connsiteY0" fmla="*/ 597287 h 1194574"/>
+              <a:gd name="connsiteX1" fmla="*/ 597287 w 1194574"/>
+              <a:gd name="connsiteY1" fmla="*/ 0 h 1194574"/>
+              <a:gd name="connsiteX2" fmla="*/ 1194574 w 1194574"/>
+              <a:gd name="connsiteY2" fmla="*/ 597287 h 1194574"/>
+              <a:gd name="connsiteX3" fmla="*/ 597287 w 1194574"/>
+              <a:gd name="connsiteY3" fmla="*/ 1194574 h 1194574"/>
+              <a:gd name="connsiteX4" fmla="*/ 0 w 1194574"/>
+              <a:gd name="connsiteY4" fmla="*/ 597287 h 1194574"/>
+            </a:gdLst>
+            <a:ahLst/>
+            <a:cxnLst>
+              <a:cxn ang="0">
+                <a:pos x="connsiteX0" y="connsiteY0"/>
+              </a:cxn>
+              <a:cxn ang="0">
+                <a:pos x="connsiteX1" y="connsiteY1"/>
+              </a:cxn>
+              <a:cxn ang="0">
+                <a:pos x="connsiteX2" y="connsiteY2"/>
+              </a:cxn>
+              <a:cxn ang="0">
+                <a:pos x="connsiteX3" y="connsiteY3"/>
+              </a:cxn>
+              <a:cxn ang="0">
+                <a:pos x="connsiteX4" y="connsiteY4"/>
+              </a:cxn>
+            </a:cxnLst>
+            <a:rect l="l" t="t" r="r" b="b"/>
+            <a:pathLst>
+              <a:path w="1194574" h="1194574">
+                <a:moveTo>
+                  <a:pt x="0" y="597287"/>
+                </a:moveTo>
+                <a:cubicBezTo>
+                  <a:pt x="0" y="267414"/>
+                  <a:pt x="267414" y="0"/>
+                  <a:pt x="597287" y="0"/>
+                </a:cubicBezTo>
+                <a:cubicBezTo>
+                  <a:pt x="927160" y="0"/>
+                  <a:pt x="1194574" y="267414"/>
+                  <a:pt x="1194574" y="597287"/>
+                </a:cubicBezTo>
+                <a:cubicBezTo>
+                  <a:pt x="1194574" y="927160"/>
+                  <a:pt x="927160" y="1194574"/>
+                  <a:pt x="597287" y="1194574"/>
+                </a:cubicBezTo>
+                <a:cubicBezTo>
+                  <a:pt x="267414" y="1194574"/>
+                  <a:pt x="0" y="927160"/>
+                  <a:pt x="0" y="597287"/>
+                </a:cubicBezTo>
+                <a:close/>
+              </a:path>
+            </a:pathLst>
+          </a:custGeom>
+          <a:solidFill>
+            <a:schemeClr val="bg1"/>
+          </a:solidFill>
+          <a:ln w="38100">
+            <a:solidFill>
+              <a:srgbClr val="005597"/>
+            </a:solidFill>
+          </a:ln>
+        </p:spPr>
+        <p:style>
+          <a:lnRef idx="2">
+            <a:scrgbClr r="0" g="0" b="0"/>
+          </a:lnRef>
+          <a:fillRef idx="1">
+            <a:scrgbClr r="0" g="0" b="0"/>
+          </a:fillRef>
+          <a:effectRef idx="0">
+            <a:schemeClr val="accent1">
+              <a:hueOff val="0"/>
+              <a:satOff val="0"/>
+              <a:lumOff val="0"/>
+              <a:alphaOff val="0"/>
+            </a:schemeClr>
+          </a:effectRef>
+          <a:fontRef idx="minor">
+            <a:schemeClr val="lt1"/>
+          </a:fontRef>
+        </p:style>
+        <p:txBody>
+          <a:bodyPr spcFirstLastPara="0" vert="horz" wrap="square" lIns="206691" tIns="206691" rIns="206691" bIns="206691" numCol="1" spcCol="1270" anchor="ctr" anchorCtr="0">
+            <a:noAutofit/>
+          </a:bodyPr>
+          <a:lstStyle/>
+          <a:p>
+            <a:pPr marL="0" lvl="0" indent="0" algn="ctr" defTabSz="1111250">
+              <a:lnSpc>
+                <a:spcPct val="90000"/>
+              </a:lnSpc>
+              <a:spcBef>
+                <a:spcPct val="0"/>
+              </a:spcBef>
+              <a:spcAft>
+                <a:spcPct val="35000"/>
+              </a:spcAft>
+              <a:buNone/>
+            </a:pPr>
+            <a:endParaRPr lang="en-US" sz="2500" kern="1200"/>
+          </a:p>
+        </p:txBody>
+      </p:sp>
+      <p:grpSp>
+        <p:nvGrpSpPr>
+          <p:cNvPr id="48" name="Gruppieren 47">
+            <a:extLst>
+              <a:ext uri="{FF2B5EF4-FFF2-40B4-BE49-F238E27FC236}">
+                <a16:creationId xmlns:a16="http://schemas.microsoft.com/office/drawing/2014/main" id="{BF2C114E-31B8-4DFB-84F9-49F850DBE27D}"/>
+              </a:ext>
+            </a:extLst>
+          </p:cNvPr>
+          <p:cNvGrpSpPr/>
+          <p:nvPr/>
+        </p:nvGrpSpPr>
+        <p:grpSpPr>
+          <a:xfrm>
+            <a:off x="9736378" y="2421614"/>
+            <a:ext cx="1063112" cy="711338"/>
+            <a:chOff x="9736378" y="2036492"/>
+            <a:chExt cx="1063112" cy="711338"/>
+          </a:xfrm>
+        </p:grpSpPr>
+        <p:pic>
+          <p:nvPicPr>
+            <p:cNvPr id="22" name="Grafik 21">
+              <a:extLst>
+                <a:ext uri="{FF2B5EF4-FFF2-40B4-BE49-F238E27FC236}">
+                  <a16:creationId xmlns:a16="http://schemas.microsoft.com/office/drawing/2014/main" id="{F35174B4-3010-4D89-9E4A-D1C62C4739F6}"/>
+                </a:ext>
+              </a:extLst>
+            </p:cNvPr>
+            <p:cNvPicPr>
+              <a:picLocks noChangeAspect="1"/>
+            </p:cNvPicPr>
+            <p:nvPr userDrawn="1"/>
+          </p:nvPicPr>
+          <p:blipFill>
+            <a:blip r:embed="rId3">
+              <a:extLst>
+                <a:ext uri="{96DAC541-7B7A-43D3-8B79-37D633B846F1}">
+                  <asvg:svgBlip xmlns:asvg="http://schemas.microsoft.com/office/drawing/2016/SVG/main" r:embed="rId4"/>
+                </a:ext>
+              </a:extLst>
+            </a:blip>
+            <a:stretch>
+              <a:fillRect/>
+            </a:stretch>
+          </p:blipFill>
+          <p:spPr>
+            <a:xfrm>
+              <a:off x="10026362" y="2036492"/>
+              <a:ext cx="493102" cy="493102"/>
+            </a:xfrm>
+            <a:prstGeom prst="rect">
+              <a:avLst/>
+            </a:prstGeom>
+          </p:spPr>
+        </p:pic>
+        <p:sp>
+          <p:nvSpPr>
+            <p:cNvPr id="23" name="Textfeld 22">
+              <a:extLst>
+                <a:ext uri="{FF2B5EF4-FFF2-40B4-BE49-F238E27FC236}">
+                  <a16:creationId xmlns:a16="http://schemas.microsoft.com/office/drawing/2014/main" id="{0F7272F4-7BBC-48F1-80F3-026D7401A098}"/>
+                </a:ext>
+              </a:extLst>
+            </p:cNvPr>
+            <p:cNvSpPr txBox="1"/>
+            <p:nvPr userDrawn="1"/>
+          </p:nvSpPr>
+          <p:spPr>
+            <a:xfrm>
+              <a:off x="9736378" y="2486220"/>
+              <a:ext cx="1063112" cy="261610"/>
+            </a:xfrm>
+            <a:prstGeom prst="rect">
+              <a:avLst/>
+            </a:prstGeom>
+            <a:noFill/>
+          </p:spPr>
+          <p:txBody>
+            <a:bodyPr wrap="none" rtlCol="0">
+              <a:spAutoFit/>
+            </a:bodyPr>
+            <a:lstStyle/>
+            <a:p>
+              <a:pPr algn="ctr"/>
+              <a:r>
+                <a:rPr lang="en-US" sz="1100" b="1" dirty="0"/>
+                <a:t>Open Source</a:t>
+              </a:r>
+            </a:p>
+          </p:txBody>
+        </p:sp>
+      </p:grpSp>
+      <p:grpSp>
+        <p:nvGrpSpPr>
+          <p:cNvPr id="46" name="Gruppieren 45">
+            <a:extLst>
+              <a:ext uri="{FF2B5EF4-FFF2-40B4-BE49-F238E27FC236}">
+                <a16:creationId xmlns:a16="http://schemas.microsoft.com/office/drawing/2014/main" id="{D8E55E93-A7D6-40A7-85BA-39CA65E7F83A}"/>
+              </a:ext>
+            </a:extLst>
+          </p:cNvPr>
+          <p:cNvGrpSpPr/>
+          <p:nvPr/>
+        </p:nvGrpSpPr>
+        <p:grpSpPr>
+          <a:xfrm>
+            <a:off x="9132567" y="4616965"/>
+            <a:ext cx="732893" cy="1105462"/>
+            <a:chOff x="9132567" y="4231843"/>
+            <a:chExt cx="732893" cy="1105462"/>
+          </a:xfrm>
+        </p:grpSpPr>
+        <p:pic>
+          <p:nvPicPr>
+            <p:cNvPr id="25" name="Grafik 24" descr="Glühbirne und Zahnrad mit einfarbiger Füllung">
+              <a:extLst>
+                <a:ext uri="{FF2B5EF4-FFF2-40B4-BE49-F238E27FC236}">
+                  <a16:creationId xmlns:a16="http://schemas.microsoft.com/office/drawing/2014/main" id="{90428557-ED79-487B-9BB8-4EE5228EE1E8}"/>
+                </a:ext>
+              </a:extLst>
+            </p:cNvPr>
+            <p:cNvPicPr>
+              <a:picLocks noChangeAspect="1"/>
+            </p:cNvPicPr>
+            <p:nvPr userDrawn="1"/>
+          </p:nvPicPr>
+          <p:blipFill>
+            <a:blip r:embed="rId5">
+              <a:extLst>
+                <a:ext uri="{28A0092B-C50C-407E-A947-70E740481C1C}">
+                  <a14:useLocalDpi xmlns:a14="http://schemas.microsoft.com/office/drawing/2010/main" val="0"/>
+                </a:ext>
+                <a:ext uri="{96DAC541-7B7A-43D3-8B79-37D633B846F1}">
+                  <asvg:svgBlip xmlns:asvg="http://schemas.microsoft.com/office/drawing/2016/SVG/main" r:embed="rId6"/>
+                </a:ext>
+              </a:extLst>
+            </a:blip>
+            <a:stretch>
+              <a:fillRect/>
+            </a:stretch>
+          </p:blipFill>
+          <p:spPr>
+            <a:xfrm>
+              <a:off x="9141244" y="4231843"/>
+              <a:ext cx="716572" cy="716572"/>
+            </a:xfrm>
+            <a:prstGeom prst="rect">
+              <a:avLst/>
+            </a:prstGeom>
+          </p:spPr>
+        </p:pic>
+        <p:sp>
+          <p:nvSpPr>
+            <p:cNvPr id="26" name="Textfeld 25">
+              <a:extLst>
+                <a:ext uri="{FF2B5EF4-FFF2-40B4-BE49-F238E27FC236}">
+                  <a16:creationId xmlns:a16="http://schemas.microsoft.com/office/drawing/2014/main" id="{A3F9CB36-44A9-4C09-9A32-86190F53E687}"/>
+                </a:ext>
+              </a:extLst>
+            </p:cNvPr>
+            <p:cNvSpPr txBox="1"/>
+            <p:nvPr userDrawn="1"/>
+          </p:nvSpPr>
+          <p:spPr>
+            <a:xfrm>
+              <a:off x="9132567" y="4906418"/>
+              <a:ext cx="732893" cy="430887"/>
+            </a:xfrm>
+            <a:prstGeom prst="rect">
+              <a:avLst/>
+            </a:prstGeom>
+            <a:noFill/>
+          </p:spPr>
+          <p:txBody>
+            <a:bodyPr wrap="none" rtlCol="0">
+              <a:spAutoFit/>
+            </a:bodyPr>
+            <a:lstStyle/>
+            <a:p>
+              <a:pPr algn="ctr"/>
+              <a:r>
+                <a:rPr lang="en-US" sz="1100" b="1" dirty="0"/>
+                <a:t>General</a:t>
+              </a:r>
+            </a:p>
+            <a:p>
+              <a:pPr algn="ctr"/>
+              <a:r>
+                <a:rPr lang="en-US" sz="1100" b="1" dirty="0"/>
+                <a:t>solution</a:t>
+              </a:r>
+            </a:p>
+          </p:txBody>
+        </p:sp>
+      </p:grpSp>
+      <p:grpSp>
+        <p:nvGrpSpPr>
+          <p:cNvPr id="47" name="Gruppieren 46">
+            <a:extLst>
+              <a:ext uri="{FF2B5EF4-FFF2-40B4-BE49-F238E27FC236}">
+                <a16:creationId xmlns:a16="http://schemas.microsoft.com/office/drawing/2014/main" id="{0CD820DD-2CB5-42A0-BC96-55218E53DA68}"/>
+              </a:ext>
+            </a:extLst>
+          </p:cNvPr>
+          <p:cNvGrpSpPr/>
+          <p:nvPr/>
+        </p:nvGrpSpPr>
+        <p:grpSpPr>
+          <a:xfrm>
+            <a:off x="8459590" y="3241260"/>
+            <a:ext cx="1117614" cy="971116"/>
+            <a:chOff x="8459590" y="2856138"/>
+            <a:chExt cx="1117614" cy="971116"/>
+          </a:xfrm>
+        </p:grpSpPr>
+        <p:sp>
+          <p:nvSpPr>
+            <p:cNvPr id="24" name="Textfeld 23">
+              <a:extLst>
+                <a:ext uri="{FF2B5EF4-FFF2-40B4-BE49-F238E27FC236}">
+                  <a16:creationId xmlns:a16="http://schemas.microsoft.com/office/drawing/2014/main" id="{3D94DDDE-66B4-425F-9414-DB479629CF29}"/>
+                </a:ext>
+              </a:extLst>
+            </p:cNvPr>
+            <p:cNvSpPr txBox="1"/>
+            <p:nvPr userDrawn="1"/>
+          </p:nvSpPr>
+          <p:spPr>
+            <a:xfrm>
+              <a:off x="8459590" y="3396367"/>
+              <a:ext cx="1117614" cy="430887"/>
+            </a:xfrm>
+            <a:prstGeom prst="rect">
+              <a:avLst/>
+            </a:prstGeom>
+            <a:noFill/>
+          </p:spPr>
+          <p:txBody>
+            <a:bodyPr wrap="none" rtlCol="0">
+              <a:spAutoFit/>
+            </a:bodyPr>
+            <a:lstStyle/>
+            <a:p>
+              <a:pPr algn="ctr"/>
+              <a:r>
+                <a:rPr lang="en-US" sz="1100" b="1" dirty="0">
+                  <a:solidFill>
+                    <a:schemeClr val="tx1"/>
+                  </a:solidFill>
+                </a:rPr>
+                <a:t>Custom code </a:t>
+              </a:r>
+              <a:br>
+                <a:rPr lang="en-US" sz="1100" b="1" dirty="0">
+                  <a:solidFill>
+                    <a:schemeClr val="tx1"/>
+                  </a:solidFill>
+                </a:rPr>
+              </a:br>
+              <a:r>
+                <a:rPr lang="en-US" sz="1100" b="1" dirty="0">
+                  <a:solidFill>
+                    <a:schemeClr val="tx1"/>
+                  </a:solidFill>
+                </a:rPr>
+                <a:t>integration</a:t>
+              </a:r>
+            </a:p>
+          </p:txBody>
+        </p:sp>
+        <p:pic>
+          <p:nvPicPr>
+            <p:cNvPr id="27" name="Grafik 26" descr="Prost mit einfarbiger Füllung">
+              <a:extLst>
+                <a:ext uri="{FF2B5EF4-FFF2-40B4-BE49-F238E27FC236}">
+                  <a16:creationId xmlns:a16="http://schemas.microsoft.com/office/drawing/2014/main" id="{5826DB92-F2EA-493E-B961-D0FF3DB029F4}"/>
+                </a:ext>
+              </a:extLst>
+            </p:cNvPr>
+            <p:cNvPicPr>
+              <a:picLocks noChangeAspect="1"/>
+            </p:cNvPicPr>
+            <p:nvPr userDrawn="1"/>
+          </p:nvPicPr>
+          <p:blipFill>
+            <a:blip r:embed="rId7">
+              <a:extLst>
+                <a:ext uri="{28A0092B-C50C-407E-A947-70E740481C1C}">
+                  <a14:useLocalDpi xmlns:a14="http://schemas.microsoft.com/office/drawing/2010/main" val="0"/>
+                </a:ext>
+                <a:ext uri="{96DAC541-7B7A-43D3-8B79-37D633B846F1}">
+                  <asvg:svgBlip xmlns:asvg="http://schemas.microsoft.com/office/drawing/2016/SVG/main" r:embed="rId8"/>
+                </a:ext>
+              </a:extLst>
+            </a:blip>
+            <a:stretch>
+              <a:fillRect/>
+            </a:stretch>
+          </p:blipFill>
+          <p:spPr>
+            <a:xfrm>
+              <a:off x="8714558" y="2856138"/>
+              <a:ext cx="607900" cy="607900"/>
+            </a:xfrm>
+            <a:prstGeom prst="rect">
+              <a:avLst/>
+            </a:prstGeom>
+          </p:spPr>
+        </p:pic>
+      </p:grpSp>
+      <p:grpSp>
+        <p:nvGrpSpPr>
+          <p:cNvPr id="44" name="Gruppieren 43">
+            <a:extLst>
+              <a:ext uri="{FF2B5EF4-FFF2-40B4-BE49-F238E27FC236}">
+                <a16:creationId xmlns:a16="http://schemas.microsoft.com/office/drawing/2014/main" id="{B0B0F47E-FF30-4C37-9205-3D1D99ABB27A}"/>
+              </a:ext>
+            </a:extLst>
+          </p:cNvPr>
+          <p:cNvGrpSpPr/>
+          <p:nvPr/>
+        </p:nvGrpSpPr>
+        <p:grpSpPr>
+          <a:xfrm>
+            <a:off x="10975968" y="3115201"/>
+            <a:ext cx="1063112" cy="1072483"/>
+            <a:chOff x="10975968" y="2730079"/>
+            <a:chExt cx="1063112" cy="1072483"/>
+          </a:xfrm>
+        </p:grpSpPr>
+        <p:pic>
+          <p:nvPicPr>
+            <p:cNvPr id="28" name="Grafik 27" descr="Netzwerk mit einfarbiger Füllung">
+              <a:extLst>
+                <a:ext uri="{FF2B5EF4-FFF2-40B4-BE49-F238E27FC236}">
+                  <a16:creationId xmlns:a16="http://schemas.microsoft.com/office/drawing/2014/main" id="{C14C7E80-C47A-4E2B-AD54-1A4AAF2C2369}"/>
+                </a:ext>
+              </a:extLst>
+            </p:cNvPr>
+            <p:cNvPicPr>
+              <a:picLocks noChangeAspect="1"/>
+            </p:cNvPicPr>
+            <p:nvPr userDrawn="1"/>
+          </p:nvPicPr>
+          <p:blipFill>
+            <a:blip r:embed="rId9">
+              <a:extLst>
+                <a:ext uri="{28A0092B-C50C-407E-A947-70E740481C1C}">
+                  <a14:useLocalDpi xmlns:a14="http://schemas.microsoft.com/office/drawing/2010/main" val="0"/>
+                </a:ext>
+                <a:ext uri="{96DAC541-7B7A-43D3-8B79-37D633B846F1}">
+                  <asvg:svgBlip xmlns:asvg="http://schemas.microsoft.com/office/drawing/2016/SVG/main" r:embed="rId10"/>
+                </a:ext>
+              </a:extLst>
+            </a:blip>
+            <a:stretch>
+              <a:fillRect/>
+            </a:stretch>
+          </p:blipFill>
+          <p:spPr>
+            <a:xfrm>
+              <a:off x="11164462" y="2730079"/>
+              <a:ext cx="736808" cy="736808"/>
+            </a:xfrm>
+            <a:prstGeom prst="rect">
+              <a:avLst/>
+            </a:prstGeom>
+          </p:spPr>
+        </p:pic>
+        <p:sp>
+          <p:nvSpPr>
+            <p:cNvPr id="29" name="Textfeld 28">
+              <a:extLst>
+                <a:ext uri="{FF2B5EF4-FFF2-40B4-BE49-F238E27FC236}">
+                  <a16:creationId xmlns:a16="http://schemas.microsoft.com/office/drawing/2014/main" id="{3EB6BD5F-61D2-414D-BF77-AC8AA0C59120}"/>
+                </a:ext>
+              </a:extLst>
+            </p:cNvPr>
+            <p:cNvSpPr txBox="1"/>
+            <p:nvPr userDrawn="1"/>
+          </p:nvSpPr>
+          <p:spPr>
+            <a:xfrm>
+              <a:off x="10975968" y="3371675"/>
+              <a:ext cx="1063112" cy="430887"/>
+            </a:xfrm>
+            <a:prstGeom prst="rect">
+              <a:avLst/>
+            </a:prstGeom>
+            <a:noFill/>
+          </p:spPr>
+          <p:txBody>
+            <a:bodyPr wrap="none" rtlCol="0">
+              <a:spAutoFit/>
+            </a:bodyPr>
+            <a:lstStyle/>
+            <a:p>
+              <a:pPr algn="ctr"/>
+              <a:r>
+                <a:rPr lang="en-US" sz="1100" b="1" dirty="0"/>
+                <a:t>Design once,</a:t>
+              </a:r>
+            </a:p>
+            <a:p>
+              <a:pPr algn="ctr"/>
+              <a:r>
+                <a:rPr lang="en-US" sz="1100" b="1" dirty="0"/>
+                <a:t>model often</a:t>
+              </a:r>
+            </a:p>
+          </p:txBody>
+        </p:sp>
+      </p:grpSp>
+      <p:grpSp>
+        <p:nvGrpSpPr>
+          <p:cNvPr id="45" name="Gruppieren 44">
+            <a:extLst>
+              <a:ext uri="{FF2B5EF4-FFF2-40B4-BE49-F238E27FC236}">
+                <a16:creationId xmlns:a16="http://schemas.microsoft.com/office/drawing/2014/main" id="{54CEC401-8170-4B9B-8EE5-F27F50CF111D}"/>
+              </a:ext>
+            </a:extLst>
+          </p:cNvPr>
+          <p:cNvGrpSpPr/>
+          <p:nvPr/>
+        </p:nvGrpSpPr>
+        <p:grpSpPr>
+          <a:xfrm>
+            <a:off x="10510710" y="4635289"/>
+            <a:ext cx="1053494" cy="989065"/>
+            <a:chOff x="10510710" y="4250167"/>
+            <a:chExt cx="1053494" cy="989065"/>
+          </a:xfrm>
+        </p:grpSpPr>
+        <p:pic>
+          <p:nvPicPr>
+            <p:cNvPr id="30" name="Grafik 29">
+              <a:extLst>
+                <a:ext uri="{FF2B5EF4-FFF2-40B4-BE49-F238E27FC236}">
+                  <a16:creationId xmlns:a16="http://schemas.microsoft.com/office/drawing/2014/main" id="{EFD5D4A8-1FE1-4596-BC50-2E602CD9DDF1}"/>
+                </a:ext>
+              </a:extLst>
+            </p:cNvPr>
+            <p:cNvPicPr>
+              <a:picLocks noChangeAspect="1"/>
+            </p:cNvPicPr>
+            <p:nvPr userDrawn="1"/>
+          </p:nvPicPr>
+          <p:blipFill>
+            <a:blip r:embed="rId11" cstate="print">
+              <a:extLst>
+                <a:ext uri="{28A0092B-C50C-407E-A947-70E740481C1C}">
+                  <a14:useLocalDpi xmlns:a14="http://schemas.microsoft.com/office/drawing/2010/main" val="0"/>
+                </a:ext>
+              </a:extLst>
+            </a:blip>
+            <a:stretch>
+              <a:fillRect/>
+            </a:stretch>
+          </p:blipFill>
+          <p:spPr>
+            <a:xfrm>
+              <a:off x="10719681" y="4250167"/>
+              <a:ext cx="635552" cy="635552"/>
+            </a:xfrm>
+            <a:prstGeom prst="rect">
+              <a:avLst/>
+            </a:prstGeom>
+          </p:spPr>
+        </p:pic>
+        <p:sp>
+          <p:nvSpPr>
+            <p:cNvPr id="31" name="Textfeld 30">
+              <a:extLst>
+                <a:ext uri="{FF2B5EF4-FFF2-40B4-BE49-F238E27FC236}">
+                  <a16:creationId xmlns:a16="http://schemas.microsoft.com/office/drawing/2014/main" id="{F60A76D8-8F18-4F94-9396-ADC986AFC6BE}"/>
+                </a:ext>
+              </a:extLst>
+            </p:cNvPr>
+            <p:cNvSpPr txBox="1"/>
+            <p:nvPr userDrawn="1"/>
+          </p:nvSpPr>
+          <p:spPr>
+            <a:xfrm>
+              <a:off x="10510710" y="4808345"/>
+              <a:ext cx="1053494" cy="430887"/>
+            </a:xfrm>
+            <a:prstGeom prst="rect">
+              <a:avLst/>
+            </a:prstGeom>
+            <a:noFill/>
+          </p:spPr>
+          <p:txBody>
+            <a:bodyPr wrap="none" rtlCol="0">
+              <a:spAutoFit/>
+            </a:bodyPr>
+            <a:lstStyle/>
+            <a:p>
+              <a:pPr algn="ctr"/>
+              <a:r>
+                <a:rPr lang="en-US" sz="1100" b="1" dirty="0"/>
+                <a:t>Rust: fast,</a:t>
+              </a:r>
+            </a:p>
+            <a:p>
+              <a:pPr algn="ctr"/>
+              <a:r>
+                <a:rPr lang="en-US" sz="1100" b="1" dirty="0"/>
+                <a:t>memory safe</a:t>
+              </a:r>
+            </a:p>
+          </p:txBody>
+        </p:sp>
+      </p:grpSp>
+      <p:pic>
+        <p:nvPicPr>
+          <p:cNvPr id="32" name="Grafik 31">
+            <a:extLst>
+              <a:ext uri="{FF2B5EF4-FFF2-40B4-BE49-F238E27FC236}">
+                <a16:creationId xmlns:a16="http://schemas.microsoft.com/office/drawing/2014/main" id="{A388EE34-7F44-4C93-A932-20B84E448C4A}"/>
+              </a:ext>
+            </a:extLst>
+          </p:cNvPr>
+          <p:cNvPicPr>
+            <a:picLocks noChangeAspect="1"/>
+          </p:cNvPicPr>
+          <p:nvPr/>
+        </p:nvPicPr>
+        <p:blipFill>
+          <a:blip r:embed="rId12">
+            <a:extLst>
+              <a:ext uri="{96DAC541-7B7A-43D3-8B79-37D633B846F1}">
+                <asvg:svgBlip xmlns:asvg="http://schemas.microsoft.com/office/drawing/2016/SVG/main" r:embed="rId13"/>
+              </a:ext>
+            </a:extLst>
+          </a:blip>
+          <a:stretch>
+            <a:fillRect/>
+          </a:stretch>
+        </p:blipFill>
+        <p:spPr>
+          <a:xfrm>
+            <a:off x="9765773" y="3622327"/>
+            <a:ext cx="955373" cy="952126"/>
+          </a:xfrm>
+          <a:prstGeom prst="rect">
+            <a:avLst/>
+          </a:prstGeom>
+        </p:spPr>
+      </p:pic>
+      <p:sp>
+        <p:nvSpPr>
+          <p:cNvPr id="33" name="Text Placeholder 5">
+            <a:extLst>
+              <a:ext uri="{FF2B5EF4-FFF2-40B4-BE49-F238E27FC236}">
+                <a16:creationId xmlns:a16="http://schemas.microsoft.com/office/drawing/2014/main" id="{9D11C2CC-8011-431B-8B1D-065632DBB00D}"/>
+              </a:ext>
+            </a:extLst>
+          </p:cNvPr>
+          <p:cNvSpPr txBox="1">
+            <a:spLocks/>
+          </p:cNvSpPr>
+          <p:nvPr/>
+        </p:nvSpPr>
+        <p:spPr>
+          <a:xfrm>
+            <a:off x="5149428" y="1637151"/>
+            <a:ext cx="6414776" cy="3769294"/>
+          </a:xfrm>
+          <a:prstGeom prst="rect">
+            <a:avLst/>
+          </a:prstGeom>
+        </p:spPr>
+        <p:txBody>
+          <a:bodyPr vert="horz" lIns="91440" tIns="45720" rIns="91440" bIns="45720" rtlCol="0" anchor="t">
+            <a:normAutofit/>
+          </a:bodyPr>
+          <a:lstStyle>
+            <a:lvl1pPr marL="228600" indent="-228600" algn="l" defTabSz="914400" rtl="0" eaLnBrk="1" latinLnBrk="0" hangingPunct="1">
+              <a:lnSpc>
+                <a:spcPct val="90000"/>
+              </a:lnSpc>
+              <a:spcBef>
+                <a:spcPts val="1000"/>
+              </a:spcBef>
+              <a:buClr>
+                <a:schemeClr val="accent1"/>
+              </a:buClr>
+              <a:buFont typeface="Arial" panose="020B0604020202020204" pitchFamily="34" charset="0"/>
+              <a:buChar char="•"/>
+              <a:defRPr sz="2800" kern="1200" baseline="0">
+                <a:solidFill>
+                  <a:srgbClr val="005597"/>
+                </a:solidFill>
+                <a:latin typeface="+mn-lt"/>
+                <a:ea typeface="+mn-ea"/>
+                <a:cs typeface="+mn-cs"/>
+              </a:defRPr>
+            </a:lvl1pPr>
+            <a:lvl2pPr marL="685800" indent="-228600" algn="l" defTabSz="914400" rtl="0" eaLnBrk="1" latinLnBrk="0" hangingPunct="1">
+              <a:lnSpc>
+                <a:spcPct val="90000"/>
+              </a:lnSpc>
+              <a:spcBef>
+                <a:spcPts val="500"/>
+              </a:spcBef>
+              <a:buClr>
+                <a:schemeClr val="accent1"/>
+              </a:buClr>
+              <a:buFont typeface="Arial" panose="020B0604020202020204" pitchFamily="34" charset="0"/>
+              <a:buChar char="•"/>
+              <a:defRPr sz="2400" kern="1200" baseline="0">
+                <a:solidFill>
+                  <a:srgbClr val="005597"/>
+                </a:solidFill>
+                <a:latin typeface="+mn-lt"/>
+                <a:ea typeface="+mn-ea"/>
+                <a:cs typeface="+mn-cs"/>
+              </a:defRPr>
+            </a:lvl2pPr>
+            <a:lvl3pPr marL="1143000" indent="-228600" algn="l" defTabSz="914400" rtl="0" eaLnBrk="1" latinLnBrk="0" hangingPunct="1">
+              <a:lnSpc>
+                <a:spcPct val="90000"/>
+              </a:lnSpc>
+              <a:spcBef>
+                <a:spcPts val="500"/>
+              </a:spcBef>
+              <a:buClr>
+                <a:schemeClr val="accent1"/>
+              </a:buClr>
+              <a:buFont typeface="Arial" panose="020B0604020202020204" pitchFamily="34" charset="0"/>
+              <a:buChar char="•"/>
+              <a:defRPr sz="2000" kern="1200" baseline="0">
+                <a:solidFill>
+                  <a:srgbClr val="005597"/>
+                </a:solidFill>
+                <a:latin typeface="+mn-lt"/>
+                <a:ea typeface="+mn-ea"/>
+                <a:cs typeface="+mn-cs"/>
+              </a:defRPr>
+            </a:lvl3pPr>
+            <a:lvl4pPr marL="1600200" indent="-228600" algn="l" defTabSz="914400" rtl="0" eaLnBrk="1" latinLnBrk="0" hangingPunct="1">
+              <a:lnSpc>
+                <a:spcPct val="90000"/>
+              </a:lnSpc>
+              <a:spcBef>
+                <a:spcPts val="500"/>
+              </a:spcBef>
+              <a:buClr>
+                <a:schemeClr val="accent1"/>
+              </a:buClr>
+              <a:buFont typeface="Arial" panose="020B0604020202020204" pitchFamily="34" charset="0"/>
+              <a:buChar char="•"/>
+              <a:defRPr sz="1800" kern="1200" baseline="0">
+                <a:solidFill>
+                  <a:srgbClr val="005597"/>
+                </a:solidFill>
+                <a:latin typeface="+mn-lt"/>
+                <a:ea typeface="+mn-ea"/>
+                <a:cs typeface="+mn-cs"/>
+              </a:defRPr>
+            </a:lvl4pPr>
+            <a:lvl5pPr marL="2057400" indent="-228600" algn="l" defTabSz="914400" rtl="0" eaLnBrk="1" latinLnBrk="0" hangingPunct="1">
+              <a:lnSpc>
+                <a:spcPct val="90000"/>
+              </a:lnSpc>
+              <a:spcBef>
+                <a:spcPts val="500"/>
+              </a:spcBef>
+              <a:buClr>
+                <a:schemeClr val="accent1"/>
+              </a:buClr>
+              <a:buFont typeface="Arial" panose="020B0604020202020204" pitchFamily="34" charset="0"/>
+              <a:buChar char="•"/>
+              <a:defRPr sz="1800" kern="1200" baseline="0">
+                <a:solidFill>
+                  <a:srgbClr val="005597"/>
+                </a:solidFill>
+                <a:latin typeface="+mn-lt"/>
+                <a:ea typeface="+mn-ea"/>
+                <a:cs typeface="+mn-cs"/>
+              </a:defRPr>
+            </a:lvl5pPr>
+            <a:lvl6pPr marL="2514600" indent="-228600" algn="l" defTabSz="914400" rtl="0" eaLnBrk="1" latinLnBrk="0" hangingPunct="1">
+              <a:lnSpc>
+                <a:spcPct val="90000"/>
+              </a:lnSpc>
+              <a:spcBef>
+                <a:spcPts val="500"/>
+              </a:spcBef>
+              <a:buFont typeface="Arial" panose="020B0604020202020204" pitchFamily="34" charset="0"/>
+              <a:buChar char="•"/>
+              <a:defRPr sz="1800" kern="1200">
+                <a:solidFill>
+                  <a:schemeClr val="tx1"/>
+                </a:solidFill>
+                <a:latin typeface="+mn-lt"/>
+                <a:ea typeface="+mn-ea"/>
+                <a:cs typeface="+mn-cs"/>
+              </a:defRPr>
+            </a:lvl6pPr>
+            <a:lvl7pPr marL="2971800" indent="-228600" algn="l" defTabSz="914400" rtl="0" eaLnBrk="1" latinLnBrk="0" hangingPunct="1">
+              <a:lnSpc>
+                <a:spcPct val="90000"/>
+              </a:lnSpc>
+              <a:spcBef>
+                <a:spcPts val="500"/>
+              </a:spcBef>
+              <a:buFont typeface="Arial" panose="020B0604020202020204" pitchFamily="34" charset="0"/>
+              <a:buChar char="•"/>
+              <a:defRPr sz="1800" kern="1200">
+                <a:solidFill>
+                  <a:schemeClr val="tx1"/>
+                </a:solidFill>
+                <a:latin typeface="+mn-lt"/>
+                <a:ea typeface="+mn-ea"/>
+                <a:cs typeface="+mn-cs"/>
+              </a:defRPr>
+            </a:lvl7pPr>
+            <a:lvl8pPr marL="3429000" indent="-228600" algn="l" defTabSz="914400" rtl="0" eaLnBrk="1" latinLnBrk="0" hangingPunct="1">
+              <a:lnSpc>
+                <a:spcPct val="90000"/>
+              </a:lnSpc>
+              <a:spcBef>
+                <a:spcPts val="500"/>
+              </a:spcBef>
+              <a:buFont typeface="Arial" panose="020B0604020202020204" pitchFamily="34" charset="0"/>
+              <a:buChar char="•"/>
+              <a:defRPr sz="1800" kern="1200">
+                <a:solidFill>
+                  <a:schemeClr val="tx1"/>
+                </a:solidFill>
+                <a:latin typeface="+mn-lt"/>
+                <a:ea typeface="+mn-ea"/>
+                <a:cs typeface="+mn-cs"/>
+              </a:defRPr>
+            </a:lvl8pPr>
+            <a:lvl9pPr marL="3886200" indent="-228600" algn="l" defTabSz="914400" rtl="0" eaLnBrk="1" latinLnBrk="0" hangingPunct="1">
+              <a:lnSpc>
+                <a:spcPct val="90000"/>
+              </a:lnSpc>
+              <a:spcBef>
+                <a:spcPts val="500"/>
+              </a:spcBef>
+              <a:buFont typeface="Arial" panose="020B0604020202020204" pitchFamily="34" charset="0"/>
+              <a:buChar char="•"/>
+              <a:defRPr sz="1800" kern="1200">
+                <a:solidFill>
+                  <a:schemeClr val="tx1"/>
+                </a:solidFill>
+                <a:latin typeface="+mn-lt"/>
+                <a:ea typeface="+mn-ea"/>
+                <a:cs typeface="+mn-cs"/>
+              </a:defRPr>
+            </a:lvl9pPr>
+          </a:lstStyle>
+          <a:p>
+            <a:pPr marL="0" indent="0">
+              <a:buNone/>
+            </a:pPr>
+            <a:r>
+              <a:rPr lang="en-US" sz="1600" b="1" dirty="0"/>
+              <a:t>Our Approach: OPOSSUM</a:t>
+            </a:r>
+            <a:br>
+              <a:rPr lang="en-US" sz="1600" b="1" dirty="0"/>
+            </a:br>
+            <a:r>
+              <a:rPr lang="en-US" sz="1600" b="1" dirty="0" err="1"/>
+              <a:t>OP</a:t>
+            </a:r>
+            <a:r>
+              <a:rPr lang="en-US" sz="1600" dirty="0" err="1"/>
+              <a:t>en</a:t>
+            </a:r>
+            <a:r>
+              <a:rPr lang="en-US" sz="1600" dirty="0"/>
+              <a:t>-source </a:t>
+            </a:r>
+            <a:r>
+              <a:rPr lang="en-US" sz="1600" b="1" dirty="0"/>
+              <a:t>O</a:t>
+            </a:r>
+            <a:r>
+              <a:rPr lang="en-US" sz="1600" dirty="0"/>
+              <a:t>ptics </a:t>
+            </a:r>
+            <a:r>
+              <a:rPr lang="en-US" sz="1600" b="1" dirty="0"/>
+              <a:t>S</a:t>
+            </a:r>
+            <a:r>
+              <a:rPr lang="en-US" sz="1600" dirty="0"/>
+              <a:t>imulation </a:t>
+            </a:r>
+            <a:r>
+              <a:rPr lang="en-US" sz="1600" b="1" dirty="0"/>
+              <a:t>S</a:t>
+            </a:r>
+            <a:r>
+              <a:rPr lang="en-US" sz="1600" dirty="0"/>
+              <a:t>ystem and </a:t>
+            </a:r>
+            <a:r>
+              <a:rPr lang="en-US" sz="1600" b="1" dirty="0"/>
+              <a:t>U</a:t>
+            </a:r>
+            <a:r>
+              <a:rPr lang="en-US" sz="1600" dirty="0"/>
+              <a:t>nified </a:t>
+            </a:r>
+            <a:r>
+              <a:rPr lang="en-US" sz="1600" b="1" dirty="0"/>
+              <a:t>M</a:t>
+            </a:r>
+            <a:r>
+              <a:rPr lang="en-US" sz="1600" dirty="0"/>
+              <a:t>odeler</a:t>
+            </a:r>
+          </a:p>
+          <a:p>
+            <a:r>
+              <a:rPr lang="en-US" sz="1600" dirty="0"/>
+              <a:t>Open Source, accessible for all</a:t>
+            </a:r>
+          </a:p>
+          <a:p>
+            <a:r>
+              <a:rPr lang="en-US" sz="1600" dirty="0"/>
+              <a:t>Decouple system design from modeling: </a:t>
+            </a:r>
+            <a:br>
+              <a:rPr lang="en-US" sz="1600" dirty="0"/>
+            </a:br>
+            <a:r>
+              <a:rPr lang="en-US" sz="1600" dirty="0"/>
+              <a:t>setup design once, model/analyze in </a:t>
+            </a:r>
+            <a:br>
+              <a:rPr lang="en-US" sz="1600" dirty="0"/>
+            </a:br>
+            <a:r>
+              <a:rPr lang="en-US" sz="1600" dirty="0"/>
+              <a:t>numerous ways</a:t>
+            </a:r>
+          </a:p>
+          <a:p>
+            <a:r>
+              <a:rPr lang="en-US" sz="1600" dirty="0"/>
+              <a:t>Platform for custom-code </a:t>
+            </a:r>
+            <a:br>
+              <a:rPr lang="en-US" sz="1600" dirty="0"/>
+            </a:br>
+            <a:r>
+              <a:rPr lang="en-US" sz="1600" dirty="0"/>
+              <a:t>integration</a:t>
+            </a:r>
+          </a:p>
+          <a:p>
+            <a:r>
+              <a:rPr lang="en-US" sz="1600" dirty="0"/>
+              <a:t>Extensible to specific needs</a:t>
+            </a:r>
+          </a:p>
+          <a:p>
+            <a:r>
+              <a:rPr lang="en-US" sz="1600" dirty="0"/>
+              <a:t>Holistic simulation of large-scale </a:t>
+            </a:r>
+            <a:br>
+              <a:rPr lang="en-US" sz="1600" dirty="0"/>
+            </a:br>
+            <a:r>
+              <a:rPr lang="en-US" sz="1600" dirty="0"/>
+              <a:t>laser facilities</a:t>
+            </a:r>
+          </a:p>
+          <a:p>
+            <a:r>
+              <a:rPr lang="en-US" sz="1600" dirty="0"/>
+              <a:t>Modern backend, written in Rust for</a:t>
+            </a:r>
+            <a:br>
+              <a:rPr lang="en-US" sz="1600" dirty="0"/>
+            </a:br>
+            <a:r>
+              <a:rPr lang="en-US" sz="1600" dirty="0"/>
+              <a:t>high maintainability, memory safety</a:t>
+            </a:r>
+          </a:p>
+        </p:txBody>
+      </p:sp>
+      <p:sp>
+        <p:nvSpPr>
+          <p:cNvPr id="38" name="Title 1">
+            <a:extLst>
+              <a:ext uri="{FF2B5EF4-FFF2-40B4-BE49-F238E27FC236}">
+                <a16:creationId xmlns:a16="http://schemas.microsoft.com/office/drawing/2014/main" id="{05174FAD-BBEE-4BAB-BBCB-56A5DD21F499}"/>
+              </a:ext>
+            </a:extLst>
+          </p:cNvPr>
+          <p:cNvSpPr txBox="1">
+            <a:spLocks/>
+          </p:cNvSpPr>
+          <p:nvPr/>
+        </p:nvSpPr>
+        <p:spPr>
+          <a:xfrm>
+            <a:off x="838200" y="365125"/>
+            <a:ext cx="10515600" cy="813593"/>
+          </a:xfrm>
+          <a:prstGeom prst="rect">
+            <a:avLst/>
+          </a:prstGeom>
+        </p:spPr>
+        <p:txBody>
+          <a:bodyPr vert="horz" lIns="91440" tIns="45720" rIns="91440" bIns="45720" rtlCol="0" anchor="ctr">
+            <a:normAutofit/>
+          </a:bodyPr>
+          <a:lstStyle>
+            <a:lvl1pPr algn="l" defTabSz="914400" rtl="0" eaLnBrk="1" latinLnBrk="0" hangingPunct="1">
+              <a:lnSpc>
+                <a:spcPct val="90000"/>
+              </a:lnSpc>
+              <a:spcBef>
+                <a:spcPct val="0"/>
+              </a:spcBef>
+              <a:buNone/>
+              <a:defRPr sz="4000" b="1" kern="1200" cap="all" baseline="0">
+                <a:solidFill>
+                  <a:schemeClr val="accent1"/>
+                </a:solidFill>
+                <a:latin typeface="+mj-lt"/>
+                <a:ea typeface="+mj-ea"/>
+                <a:cs typeface="+mj-cs"/>
+              </a:defRPr>
+            </a:lvl1pPr>
+          </a:lstStyle>
+          <a:p>
+            <a:r>
+              <a:rPr lang="de-DE" dirty="0" err="1"/>
+              <a:t>Introduction</a:t>
+            </a:r>
+            <a:endParaRPr lang="de-DE" dirty="0"/>
+          </a:p>
+        </p:txBody>
+      </p:sp>
+    </p:spTree>
+    <p:extLst>
+      <p:ext uri="{BB962C8B-B14F-4D97-AF65-F5344CB8AC3E}">
+        <p14:creationId xmlns:p14="http://schemas.microsoft.com/office/powerpoint/2010/main" val="1131671520"/>
+      </p:ext>
+    </p:extLst>
+  </p:cSld>
+  <p:clrMapOvr>
+    <a:masterClrMapping/>
+  </p:clrMapOvr>
+  <p:timing>
+    <p:tnLst>
+      <p:par>
+        <p:cTn id="1" dur="indefinite" restart="never" nodeType="tmRoot">
+          <p:childTnLst>
+            <p:seq concurrent="1" nextAc="seek">
+              <p:cTn id="2" dur="indefinite" nodeType="mainSeq">
+                <p:childTnLst>
+                  <p:par>
+                    <p:cTn id="3" fill="hold">
+                      <p:stCondLst>
+                        <p:cond delay="indefinite"/>
+                      </p:stCondLst>
+                      <p:childTnLst>
+                        <p:par>
+                          <p:cTn id="4" fill="hold">
+                            <p:stCondLst>
+                              <p:cond delay="0"/>
+                            </p:stCondLst>
+                            <p:childTnLst>
+                              <p:par>
+                                <p:cTn id="5" presetID="10" presetClass="entr" presetSubtype="0" fill="hold" grpId="0" nodeType="clickEffect">
+                                  <p:stCondLst>
+                                    <p:cond delay="0"/>
+                                  </p:stCondLst>
+                                  <p:childTnLst>
+                                    <p:set>
+                                      <p:cBhvr>
+                                        <p:cTn id="6" dur="1" fill="hold">
+                                          <p:stCondLst>
+                                            <p:cond delay="0"/>
+                                          </p:stCondLst>
+                                        </p:cTn>
+                                        <p:tgtEl>
+                                          <p:spTgt spid="18"/>
+                                        </p:tgtEl>
+                                        <p:attrNameLst>
+                                          <p:attrName>style.visibility</p:attrName>
+                                        </p:attrNameLst>
+                                      </p:cBhvr>
+                                      <p:to>
+                                        <p:strVal val="visible"/>
+                                      </p:to>
+                                    </p:set>
+                                    <p:animEffect transition="in" filter="fade">
+                                      <p:cBhvr>
+                                        <p:cTn id="7" dur="500"/>
+                                        <p:tgtEl>
+                                          <p:spTgt spid="18"/>
+                                        </p:tgtEl>
+                                      </p:cBhvr>
+                                    </p:animEffect>
+                                  </p:childTnLst>
+                                </p:cTn>
+                              </p:par>
+                            </p:childTnLst>
+                          </p:cTn>
+                        </p:par>
+                      </p:childTnLst>
+                    </p:cTn>
+                  </p:par>
+                  <p:par>
+                    <p:cTn id="8" fill="hold">
+                      <p:stCondLst>
+                        <p:cond delay="indefinite"/>
+                      </p:stCondLst>
+                      <p:childTnLst>
+                        <p:par>
+                          <p:cTn id="9" fill="hold">
+                            <p:stCondLst>
+                              <p:cond delay="0"/>
+                            </p:stCondLst>
+                            <p:childTnLst>
+                              <p:par>
+                                <p:cTn id="10" presetID="10" presetClass="entr" presetSubtype="0" fill="hold" nodeType="clickEffect">
+                                  <p:stCondLst>
+                                    <p:cond delay="0"/>
+                                  </p:stCondLst>
+                                  <p:childTnLst>
+                                    <p:set>
+                                      <p:cBhvr>
+                                        <p:cTn id="11" dur="1" fill="hold">
+                                          <p:stCondLst>
+                                            <p:cond delay="0"/>
+                                          </p:stCondLst>
+                                        </p:cTn>
+                                        <p:tgtEl>
+                                          <p:spTgt spid="54"/>
+                                        </p:tgtEl>
+                                        <p:attrNameLst>
+                                          <p:attrName>style.visibility</p:attrName>
+                                        </p:attrNameLst>
+                                      </p:cBhvr>
+                                      <p:to>
+                                        <p:strVal val="visible"/>
+                                      </p:to>
+                                    </p:set>
+                                    <p:animEffect transition="in" filter="fade">
+                                      <p:cBhvr>
+                                        <p:cTn id="12" dur="500"/>
+                                        <p:tgtEl>
+                                          <p:spTgt spid="54"/>
+                                        </p:tgtEl>
+                                      </p:cBhvr>
+                                    </p:animEffect>
+                                  </p:childTnLst>
+                                </p:cTn>
+                              </p:par>
+                              <p:par>
+                                <p:cTn id="13" presetID="10" presetClass="entr" presetSubtype="0" fill="hold" nodeType="withEffect">
+                                  <p:stCondLst>
+                                    <p:cond delay="0"/>
+                                  </p:stCondLst>
+                                  <p:childTnLst>
+                                    <p:set>
+                                      <p:cBhvr>
+                                        <p:cTn id="14" dur="1" fill="hold">
+                                          <p:stCondLst>
+                                            <p:cond delay="0"/>
+                                          </p:stCondLst>
+                                        </p:cTn>
+                                        <p:tgtEl>
+                                          <p:spTgt spid="33">
+                                            <p:txEl>
+                                              <p:pRg st="0" end="0"/>
+                                            </p:txEl>
+                                          </p:spTgt>
+                                        </p:tgtEl>
+                                        <p:attrNameLst>
+                                          <p:attrName>style.visibility</p:attrName>
+                                        </p:attrNameLst>
+                                      </p:cBhvr>
+                                      <p:to>
+                                        <p:strVal val="visible"/>
+                                      </p:to>
+                                    </p:set>
+                                    <p:animEffect transition="in" filter="fade">
+                                      <p:cBhvr>
+                                        <p:cTn id="15" dur="500"/>
+                                        <p:tgtEl>
+                                          <p:spTgt spid="33">
+                                            <p:txEl>
+                                              <p:pRg st="0" end="0"/>
+                                            </p:txEl>
+                                          </p:spTgt>
+                                        </p:tgtEl>
+                                      </p:cBhvr>
+                                    </p:animEffect>
+                                  </p:childTnLst>
+                                </p:cTn>
+                              </p:par>
+                              <p:par>
+                                <p:cTn id="16" presetID="10" presetClass="entr" presetSubtype="0" fill="hold" nodeType="withEffect">
+                                  <p:stCondLst>
+                                    <p:cond delay="0"/>
+                                  </p:stCondLst>
+                                  <p:childTnLst>
+                                    <p:set>
+                                      <p:cBhvr>
+                                        <p:cTn id="17" dur="1" fill="hold">
+                                          <p:stCondLst>
+                                            <p:cond delay="0"/>
+                                          </p:stCondLst>
+                                        </p:cTn>
+                                        <p:tgtEl>
+                                          <p:spTgt spid="53"/>
+                                        </p:tgtEl>
+                                        <p:attrNameLst>
+                                          <p:attrName>style.visibility</p:attrName>
+                                        </p:attrNameLst>
+                                      </p:cBhvr>
+                                      <p:to>
+                                        <p:strVal val="visible"/>
+                                      </p:to>
+                                    </p:set>
+                                    <p:animEffect transition="in" filter="fade">
+                                      <p:cBhvr>
+                                        <p:cTn id="18" dur="500"/>
+                                        <p:tgtEl>
+                                          <p:spTgt spid="53"/>
+                                        </p:tgtEl>
+                                      </p:cBhvr>
+                                    </p:animEffect>
+                                  </p:childTnLst>
+                                </p:cTn>
+                              </p:par>
+                              <p:par>
+                                <p:cTn id="19" presetID="10" presetClass="entr" presetSubtype="0" fill="hold" nodeType="withEffect">
+                                  <p:stCondLst>
+                                    <p:cond delay="0"/>
+                                  </p:stCondLst>
+                                  <p:childTnLst>
+                                    <p:set>
+                                      <p:cBhvr>
+                                        <p:cTn id="20" dur="1" fill="hold">
+                                          <p:stCondLst>
+                                            <p:cond delay="0"/>
+                                          </p:stCondLst>
+                                        </p:cTn>
+                                        <p:tgtEl>
+                                          <p:spTgt spid="52"/>
+                                        </p:tgtEl>
+                                        <p:attrNameLst>
+                                          <p:attrName>style.visibility</p:attrName>
+                                        </p:attrNameLst>
+                                      </p:cBhvr>
+                                      <p:to>
+                                        <p:strVal val="visible"/>
+                                      </p:to>
+                                    </p:set>
+                                    <p:animEffect transition="in" filter="fade">
+                                      <p:cBhvr>
+                                        <p:cTn id="21" dur="500"/>
+                                        <p:tgtEl>
+                                          <p:spTgt spid="52"/>
+                                        </p:tgtEl>
+                                      </p:cBhvr>
+                                    </p:animEffect>
+                                  </p:childTnLst>
+                                </p:cTn>
+                              </p:par>
+                              <p:par>
+                                <p:cTn id="22" presetID="10" presetClass="entr" presetSubtype="0" fill="hold" nodeType="withEffect">
+                                  <p:stCondLst>
+                                    <p:cond delay="0"/>
+                                  </p:stCondLst>
+                                  <p:childTnLst>
+                                    <p:set>
+                                      <p:cBhvr>
+                                        <p:cTn id="23" dur="1" fill="hold">
+                                          <p:stCondLst>
+                                            <p:cond delay="0"/>
+                                          </p:stCondLst>
+                                        </p:cTn>
+                                        <p:tgtEl>
+                                          <p:spTgt spid="51"/>
+                                        </p:tgtEl>
+                                        <p:attrNameLst>
+                                          <p:attrName>style.visibility</p:attrName>
+                                        </p:attrNameLst>
+                                      </p:cBhvr>
+                                      <p:to>
+                                        <p:strVal val="visible"/>
+                                      </p:to>
+                                    </p:set>
+                                    <p:animEffect transition="in" filter="fade">
+                                      <p:cBhvr>
+                                        <p:cTn id="24" dur="500"/>
+                                        <p:tgtEl>
+                                          <p:spTgt spid="51"/>
+                                        </p:tgtEl>
+                                      </p:cBhvr>
+                                    </p:animEffect>
+                                  </p:childTnLst>
+                                </p:cTn>
+                              </p:par>
+                              <p:par>
+                                <p:cTn id="25" presetID="10" presetClass="entr" presetSubtype="0" fill="hold" nodeType="withEffect">
+                                  <p:stCondLst>
+                                    <p:cond delay="0"/>
+                                  </p:stCondLst>
+                                  <p:childTnLst>
+                                    <p:set>
+                                      <p:cBhvr>
+                                        <p:cTn id="26" dur="1" fill="hold">
+                                          <p:stCondLst>
+                                            <p:cond delay="0"/>
+                                          </p:stCondLst>
+                                        </p:cTn>
+                                        <p:tgtEl>
+                                          <p:spTgt spid="50"/>
+                                        </p:tgtEl>
+                                        <p:attrNameLst>
+                                          <p:attrName>style.visibility</p:attrName>
+                                        </p:attrNameLst>
+                                      </p:cBhvr>
+                                      <p:to>
+                                        <p:strVal val="visible"/>
+                                      </p:to>
+                                    </p:set>
+                                    <p:animEffect transition="in" filter="fade">
+                                      <p:cBhvr>
+                                        <p:cTn id="27" dur="500"/>
+                                        <p:tgtEl>
+                                          <p:spTgt spid="50"/>
+                                        </p:tgtEl>
+                                      </p:cBhvr>
+                                    </p:animEffect>
+                                  </p:childTnLst>
+                                </p:cTn>
+                              </p:par>
+                              <p:par>
+                                <p:cTn id="28" presetID="10" presetClass="entr" presetSubtype="0" fill="hold" nodeType="withEffect">
+                                  <p:stCondLst>
+                                    <p:cond delay="0"/>
+                                  </p:stCondLst>
+                                  <p:childTnLst>
+                                    <p:set>
+                                      <p:cBhvr>
+                                        <p:cTn id="29" dur="1" fill="hold">
+                                          <p:stCondLst>
+                                            <p:cond delay="0"/>
+                                          </p:stCondLst>
+                                        </p:cTn>
+                                        <p:tgtEl>
+                                          <p:spTgt spid="32"/>
+                                        </p:tgtEl>
+                                        <p:attrNameLst>
+                                          <p:attrName>style.visibility</p:attrName>
+                                        </p:attrNameLst>
+                                      </p:cBhvr>
+                                      <p:to>
+                                        <p:strVal val="visible"/>
+                                      </p:to>
+                                    </p:set>
+                                    <p:animEffect transition="in" filter="fade">
+                                      <p:cBhvr>
+                                        <p:cTn id="30" dur="500"/>
+                                        <p:tgtEl>
+                                          <p:spTgt spid="32"/>
+                                        </p:tgtEl>
+                                      </p:cBhvr>
+                                    </p:animEffect>
+                                  </p:childTnLst>
+                                </p:cTn>
+                              </p:par>
+                              <p:par>
+                                <p:cTn id="31" presetID="10" presetClass="entr" presetSubtype="0" fill="hold" grpId="0" nodeType="withEffect">
+                                  <p:stCondLst>
+                                    <p:cond delay="0"/>
+                                  </p:stCondLst>
+                                  <p:childTnLst>
+                                    <p:set>
+                                      <p:cBhvr>
+                                        <p:cTn id="32" dur="1" fill="hold">
+                                          <p:stCondLst>
+                                            <p:cond delay="0"/>
+                                          </p:stCondLst>
+                                        </p:cTn>
+                                        <p:tgtEl>
+                                          <p:spTgt spid="55"/>
+                                        </p:tgtEl>
+                                        <p:attrNameLst>
+                                          <p:attrName>style.visibility</p:attrName>
+                                        </p:attrNameLst>
+                                      </p:cBhvr>
+                                      <p:to>
+                                        <p:strVal val="visible"/>
+                                      </p:to>
+                                    </p:set>
+                                    <p:animEffect transition="in" filter="fade">
+                                      <p:cBhvr>
+                                        <p:cTn id="33" dur="500"/>
+                                        <p:tgtEl>
+                                          <p:spTgt spid="55"/>
+                                        </p:tgtEl>
+                                      </p:cBhvr>
+                                    </p:animEffect>
+                                  </p:childTnLst>
+                                </p:cTn>
+                              </p:par>
+                            </p:childTnLst>
+                          </p:cTn>
+                        </p:par>
+                      </p:childTnLst>
+                    </p:cTn>
+                  </p:par>
+                  <p:par>
+                    <p:cTn id="34" fill="hold">
+                      <p:stCondLst>
+                        <p:cond delay="indefinite"/>
+                      </p:stCondLst>
+                      <p:childTnLst>
+                        <p:par>
+                          <p:cTn id="35" fill="hold">
+                            <p:stCondLst>
+                              <p:cond delay="0"/>
+                            </p:stCondLst>
+                            <p:childTnLst>
+                              <p:par>
+                                <p:cTn id="36" presetID="10" presetClass="entr" presetSubtype="0" fill="hold" nodeType="clickEffect">
+                                  <p:stCondLst>
+                                    <p:cond delay="0"/>
+                                  </p:stCondLst>
+                                  <p:childTnLst>
+                                    <p:set>
+                                      <p:cBhvr>
+                                        <p:cTn id="37" dur="1" fill="hold">
+                                          <p:stCondLst>
+                                            <p:cond delay="0"/>
+                                          </p:stCondLst>
+                                        </p:cTn>
+                                        <p:tgtEl>
+                                          <p:spTgt spid="33">
+                                            <p:txEl>
+                                              <p:pRg st="1" end="1"/>
+                                            </p:txEl>
+                                          </p:spTgt>
+                                        </p:tgtEl>
+                                        <p:attrNameLst>
+                                          <p:attrName>style.visibility</p:attrName>
+                                        </p:attrNameLst>
+                                      </p:cBhvr>
+                                      <p:to>
+                                        <p:strVal val="visible"/>
+                                      </p:to>
+                                    </p:set>
+                                    <p:animEffect transition="in" filter="fade">
+                                      <p:cBhvr>
+                                        <p:cTn id="38" dur="500"/>
+                                        <p:tgtEl>
+                                          <p:spTgt spid="33">
+                                            <p:txEl>
+                                              <p:pRg st="1" end="1"/>
+                                            </p:txEl>
+                                          </p:spTgt>
+                                        </p:tgtEl>
+                                      </p:cBhvr>
+                                    </p:animEffect>
+                                  </p:childTnLst>
+                                </p:cTn>
+                              </p:par>
+                              <p:par>
+                                <p:cTn id="39" presetID="10" presetClass="entr" presetSubtype="0" fill="hold" grpId="0" nodeType="withEffect">
+                                  <p:stCondLst>
+                                    <p:cond delay="0"/>
+                                  </p:stCondLst>
+                                  <p:childTnLst>
+                                    <p:set>
+                                      <p:cBhvr>
+                                        <p:cTn id="40" dur="1" fill="hold">
+                                          <p:stCondLst>
+                                            <p:cond delay="0"/>
+                                          </p:stCondLst>
+                                        </p:cTn>
+                                        <p:tgtEl>
+                                          <p:spTgt spid="56"/>
+                                        </p:tgtEl>
+                                        <p:attrNameLst>
+                                          <p:attrName>style.visibility</p:attrName>
+                                        </p:attrNameLst>
+                                      </p:cBhvr>
+                                      <p:to>
+                                        <p:strVal val="visible"/>
+                                      </p:to>
+                                    </p:set>
+                                    <p:animEffect transition="in" filter="fade">
+                                      <p:cBhvr>
+                                        <p:cTn id="41" dur="500"/>
+                                        <p:tgtEl>
+                                          <p:spTgt spid="56"/>
+                                        </p:tgtEl>
+                                      </p:cBhvr>
+                                    </p:animEffect>
+                                  </p:childTnLst>
+                                </p:cTn>
+                              </p:par>
+                              <p:par>
+                                <p:cTn id="42" presetID="10" presetClass="entr" presetSubtype="0" fill="hold" nodeType="withEffect">
+                                  <p:stCondLst>
+                                    <p:cond delay="0"/>
+                                  </p:stCondLst>
+                                  <p:childTnLst>
+                                    <p:set>
+                                      <p:cBhvr>
+                                        <p:cTn id="43" dur="1" fill="hold">
+                                          <p:stCondLst>
+                                            <p:cond delay="0"/>
+                                          </p:stCondLst>
+                                        </p:cTn>
+                                        <p:tgtEl>
+                                          <p:spTgt spid="48"/>
+                                        </p:tgtEl>
+                                        <p:attrNameLst>
+                                          <p:attrName>style.visibility</p:attrName>
+                                        </p:attrNameLst>
+                                      </p:cBhvr>
+                                      <p:to>
+                                        <p:strVal val="visible"/>
+                                      </p:to>
+                                    </p:set>
+                                    <p:animEffect transition="in" filter="fade">
+                                      <p:cBhvr>
+                                        <p:cTn id="44" dur="500"/>
+                                        <p:tgtEl>
+                                          <p:spTgt spid="48"/>
+                                        </p:tgtEl>
+                                      </p:cBhvr>
+                                    </p:animEffect>
+                                  </p:childTnLst>
+                                </p:cTn>
+                              </p:par>
+                            </p:childTnLst>
+                          </p:cTn>
+                        </p:par>
+                      </p:childTnLst>
+                    </p:cTn>
+                  </p:par>
+                  <p:par>
+                    <p:cTn id="45" fill="hold">
+                      <p:stCondLst>
+                        <p:cond delay="indefinite"/>
+                      </p:stCondLst>
+                      <p:childTnLst>
+                        <p:par>
+                          <p:cTn id="46" fill="hold">
+                            <p:stCondLst>
+                              <p:cond delay="0"/>
+                            </p:stCondLst>
+                            <p:childTnLst>
+                              <p:par>
+                                <p:cTn id="47" presetID="10" presetClass="entr" presetSubtype="0" fill="hold" nodeType="clickEffect">
+                                  <p:stCondLst>
+                                    <p:cond delay="0"/>
+                                  </p:stCondLst>
+                                  <p:childTnLst>
+                                    <p:set>
+                                      <p:cBhvr>
+                                        <p:cTn id="48" dur="1" fill="hold">
+                                          <p:stCondLst>
+                                            <p:cond delay="0"/>
+                                          </p:stCondLst>
+                                        </p:cTn>
+                                        <p:tgtEl>
+                                          <p:spTgt spid="33">
+                                            <p:txEl>
+                                              <p:pRg st="2" end="2"/>
+                                            </p:txEl>
+                                          </p:spTgt>
+                                        </p:tgtEl>
+                                        <p:attrNameLst>
+                                          <p:attrName>style.visibility</p:attrName>
+                                        </p:attrNameLst>
+                                      </p:cBhvr>
+                                      <p:to>
+                                        <p:strVal val="visible"/>
+                                      </p:to>
+                                    </p:set>
+                                    <p:animEffect transition="in" filter="fade">
+                                      <p:cBhvr>
+                                        <p:cTn id="49" dur="500"/>
+                                        <p:tgtEl>
+                                          <p:spTgt spid="33">
+                                            <p:txEl>
+                                              <p:pRg st="2" end="2"/>
+                                            </p:txEl>
+                                          </p:spTgt>
+                                        </p:tgtEl>
+                                      </p:cBhvr>
+                                    </p:animEffect>
+                                  </p:childTnLst>
+                                </p:cTn>
+                              </p:par>
+                              <p:par>
+                                <p:cTn id="50" presetID="10" presetClass="entr" presetSubtype="0" fill="hold" grpId="0" nodeType="withEffect">
+                                  <p:stCondLst>
+                                    <p:cond delay="0"/>
+                                  </p:stCondLst>
+                                  <p:childTnLst>
+                                    <p:set>
+                                      <p:cBhvr>
+                                        <p:cTn id="51" dur="1" fill="hold">
+                                          <p:stCondLst>
+                                            <p:cond delay="0"/>
+                                          </p:stCondLst>
+                                        </p:cTn>
+                                        <p:tgtEl>
+                                          <p:spTgt spid="57"/>
+                                        </p:tgtEl>
+                                        <p:attrNameLst>
+                                          <p:attrName>style.visibility</p:attrName>
+                                        </p:attrNameLst>
+                                      </p:cBhvr>
+                                      <p:to>
+                                        <p:strVal val="visible"/>
+                                      </p:to>
+                                    </p:set>
+                                    <p:animEffect transition="in" filter="fade">
+                                      <p:cBhvr>
+                                        <p:cTn id="52" dur="500"/>
+                                        <p:tgtEl>
+                                          <p:spTgt spid="57"/>
+                                        </p:tgtEl>
+                                      </p:cBhvr>
+                                    </p:animEffect>
+                                  </p:childTnLst>
+                                </p:cTn>
+                              </p:par>
+                              <p:par>
+                                <p:cTn id="53" presetID="10" presetClass="entr" presetSubtype="0" fill="hold" nodeType="withEffect">
+                                  <p:stCondLst>
+                                    <p:cond delay="0"/>
+                                  </p:stCondLst>
+                                  <p:childTnLst>
+                                    <p:set>
+                                      <p:cBhvr>
+                                        <p:cTn id="54" dur="1" fill="hold">
+                                          <p:stCondLst>
+                                            <p:cond delay="0"/>
+                                          </p:stCondLst>
+                                        </p:cTn>
+                                        <p:tgtEl>
+                                          <p:spTgt spid="44"/>
+                                        </p:tgtEl>
+                                        <p:attrNameLst>
+                                          <p:attrName>style.visibility</p:attrName>
+                                        </p:attrNameLst>
+                                      </p:cBhvr>
+                                      <p:to>
+                                        <p:strVal val="visible"/>
+                                      </p:to>
+                                    </p:set>
+                                    <p:animEffect transition="in" filter="fade">
+                                      <p:cBhvr>
+                                        <p:cTn id="55" dur="500"/>
+                                        <p:tgtEl>
+                                          <p:spTgt spid="44"/>
+                                        </p:tgtEl>
+                                      </p:cBhvr>
+                                    </p:animEffect>
+                                  </p:childTnLst>
+                                </p:cTn>
+                              </p:par>
+                            </p:childTnLst>
+                          </p:cTn>
+                        </p:par>
+                      </p:childTnLst>
+                    </p:cTn>
+                  </p:par>
+                  <p:par>
+                    <p:cTn id="56" fill="hold">
+                      <p:stCondLst>
+                        <p:cond delay="indefinite"/>
+                      </p:stCondLst>
+                      <p:childTnLst>
+                        <p:par>
+                          <p:cTn id="57" fill="hold">
+                            <p:stCondLst>
+                              <p:cond delay="0"/>
+                            </p:stCondLst>
+                            <p:childTnLst>
+                              <p:par>
+                                <p:cTn id="58" presetID="10" presetClass="entr" presetSubtype="0" fill="hold" nodeType="clickEffect">
+                                  <p:stCondLst>
+                                    <p:cond delay="0"/>
+                                  </p:stCondLst>
+                                  <p:childTnLst>
+                                    <p:set>
+                                      <p:cBhvr>
+                                        <p:cTn id="59" dur="1" fill="hold">
+                                          <p:stCondLst>
+                                            <p:cond delay="0"/>
+                                          </p:stCondLst>
+                                        </p:cTn>
+                                        <p:tgtEl>
+                                          <p:spTgt spid="33">
+                                            <p:txEl>
+                                              <p:pRg st="3" end="3"/>
+                                            </p:txEl>
+                                          </p:spTgt>
+                                        </p:tgtEl>
+                                        <p:attrNameLst>
+                                          <p:attrName>style.visibility</p:attrName>
+                                        </p:attrNameLst>
+                                      </p:cBhvr>
+                                      <p:to>
+                                        <p:strVal val="visible"/>
+                                      </p:to>
+                                    </p:set>
+                                    <p:animEffect transition="in" filter="fade">
+                                      <p:cBhvr>
+                                        <p:cTn id="60" dur="500"/>
+                                        <p:tgtEl>
+                                          <p:spTgt spid="33">
+                                            <p:txEl>
+                                              <p:pRg st="3" end="3"/>
+                                            </p:txEl>
+                                          </p:spTgt>
+                                        </p:tgtEl>
+                                      </p:cBhvr>
+                                    </p:animEffect>
+                                  </p:childTnLst>
+                                </p:cTn>
+                              </p:par>
+                              <p:par>
+                                <p:cTn id="61" presetID="10" presetClass="entr" presetSubtype="0" fill="hold" nodeType="withEffect">
+                                  <p:stCondLst>
+                                    <p:cond delay="0"/>
+                                  </p:stCondLst>
+                                  <p:childTnLst>
+                                    <p:set>
+                                      <p:cBhvr>
+                                        <p:cTn id="62" dur="1" fill="hold">
+                                          <p:stCondLst>
+                                            <p:cond delay="0"/>
+                                          </p:stCondLst>
+                                        </p:cTn>
+                                        <p:tgtEl>
+                                          <p:spTgt spid="47"/>
+                                        </p:tgtEl>
+                                        <p:attrNameLst>
+                                          <p:attrName>style.visibility</p:attrName>
+                                        </p:attrNameLst>
+                                      </p:cBhvr>
+                                      <p:to>
+                                        <p:strVal val="visible"/>
+                                      </p:to>
+                                    </p:set>
+                                    <p:animEffect transition="in" filter="fade">
+                                      <p:cBhvr>
+                                        <p:cTn id="63" dur="500"/>
+                                        <p:tgtEl>
+                                          <p:spTgt spid="47"/>
+                                        </p:tgtEl>
+                                      </p:cBhvr>
+                                    </p:animEffect>
+                                  </p:childTnLst>
+                                </p:cTn>
+                              </p:par>
+                              <p:par>
+                                <p:cTn id="64" presetID="10" presetClass="entr" presetSubtype="0" fill="hold" grpId="0" nodeType="withEffect">
+                                  <p:stCondLst>
+                                    <p:cond delay="0"/>
+                                  </p:stCondLst>
+                                  <p:childTnLst>
+                                    <p:set>
+                                      <p:cBhvr>
+                                        <p:cTn id="65" dur="1" fill="hold">
+                                          <p:stCondLst>
+                                            <p:cond delay="0"/>
+                                          </p:stCondLst>
+                                        </p:cTn>
+                                        <p:tgtEl>
+                                          <p:spTgt spid="60"/>
+                                        </p:tgtEl>
+                                        <p:attrNameLst>
+                                          <p:attrName>style.visibility</p:attrName>
+                                        </p:attrNameLst>
+                                      </p:cBhvr>
+                                      <p:to>
+                                        <p:strVal val="visible"/>
+                                      </p:to>
+                                    </p:set>
+                                    <p:animEffect transition="in" filter="fade">
+                                      <p:cBhvr>
+                                        <p:cTn id="66" dur="500"/>
+                                        <p:tgtEl>
+                                          <p:spTgt spid="60"/>
+                                        </p:tgtEl>
+                                      </p:cBhvr>
+                                    </p:animEffect>
+                                  </p:childTnLst>
+                                </p:cTn>
+                              </p:par>
+                            </p:childTnLst>
+                          </p:cTn>
+                        </p:par>
+                      </p:childTnLst>
+                    </p:cTn>
+                  </p:par>
+                  <p:par>
+                    <p:cTn id="67" fill="hold">
+                      <p:stCondLst>
+                        <p:cond delay="indefinite"/>
+                      </p:stCondLst>
+                      <p:childTnLst>
+                        <p:par>
+                          <p:cTn id="68" fill="hold">
+                            <p:stCondLst>
+                              <p:cond delay="0"/>
+                            </p:stCondLst>
+                            <p:childTnLst>
+                              <p:par>
+                                <p:cTn id="69" presetID="10" presetClass="entr" presetSubtype="0" fill="hold" nodeType="clickEffect">
+                                  <p:stCondLst>
+                                    <p:cond delay="0"/>
+                                  </p:stCondLst>
+                                  <p:childTnLst>
+                                    <p:set>
+                                      <p:cBhvr>
+                                        <p:cTn id="70" dur="1" fill="hold">
+                                          <p:stCondLst>
+                                            <p:cond delay="0"/>
+                                          </p:stCondLst>
+                                        </p:cTn>
+                                        <p:tgtEl>
+                                          <p:spTgt spid="33">
+                                            <p:txEl>
+                                              <p:pRg st="4" end="4"/>
+                                            </p:txEl>
+                                          </p:spTgt>
+                                        </p:tgtEl>
+                                        <p:attrNameLst>
+                                          <p:attrName>style.visibility</p:attrName>
+                                        </p:attrNameLst>
+                                      </p:cBhvr>
+                                      <p:to>
+                                        <p:strVal val="visible"/>
+                                      </p:to>
+                                    </p:set>
+                                    <p:animEffect transition="in" filter="fade">
+                                      <p:cBhvr>
+                                        <p:cTn id="71" dur="500"/>
+                                        <p:tgtEl>
+                                          <p:spTgt spid="33">
+                                            <p:txEl>
+                                              <p:pRg st="4" end="4"/>
+                                            </p:txEl>
+                                          </p:spTgt>
+                                        </p:tgtEl>
+                                      </p:cBhvr>
+                                    </p:animEffect>
+                                  </p:childTnLst>
+                                </p:cTn>
+                              </p:par>
+                              <p:par>
+                                <p:cTn id="72" presetID="10" presetClass="entr" presetSubtype="0" fill="hold" nodeType="withEffect">
+                                  <p:stCondLst>
+                                    <p:cond delay="0"/>
+                                  </p:stCondLst>
+                                  <p:childTnLst>
+                                    <p:set>
+                                      <p:cBhvr>
+                                        <p:cTn id="73" dur="1" fill="hold">
+                                          <p:stCondLst>
+                                            <p:cond delay="0"/>
+                                          </p:stCondLst>
+                                        </p:cTn>
+                                        <p:tgtEl>
+                                          <p:spTgt spid="33">
+                                            <p:txEl>
+                                              <p:pRg st="5" end="5"/>
+                                            </p:txEl>
+                                          </p:spTgt>
+                                        </p:tgtEl>
+                                        <p:attrNameLst>
+                                          <p:attrName>style.visibility</p:attrName>
+                                        </p:attrNameLst>
+                                      </p:cBhvr>
+                                      <p:to>
+                                        <p:strVal val="visible"/>
+                                      </p:to>
+                                    </p:set>
+                                    <p:animEffect transition="in" filter="fade">
+                                      <p:cBhvr>
+                                        <p:cTn id="74" dur="500"/>
+                                        <p:tgtEl>
+                                          <p:spTgt spid="33">
+                                            <p:txEl>
+                                              <p:pRg st="5" end="5"/>
+                                            </p:txEl>
+                                          </p:spTgt>
+                                        </p:tgtEl>
+                                      </p:cBhvr>
+                                    </p:animEffect>
+                                  </p:childTnLst>
+                                </p:cTn>
+                              </p:par>
+                              <p:par>
+                                <p:cTn id="75" presetID="10" presetClass="entr" presetSubtype="0" fill="hold" nodeType="withEffect">
+                                  <p:stCondLst>
+                                    <p:cond delay="0"/>
+                                  </p:stCondLst>
+                                  <p:childTnLst>
+                                    <p:set>
+                                      <p:cBhvr>
+                                        <p:cTn id="76" dur="1" fill="hold">
+                                          <p:stCondLst>
+                                            <p:cond delay="0"/>
+                                          </p:stCondLst>
+                                        </p:cTn>
+                                        <p:tgtEl>
+                                          <p:spTgt spid="46"/>
+                                        </p:tgtEl>
+                                        <p:attrNameLst>
+                                          <p:attrName>style.visibility</p:attrName>
+                                        </p:attrNameLst>
+                                      </p:cBhvr>
+                                      <p:to>
+                                        <p:strVal val="visible"/>
+                                      </p:to>
+                                    </p:set>
+                                    <p:animEffect transition="in" filter="fade">
+                                      <p:cBhvr>
+                                        <p:cTn id="77" dur="500"/>
+                                        <p:tgtEl>
+                                          <p:spTgt spid="46"/>
+                                        </p:tgtEl>
+                                      </p:cBhvr>
+                                    </p:animEffect>
+                                  </p:childTnLst>
+                                </p:cTn>
+                              </p:par>
+                              <p:par>
+                                <p:cTn id="78" presetID="10" presetClass="entr" presetSubtype="0" fill="hold" grpId="0" nodeType="withEffect">
+                                  <p:stCondLst>
+                                    <p:cond delay="0"/>
+                                  </p:stCondLst>
+                                  <p:childTnLst>
+                                    <p:set>
+                                      <p:cBhvr>
+                                        <p:cTn id="79" dur="1" fill="hold">
+                                          <p:stCondLst>
+                                            <p:cond delay="0"/>
+                                          </p:stCondLst>
+                                        </p:cTn>
+                                        <p:tgtEl>
+                                          <p:spTgt spid="59"/>
+                                        </p:tgtEl>
+                                        <p:attrNameLst>
+                                          <p:attrName>style.visibility</p:attrName>
+                                        </p:attrNameLst>
+                                      </p:cBhvr>
+                                      <p:to>
+                                        <p:strVal val="visible"/>
+                                      </p:to>
+                                    </p:set>
+                                    <p:animEffect transition="in" filter="fade">
+                                      <p:cBhvr>
+                                        <p:cTn id="80" dur="500"/>
+                                        <p:tgtEl>
+                                          <p:spTgt spid="59"/>
+                                        </p:tgtEl>
+                                      </p:cBhvr>
+                                    </p:animEffect>
+                                  </p:childTnLst>
+                                </p:cTn>
+                              </p:par>
+                            </p:childTnLst>
+                          </p:cTn>
+                        </p:par>
+                      </p:childTnLst>
+                    </p:cTn>
+                  </p:par>
+                  <p:par>
+                    <p:cTn id="81" fill="hold">
+                      <p:stCondLst>
+                        <p:cond delay="indefinite"/>
+                      </p:stCondLst>
+                      <p:childTnLst>
+                        <p:par>
+                          <p:cTn id="82" fill="hold">
+                            <p:stCondLst>
+                              <p:cond delay="0"/>
+                            </p:stCondLst>
+                            <p:childTnLst>
+                              <p:par>
+                                <p:cTn id="83" presetID="10" presetClass="entr" presetSubtype="0" fill="hold" nodeType="clickEffect">
+                                  <p:stCondLst>
+                                    <p:cond delay="0"/>
+                                  </p:stCondLst>
+                                  <p:childTnLst>
+                                    <p:set>
+                                      <p:cBhvr>
+                                        <p:cTn id="84" dur="1" fill="hold">
+                                          <p:stCondLst>
+                                            <p:cond delay="0"/>
+                                          </p:stCondLst>
+                                        </p:cTn>
+                                        <p:tgtEl>
+                                          <p:spTgt spid="33">
+                                            <p:txEl>
+                                              <p:pRg st="6" end="6"/>
+                                            </p:txEl>
+                                          </p:spTgt>
+                                        </p:tgtEl>
+                                        <p:attrNameLst>
+                                          <p:attrName>style.visibility</p:attrName>
+                                        </p:attrNameLst>
+                                      </p:cBhvr>
+                                      <p:to>
+                                        <p:strVal val="visible"/>
+                                      </p:to>
+                                    </p:set>
+                                    <p:animEffect transition="in" filter="fade">
+                                      <p:cBhvr>
+                                        <p:cTn id="85" dur="500"/>
+                                        <p:tgtEl>
+                                          <p:spTgt spid="33">
+                                            <p:txEl>
+                                              <p:pRg st="6" end="6"/>
+                                            </p:txEl>
+                                          </p:spTgt>
+                                        </p:tgtEl>
+                                      </p:cBhvr>
+                                    </p:animEffect>
+                                  </p:childTnLst>
+                                </p:cTn>
+                              </p:par>
+                              <p:par>
+                                <p:cTn id="86" presetID="10" presetClass="entr" presetSubtype="0" fill="hold" nodeType="withEffect">
+                                  <p:stCondLst>
+                                    <p:cond delay="0"/>
+                                  </p:stCondLst>
+                                  <p:childTnLst>
+                                    <p:set>
+                                      <p:cBhvr>
+                                        <p:cTn id="87" dur="1" fill="hold">
+                                          <p:stCondLst>
+                                            <p:cond delay="0"/>
+                                          </p:stCondLst>
+                                        </p:cTn>
+                                        <p:tgtEl>
+                                          <p:spTgt spid="45"/>
+                                        </p:tgtEl>
+                                        <p:attrNameLst>
+                                          <p:attrName>style.visibility</p:attrName>
+                                        </p:attrNameLst>
+                                      </p:cBhvr>
+                                      <p:to>
+                                        <p:strVal val="visible"/>
+                                      </p:to>
+                                    </p:set>
+                                    <p:animEffect transition="in" filter="fade">
+                                      <p:cBhvr>
+                                        <p:cTn id="88" dur="500"/>
+                                        <p:tgtEl>
+                                          <p:spTgt spid="45"/>
+                                        </p:tgtEl>
+                                      </p:cBhvr>
+                                    </p:animEffect>
+                                  </p:childTnLst>
+                                </p:cTn>
+                              </p:par>
+                              <p:par>
+                                <p:cTn id="89" presetID="10" presetClass="entr" presetSubtype="0" fill="hold" grpId="0" nodeType="withEffect">
+                                  <p:stCondLst>
+                                    <p:cond delay="0"/>
+                                  </p:stCondLst>
+                                  <p:childTnLst>
+                                    <p:set>
+                                      <p:cBhvr>
+                                        <p:cTn id="90" dur="1" fill="hold">
+                                          <p:stCondLst>
+                                            <p:cond delay="0"/>
+                                          </p:stCondLst>
+                                        </p:cTn>
+                                        <p:tgtEl>
+                                          <p:spTgt spid="58"/>
+                                        </p:tgtEl>
+                                        <p:attrNameLst>
+                                          <p:attrName>style.visibility</p:attrName>
+                                        </p:attrNameLst>
+                                      </p:cBhvr>
+                                      <p:to>
+                                        <p:strVal val="visible"/>
+                                      </p:to>
+                                    </p:set>
+                                    <p:animEffect transition="in" filter="fade">
+                                      <p:cBhvr>
+                                        <p:cTn id="91" dur="500"/>
+                                        <p:tgtEl>
+                                          <p:spTgt spid="58"/>
+                                        </p:tgtEl>
+                                      </p:cBhvr>
+                                    </p:animEffect>
+                                  </p:childTnLst>
+                                </p:cTn>
+                              </p:par>
+                            </p:childTnLst>
+                          </p:cTn>
+                        </p:par>
+                      </p:childTnLst>
+                    </p:cTn>
+                  </p:par>
+                </p:childTnLst>
+              </p:cTn>
+              <p:prevCondLst>
+                <p:cond evt="onPrev" delay="0">
+                  <p:tgtEl>
+                    <p:sldTgt/>
+                  </p:tgtEl>
+                </p:cond>
+              </p:prevCondLst>
+              <p:nextCondLst>
+                <p:cond evt="onNext" delay="0">
+                  <p:tgtEl>
+                    <p:sldTgt/>
+                  </p:tgtEl>
+                </p:cond>
+              </p:nextCondLst>
+            </p:seq>
+          </p:childTnLst>
+        </p:cTn>
+      </p:par>
+    </p:tnLst>
+    <p:bldLst>
+      <p:bldP spid="18" grpId="0"/>
+      <p:bldP spid="55" grpId="0" animBg="1"/>
+      <p:bldP spid="56" grpId="0" animBg="1"/>
+      <p:bldP spid="57" grpId="0" animBg="1"/>
+      <p:bldP spid="58" grpId="0" animBg="1"/>
+      <p:bldP spid="59" grpId="0" animBg="1"/>
+      <p:bldP spid="60" grpId="0" animBg="1"/>
+    </p:bldLst>
+  </p:timing>
+</p:sld>
+</file>
+
+<file path=ppt/slides/slide3.xml><?xml version="1.0" encoding="utf-8"?>
+<p:sld xmlns:a="http://schemas.openxmlformats.org/drawingml/2006/main" xmlns:r="http://schemas.openxmlformats.org/officeDocument/2006/relationships" xmlns:p="http://schemas.openxmlformats.org/presentationml/2006/main">
+  <p:cSld>
+    <p:spTree>
+      <p:nvGrpSpPr>
+        <p:cNvPr id="1" name=""/>
+        <p:cNvGrpSpPr/>
+        <p:nvPr/>
+      </p:nvGrpSpPr>
+      <p:grpSpPr>
+        <a:xfrm>
+          <a:off x="0" y="0"/>
+          <a:ext cx="0" cy="0"/>
+          <a:chOff x="0" y="0"/>
+          <a:chExt cx="0" cy="0"/>
+        </a:xfrm>
+      </p:grpSpPr>
+      <p:sp>
+        <p:nvSpPr>
+          <p:cNvPr id="2" name="Title 1"/>
+          <p:cNvSpPr>
+            <a:spLocks noGrp="1"/>
+          </p:cNvSpPr>
+          <p:nvPr>
+            <p:ph type="title"/>
+          </p:nvPr>
+        </p:nvSpPr>
         <p:spPr/>
         <p:txBody>
           <a:bodyPr/>
@@ -11355,13 +16570,6 @@
           <a:lstStyle/>
           <a:p>
             <a:r>
-              <a:rPr lang="de-DE" sz="2000" dirty="0" err="1"/>
-              <a:t>Introduction</a:t>
-            </a:r>
-            <a:endParaRPr lang="de-DE" sz="2000" dirty="0"/>
-          </a:p>
-          <a:p>
-            <a:r>
               <a:rPr lang="de-DE" sz="2000" dirty="0"/>
               <a:t>Nodes</a:t>
             </a:r>
@@ -11438,7 +16646,7 @@
             <a:fld id="{EC5B15BB-6B6E-4ECE-9DE6-799FAF01EBD9}" type="slidenum">
               <a:rPr lang="de-DE" smtClean="0"/>
               <a:pPr/>
-              <a:t>2</a:t>
+              <a:t>3</a:t>
             </a:fld>
             <a:endParaRPr lang="de-DE" dirty="0"/>
           </a:p>
@@ -11457,7 +16665,7 @@
 </p:sld>
 </file>
 
-<file path=ppt/slides/slide3.xml><?xml version="1.0" encoding="utf-8"?>
+<file path=ppt/slides/slide4.xml><?xml version="1.0" encoding="utf-8"?>
 <p:sld xmlns:a="http://schemas.openxmlformats.org/drawingml/2006/main" xmlns:r="http://schemas.openxmlformats.org/officeDocument/2006/relationships" xmlns:p="http://schemas.openxmlformats.org/presentationml/2006/main">
   <p:cSld>
     <p:spTree>
@@ -11632,7 +16840,7 @@
             <a:fld id="{EC5B15BB-6B6E-4ECE-9DE6-799FAF01EBD9}" type="slidenum">
               <a:rPr lang="de-DE" smtClean="0"/>
               <a:pPr/>
-              <a:t>3</a:t>
+              <a:t>4</a:t>
             </a:fld>
             <a:endParaRPr lang="de-DE" dirty="0"/>
           </a:p>
@@ -12944,7 +18152,7 @@
 </p:sld>
 </file>
 
-<file path=ppt/slides/slide4.xml><?xml version="1.0" encoding="utf-8"?>
+<file path=ppt/slides/slide5.xml><?xml version="1.0" encoding="utf-8"?>
 <p:sld xmlns:a="http://schemas.openxmlformats.org/drawingml/2006/main" xmlns:r="http://schemas.openxmlformats.org/officeDocument/2006/relationships" xmlns:p="http://schemas.openxmlformats.org/presentationml/2006/main">
   <p:cSld>
     <p:spTree>
@@ -13101,7 +18309,7 @@
             <a:fld id="{EC5B15BB-6B6E-4ECE-9DE6-799FAF01EBD9}" type="slidenum">
               <a:rPr lang="de-DE" smtClean="0"/>
               <a:pPr/>
-              <a:t>4</a:t>
+              <a:t>5</a:t>
             </a:fld>
             <a:endParaRPr lang="de-DE" dirty="0"/>
           </a:p>
@@ -14434,7 +19642,7 @@
 </p:sld>
 </file>
 
-<file path=ppt/slides/slide5.xml><?xml version="1.0" encoding="utf-8"?>
+<file path=ppt/slides/slide6.xml><?xml version="1.0" encoding="utf-8"?>
 <p:sld xmlns:a="http://schemas.openxmlformats.org/drawingml/2006/main" xmlns:r="http://schemas.openxmlformats.org/officeDocument/2006/relationships" xmlns:p="http://schemas.openxmlformats.org/presentationml/2006/main">
   <p:cSld>
     <p:spTree>
@@ -14667,7 +19875,7 @@
             <a:fld id="{EC5B15BB-6B6E-4ECE-9DE6-799FAF01EBD9}" type="slidenum">
               <a:rPr lang="de-DE" smtClean="0"/>
               <a:pPr/>
-              <a:t>5</a:t>
+              <a:t>6</a:t>
             </a:fld>
             <a:endParaRPr lang="de-DE" dirty="0"/>
           </a:p>
@@ -14990,7 +20198,7 @@
 </p:sld>
 </file>
 
-<file path=ppt/slides/slide6.xml><?xml version="1.0" encoding="utf-8"?>
+<file path=ppt/slides/slide7.xml><?xml version="1.0" encoding="utf-8"?>
 <p:sld xmlns:a="http://schemas.openxmlformats.org/drawingml/2006/main" xmlns:r="http://schemas.openxmlformats.org/officeDocument/2006/relationships" xmlns:p="http://schemas.openxmlformats.org/presentationml/2006/main">
   <p:cSld>
     <p:spTree>
@@ -15060,7 +20268,7 @@
             <a:fld id="{EC5B15BB-6B6E-4ECE-9DE6-799FAF01EBD9}" type="slidenum">
               <a:rPr lang="de-DE" smtClean="0"/>
               <a:pPr/>
-              <a:t>6</a:t>
+              <a:t>7</a:t>
             </a:fld>
             <a:endParaRPr lang="de-DE" dirty="0"/>
           </a:p>
@@ -16240,7 +21448,7 @@
 </p:sld>
 </file>
 
-<file path=ppt/slides/slide7.xml><?xml version="1.0" encoding="utf-8"?>
+<file path=ppt/slides/slide8.xml><?xml version="1.0" encoding="utf-8"?>
 <p:sld xmlns:a="http://schemas.openxmlformats.org/drawingml/2006/main" xmlns:r="http://schemas.openxmlformats.org/officeDocument/2006/relationships" xmlns:p="http://schemas.openxmlformats.org/presentationml/2006/main">
   <p:cSld>
     <p:spTree>
@@ -16310,7 +21518,7 @@
             <a:fld id="{EC5B15BB-6B6E-4ECE-9DE6-799FAF01EBD9}" type="slidenum">
               <a:rPr lang="de-DE" smtClean="0"/>
               <a:pPr/>
-              <a:t>7</a:t>
+              <a:t>8</a:t>
             </a:fld>
             <a:endParaRPr lang="de-DE" dirty="0"/>
           </a:p>
@@ -16953,7 +22161,7 @@
 </p:sld>
 </file>
 
-<file path=ppt/slides/slide8.xml><?xml version="1.0" encoding="utf-8"?>
+<file path=ppt/slides/slide9.xml><?xml version="1.0" encoding="utf-8"?>
 <p:sld xmlns:a="http://schemas.openxmlformats.org/drawingml/2006/main" xmlns:r="http://schemas.openxmlformats.org/officeDocument/2006/relationships" xmlns:p="http://schemas.openxmlformats.org/presentationml/2006/main">
   <p:cSld>
     <p:spTree>
@@ -17023,7 +22231,7 @@
             <a:fld id="{EC5B15BB-6B6E-4ECE-9DE6-799FAF01EBD9}" type="slidenum">
               <a:rPr lang="de-DE" smtClean="0"/>
               <a:pPr/>
-              <a:t>8</a:t>
+              <a:t>9</a:t>
             </a:fld>
             <a:endParaRPr lang="de-DE" dirty="0"/>
           </a:p>
@@ -17925,972 +23133,64 @@
           </a:p>
         </p:txBody>
       </p:sp>
-    </p:spTree>
-    <p:extLst>
-      <p:ext uri="{BB962C8B-B14F-4D97-AF65-F5344CB8AC3E}">
-        <p14:creationId xmlns:p14="http://schemas.microsoft.com/office/powerpoint/2010/main" val="3465280640"/>
-      </p:ext>
-    </p:extLst>
-  </p:cSld>
-  <p:clrMapOvr>
-    <a:masterClrMapping/>
-  </p:clrMapOvr>
-  <mc:AlternateContent xmlns:mc="http://schemas.openxmlformats.org/markup-compatibility/2006" xmlns:p159="http://schemas.microsoft.com/office/powerpoint/2015/09/main">
-    <mc:Choice Requires="p159">
-      <p:transition xmlns:p14="http://schemas.microsoft.com/office/powerpoint/2010/main" spd="slow" p14:dur="2000">
-        <p159:morph option="byObject"/>
-      </p:transition>
-    </mc:Choice>
-    <mc:Fallback xmlns="">
-      <p:transition spd="slow">
-        <p:fade/>
-      </p:transition>
-    </mc:Fallback>
-  </mc:AlternateContent>
-</p:sld>
-</file>
-
-<file path=ppt/slides/slide9.xml><?xml version="1.0" encoding="utf-8"?>
-<p:sld xmlns:a="http://schemas.openxmlformats.org/drawingml/2006/main" xmlns:r="http://schemas.openxmlformats.org/officeDocument/2006/relationships" xmlns:p="http://schemas.openxmlformats.org/presentationml/2006/main">
-  <p:cSld>
-    <p:spTree>
-      <p:nvGrpSpPr>
-        <p:cNvPr id="1" name=""/>
-        <p:cNvGrpSpPr/>
-        <p:nvPr/>
-      </p:nvGrpSpPr>
-      <p:grpSpPr>
-        <a:xfrm>
-          <a:off x="0" y="0"/>
-          <a:ext cx="0" cy="0"/>
-          <a:chOff x="0" y="0"/>
-          <a:chExt cx="0" cy="0"/>
-        </a:xfrm>
-      </p:grpSpPr>
       <p:sp>
         <p:nvSpPr>
-          <p:cNvPr id="2" name="Title 1"/>
-          <p:cNvSpPr>
-            <a:spLocks noGrp="1"/>
-          </p:cNvSpPr>
-          <p:nvPr>
-            <p:ph type="title"/>
-          </p:nvPr>
-        </p:nvSpPr>
-        <p:spPr/>
-        <p:txBody>
-          <a:bodyPr/>
-          <a:lstStyle/>
-          <a:p>
-            <a:r>
-              <a:rPr lang="de-DE" dirty="0"/>
-              <a:t>Nodes – </a:t>
-            </a:r>
-            <a:r>
-              <a:rPr lang="de-DE" dirty="0" err="1"/>
-              <a:t>Node</a:t>
-            </a:r>
-            <a:r>
-              <a:rPr lang="de-DE" dirty="0"/>
-              <a:t> </a:t>
-            </a:r>
-            <a:r>
-              <a:rPr lang="de-DE" dirty="0" err="1"/>
-              <a:t>types</a:t>
-            </a:r>
-            <a:endParaRPr lang="de-DE" dirty="0"/>
-          </a:p>
-        </p:txBody>
-      </p:sp>
-      <p:sp>
-        <p:nvSpPr>
-          <p:cNvPr id="5" name="Slide Number Placeholder 4"/>
-          <p:cNvSpPr>
-            <a:spLocks noGrp="1"/>
-          </p:cNvSpPr>
-          <p:nvPr>
-            <p:ph type="sldNum" sz="quarter" idx="12"/>
-          </p:nvPr>
-        </p:nvSpPr>
-        <p:spPr/>
-        <p:txBody>
-          <a:bodyPr/>
-          <a:lstStyle/>
-          <a:p>
-            <a:fld id="{EC5B15BB-6B6E-4ECE-9DE6-799FAF01EBD9}" type="slidenum">
-              <a:rPr lang="de-DE" smtClean="0"/>
-              <a:pPr/>
-              <a:t>9</a:t>
-            </a:fld>
-            <a:endParaRPr lang="de-DE" dirty="0"/>
-          </a:p>
-        </p:txBody>
-      </p:sp>
-      <p:sp>
-        <p:nvSpPr>
-          <p:cNvPr id="10" name="Content Placeholder 2">
+          <p:cNvPr id="3" name="Rechteck 2">
             <a:extLst>
               <a:ext uri="{FF2B5EF4-FFF2-40B4-BE49-F238E27FC236}">
-                <a16:creationId xmlns:a16="http://schemas.microsoft.com/office/drawing/2014/main" id="{C7D215EF-A00A-4A39-8D98-C33D43043FF9}"/>
+                <a16:creationId xmlns:a16="http://schemas.microsoft.com/office/drawing/2014/main" id="{975B5CB5-BA42-4D73-9264-8F5B5AC53B3E}"/>
               </a:ext>
             </a:extLst>
           </p:cNvPr>
-          <p:cNvSpPr txBox="1">
-            <a:spLocks/>
-          </p:cNvSpPr>
+          <p:cNvSpPr/>
           <p:nvPr/>
         </p:nvSpPr>
         <p:spPr>
           <a:xfrm>
-            <a:off x="838200" y="1371598"/>
-            <a:ext cx="3710049" cy="4805363"/>
+            <a:off x="576649" y="1178718"/>
+            <a:ext cx="4163080" cy="5081651"/>
           </a:xfrm>
           <a:prstGeom prst="rect">
             <a:avLst/>
           </a:prstGeom>
+          <a:solidFill>
+            <a:schemeClr val="bg1">
+              <a:alpha val="70000"/>
+            </a:schemeClr>
+          </a:solidFill>
+          <a:ln>
+            <a:noFill/>
+          </a:ln>
         </p:spPr>
+        <p:style>
+          <a:lnRef idx="2">
+            <a:schemeClr val="accent1">
+              <a:shade val="50000"/>
+            </a:schemeClr>
+          </a:lnRef>
+          <a:fillRef idx="1">
+            <a:schemeClr val="accent1"/>
+          </a:fillRef>
+          <a:effectRef idx="0">
+            <a:schemeClr val="accent1"/>
+          </a:effectRef>
+          <a:fontRef idx="minor">
+            <a:schemeClr val="lt1"/>
+          </a:fontRef>
+        </p:style>
         <p:txBody>
-          <a:bodyPr vert="horz" lIns="91440" tIns="45720" rIns="91440" bIns="45720" rtlCol="0">
-            <a:normAutofit/>
-          </a:bodyPr>
-          <a:lstStyle>
-            <a:lvl1pPr marL="228600" indent="-228600" algn="l" defTabSz="914400" rtl="0" eaLnBrk="1" latinLnBrk="0" hangingPunct="1">
-              <a:lnSpc>
-                <a:spcPct val="90000"/>
-              </a:lnSpc>
-              <a:spcBef>
-                <a:spcPts val="1000"/>
-              </a:spcBef>
-              <a:buClr>
-                <a:schemeClr val="accent1"/>
-              </a:buClr>
-              <a:buFont typeface="Arial" panose="020B0604020202020204" pitchFamily="34" charset="0"/>
-              <a:buChar char="•"/>
-              <a:defRPr sz="2800" kern="1200" baseline="0">
-                <a:solidFill>
-                  <a:srgbClr val="005597"/>
-                </a:solidFill>
-                <a:latin typeface="+mn-lt"/>
-                <a:ea typeface="+mn-ea"/>
-                <a:cs typeface="+mn-cs"/>
-              </a:defRPr>
-            </a:lvl1pPr>
-            <a:lvl2pPr marL="685800" indent="-228600" algn="l" defTabSz="914400" rtl="0" eaLnBrk="1" latinLnBrk="0" hangingPunct="1">
-              <a:lnSpc>
-                <a:spcPct val="90000"/>
-              </a:lnSpc>
-              <a:spcBef>
-                <a:spcPts val="500"/>
-              </a:spcBef>
-              <a:buClr>
-                <a:schemeClr val="accent1"/>
-              </a:buClr>
-              <a:buFont typeface="Arial" panose="020B0604020202020204" pitchFamily="34" charset="0"/>
-              <a:buChar char="•"/>
-              <a:defRPr sz="2400" kern="1200" baseline="0">
-                <a:solidFill>
-                  <a:srgbClr val="005597"/>
-                </a:solidFill>
-                <a:latin typeface="+mn-lt"/>
-                <a:ea typeface="+mn-ea"/>
-                <a:cs typeface="+mn-cs"/>
-              </a:defRPr>
-            </a:lvl2pPr>
-            <a:lvl3pPr marL="1143000" indent="-228600" algn="l" defTabSz="914400" rtl="0" eaLnBrk="1" latinLnBrk="0" hangingPunct="1">
-              <a:lnSpc>
-                <a:spcPct val="90000"/>
-              </a:lnSpc>
-              <a:spcBef>
-                <a:spcPts val="500"/>
-              </a:spcBef>
-              <a:buClr>
-                <a:schemeClr val="accent1"/>
-              </a:buClr>
-              <a:buFont typeface="Arial" panose="020B0604020202020204" pitchFamily="34" charset="0"/>
-              <a:buChar char="•"/>
-              <a:defRPr sz="2000" kern="1200" baseline="0">
-                <a:solidFill>
-                  <a:srgbClr val="005597"/>
-                </a:solidFill>
-                <a:latin typeface="+mn-lt"/>
-                <a:ea typeface="+mn-ea"/>
-                <a:cs typeface="+mn-cs"/>
-              </a:defRPr>
-            </a:lvl3pPr>
-            <a:lvl4pPr marL="1600200" indent="-228600" algn="l" defTabSz="914400" rtl="0" eaLnBrk="1" latinLnBrk="0" hangingPunct="1">
-              <a:lnSpc>
-                <a:spcPct val="90000"/>
-              </a:lnSpc>
-              <a:spcBef>
-                <a:spcPts val="500"/>
-              </a:spcBef>
-              <a:buClr>
-                <a:schemeClr val="accent1"/>
-              </a:buClr>
-              <a:buFont typeface="Arial" panose="020B0604020202020204" pitchFamily="34" charset="0"/>
-              <a:buChar char="•"/>
-              <a:defRPr sz="1800" kern="1200" baseline="0">
-                <a:solidFill>
-                  <a:srgbClr val="005597"/>
-                </a:solidFill>
-                <a:latin typeface="+mn-lt"/>
-                <a:ea typeface="+mn-ea"/>
-                <a:cs typeface="+mn-cs"/>
-              </a:defRPr>
-            </a:lvl4pPr>
-            <a:lvl5pPr marL="2057400" indent="-228600" algn="l" defTabSz="914400" rtl="0" eaLnBrk="1" latinLnBrk="0" hangingPunct="1">
-              <a:lnSpc>
-                <a:spcPct val="90000"/>
-              </a:lnSpc>
-              <a:spcBef>
-                <a:spcPts val="500"/>
-              </a:spcBef>
-              <a:buClr>
-                <a:schemeClr val="accent1"/>
-              </a:buClr>
-              <a:buFont typeface="Arial" panose="020B0604020202020204" pitchFamily="34" charset="0"/>
-              <a:buChar char="•"/>
-              <a:defRPr sz="1800" kern="1200" baseline="0">
-                <a:solidFill>
-                  <a:srgbClr val="005597"/>
-                </a:solidFill>
-                <a:latin typeface="+mn-lt"/>
-                <a:ea typeface="+mn-ea"/>
-                <a:cs typeface="+mn-cs"/>
-              </a:defRPr>
-            </a:lvl5pPr>
-            <a:lvl6pPr marL="2514600" indent="-228600" algn="l" defTabSz="914400" rtl="0" eaLnBrk="1" latinLnBrk="0" hangingPunct="1">
-              <a:lnSpc>
-                <a:spcPct val="90000"/>
-              </a:lnSpc>
-              <a:spcBef>
-                <a:spcPts val="500"/>
-              </a:spcBef>
-              <a:buFont typeface="Arial" panose="020B0604020202020204" pitchFamily="34" charset="0"/>
-              <a:buChar char="•"/>
-              <a:defRPr sz="1800" kern="1200">
-                <a:solidFill>
-                  <a:schemeClr val="tx1"/>
-                </a:solidFill>
-                <a:latin typeface="+mn-lt"/>
-                <a:ea typeface="+mn-ea"/>
-                <a:cs typeface="+mn-cs"/>
-              </a:defRPr>
-            </a:lvl6pPr>
-            <a:lvl7pPr marL="2971800" indent="-228600" algn="l" defTabSz="914400" rtl="0" eaLnBrk="1" latinLnBrk="0" hangingPunct="1">
-              <a:lnSpc>
-                <a:spcPct val="90000"/>
-              </a:lnSpc>
-              <a:spcBef>
-                <a:spcPts val="500"/>
-              </a:spcBef>
-              <a:buFont typeface="Arial" panose="020B0604020202020204" pitchFamily="34" charset="0"/>
-              <a:buChar char="•"/>
-              <a:defRPr sz="1800" kern="1200">
-                <a:solidFill>
-                  <a:schemeClr val="tx1"/>
-                </a:solidFill>
-                <a:latin typeface="+mn-lt"/>
-                <a:ea typeface="+mn-ea"/>
-                <a:cs typeface="+mn-cs"/>
-              </a:defRPr>
-            </a:lvl7pPr>
-            <a:lvl8pPr marL="3429000" indent="-228600" algn="l" defTabSz="914400" rtl="0" eaLnBrk="1" latinLnBrk="0" hangingPunct="1">
-              <a:lnSpc>
-                <a:spcPct val="90000"/>
-              </a:lnSpc>
-              <a:spcBef>
-                <a:spcPts val="500"/>
-              </a:spcBef>
-              <a:buFont typeface="Arial" panose="020B0604020202020204" pitchFamily="34" charset="0"/>
-              <a:buChar char="•"/>
-              <a:defRPr sz="1800" kern="1200">
-                <a:solidFill>
-                  <a:schemeClr val="tx1"/>
-                </a:solidFill>
-                <a:latin typeface="+mn-lt"/>
-                <a:ea typeface="+mn-ea"/>
-                <a:cs typeface="+mn-cs"/>
-              </a:defRPr>
-            </a:lvl8pPr>
-            <a:lvl9pPr marL="3886200" indent="-228600" algn="l" defTabSz="914400" rtl="0" eaLnBrk="1" latinLnBrk="0" hangingPunct="1">
-              <a:lnSpc>
-                <a:spcPct val="90000"/>
-              </a:lnSpc>
-              <a:spcBef>
-                <a:spcPts val="500"/>
-              </a:spcBef>
-              <a:buFont typeface="Arial" panose="020B0604020202020204" pitchFamily="34" charset="0"/>
-              <a:buChar char="•"/>
-              <a:defRPr sz="1800" kern="1200">
-                <a:solidFill>
-                  <a:schemeClr val="tx1"/>
-                </a:solidFill>
-                <a:latin typeface="+mn-lt"/>
-                <a:ea typeface="+mn-ea"/>
-                <a:cs typeface="+mn-cs"/>
-              </a:defRPr>
-            </a:lvl9pPr>
-          </a:lstStyle>
-          <a:p>
-            <a:pPr marL="0" indent="0">
-              <a:buNone/>
-            </a:pPr>
-            <a:r>
-              <a:rPr lang="de-DE" sz="2000" dirty="0"/>
-              <a:t>Special </a:t>
-            </a:r>
-            <a:r>
-              <a:rPr lang="de-DE" sz="2000" dirty="0" err="1"/>
-              <a:t>nodes</a:t>
-            </a:r>
-            <a:r>
-              <a:rPr lang="de-DE" sz="2000" dirty="0"/>
-              <a:t>:</a:t>
-            </a:r>
-          </a:p>
-          <a:p>
-            <a:r>
-              <a:rPr lang="de-DE" sz="1600" dirty="0"/>
-              <a:t>Source:</a:t>
-            </a:r>
-          </a:p>
-          <a:p>
-            <a:pPr lvl="1"/>
-            <a:r>
-              <a:rPr lang="de-DE" sz="1400" dirty="0"/>
-              <a:t>Holds </a:t>
-            </a:r>
-            <a:r>
-              <a:rPr lang="de-DE" sz="1400" dirty="0" err="1"/>
-              <a:t>the</a:t>
-            </a:r>
-            <a:r>
-              <a:rPr lang="de-DE" sz="1400" dirty="0"/>
-              <a:t> </a:t>
-            </a:r>
-            <a:r>
-              <a:rPr lang="de-DE" sz="1400" dirty="0" err="1"/>
-              <a:t>initially</a:t>
-            </a:r>
-            <a:r>
-              <a:rPr lang="de-DE" sz="1400" dirty="0"/>
-              <a:t> </a:t>
-            </a:r>
-            <a:br>
-              <a:rPr lang="de-DE" sz="1400" dirty="0"/>
-            </a:br>
-            <a:r>
-              <a:rPr lang="de-DE" sz="1400" dirty="0" err="1"/>
-              <a:t>defined</a:t>
-            </a:r>
-            <a:r>
-              <a:rPr lang="de-DE" sz="1400" dirty="0"/>
-              <a:t> light</a:t>
-            </a:r>
-          </a:p>
-          <a:p>
-            <a:pPr lvl="1"/>
-            <a:r>
-              <a:rPr lang="de-DE" sz="1400" dirty="0"/>
-              <a:t>Energy </a:t>
-            </a:r>
-            <a:r>
-              <a:rPr lang="de-DE" sz="1400" dirty="0" err="1"/>
-              <a:t>distribution</a:t>
-            </a:r>
-            <a:r>
-              <a:rPr lang="de-DE" sz="1400" dirty="0"/>
-              <a:t>: Uniform, General 2D </a:t>
-            </a:r>
-            <a:r>
-              <a:rPr lang="de-DE" sz="1400" dirty="0" err="1"/>
-              <a:t>Gaussian</a:t>
-            </a:r>
-            <a:endParaRPr lang="de-DE" sz="1400" dirty="0"/>
-          </a:p>
-          <a:p>
-            <a:pPr lvl="1"/>
-            <a:r>
-              <a:rPr lang="de-DE" sz="1400" dirty="0"/>
-              <a:t>Position </a:t>
-            </a:r>
-            <a:r>
-              <a:rPr lang="de-DE" sz="1400" dirty="0" err="1"/>
-              <a:t>distribution</a:t>
-            </a:r>
-            <a:r>
-              <a:rPr lang="de-DE" sz="1400" dirty="0"/>
-              <a:t>: Hexapolar, Hexagonal, Fibonacci, Random, Sobol, </a:t>
-            </a:r>
-            <a:r>
-              <a:rPr lang="de-DE" sz="1400" dirty="0" err="1"/>
-              <a:t>Grid</a:t>
-            </a:r>
-            <a:endParaRPr lang="de-DE" sz="1400" dirty="0"/>
-          </a:p>
-          <a:p>
-            <a:pPr lvl="1"/>
-            <a:r>
-              <a:rPr lang="de-DE" sz="1400" dirty="0"/>
-              <a:t>Shape: Ellipse, </a:t>
-            </a:r>
-            <a:r>
-              <a:rPr lang="de-DE" sz="1400" dirty="0" err="1"/>
-              <a:t>Rectangle</a:t>
-            </a:r>
-            <a:endParaRPr lang="de-DE" sz="1400" dirty="0"/>
-          </a:p>
-          <a:p>
-            <a:pPr lvl="1"/>
-            <a:r>
-              <a:rPr lang="de-DE" sz="1400" dirty="0" err="1"/>
-              <a:t>Spectrum</a:t>
-            </a:r>
-            <a:r>
-              <a:rPr lang="de-DE" sz="1400" dirty="0"/>
-              <a:t>: </a:t>
-            </a:r>
-            <a:r>
-              <a:rPr lang="de-DE" sz="1400" dirty="0" err="1"/>
-              <a:t>Gaussian</a:t>
-            </a:r>
-            <a:endParaRPr lang="de-DE" sz="1400" dirty="0"/>
-          </a:p>
-          <a:p>
-            <a:r>
-              <a:rPr lang="de-DE" sz="1600" dirty="0" err="1"/>
-              <a:t>Nodegroup</a:t>
-            </a:r>
-            <a:endParaRPr lang="de-DE" sz="1600" dirty="0"/>
-          </a:p>
-          <a:p>
-            <a:pPr lvl="1"/>
-            <a:r>
-              <a:rPr lang="de-DE" sz="1400" dirty="0" err="1"/>
-              <a:t>Allows</a:t>
-            </a:r>
-            <a:r>
-              <a:rPr lang="de-DE" sz="1400" dirty="0"/>
-              <a:t> </a:t>
-            </a:r>
-            <a:r>
-              <a:rPr lang="de-DE" sz="1400" dirty="0" err="1"/>
-              <a:t>grouping</a:t>
-            </a:r>
-            <a:r>
-              <a:rPr lang="de-DE" sz="1400" dirty="0"/>
-              <a:t> </a:t>
-            </a:r>
-            <a:r>
-              <a:rPr lang="de-DE" sz="1400" dirty="0" err="1"/>
-              <a:t>of</a:t>
-            </a:r>
-            <a:r>
-              <a:rPr lang="de-DE" sz="1400" dirty="0"/>
-              <a:t> </a:t>
-            </a:r>
-            <a:r>
-              <a:rPr lang="de-DE" sz="1400" dirty="0" err="1"/>
-              <a:t>nodes</a:t>
-            </a:r>
-            <a:r>
-              <a:rPr lang="de-DE" sz="1400" dirty="0"/>
-              <a:t>, e.g., multiple </a:t>
-            </a:r>
-            <a:r>
-              <a:rPr lang="de-DE" sz="1400" dirty="0" err="1"/>
-              <a:t>lenses</a:t>
-            </a:r>
-            <a:r>
-              <a:rPr lang="de-DE" sz="1400" dirty="0"/>
-              <a:t> </a:t>
-            </a:r>
-            <a:r>
-              <a:rPr lang="de-DE" sz="1400" dirty="0" err="1"/>
-              <a:t>as</a:t>
-            </a:r>
-            <a:r>
-              <a:rPr lang="de-DE" sz="1400" dirty="0"/>
-              <a:t> a </a:t>
-            </a:r>
-            <a:r>
-              <a:rPr lang="de-DE" sz="1400" dirty="0" err="1"/>
-              <a:t>telescope</a:t>
-            </a:r>
-            <a:endParaRPr lang="de-DE" sz="1400" dirty="0"/>
-          </a:p>
-          <a:p>
-            <a:pPr lvl="1"/>
-            <a:r>
-              <a:rPr lang="de-DE" sz="1400" dirty="0"/>
-              <a:t>Infinite </a:t>
-            </a:r>
-            <a:r>
-              <a:rPr lang="de-DE" sz="1400" dirty="0" err="1"/>
-              <a:t>nesting</a:t>
-            </a:r>
-            <a:r>
-              <a:rPr lang="de-DE" sz="1400" dirty="0"/>
-              <a:t> (</a:t>
-            </a:r>
-            <a:r>
-              <a:rPr lang="de-DE" sz="1400" dirty="0" err="1"/>
-              <a:t>groups</a:t>
-            </a:r>
-            <a:r>
-              <a:rPr lang="de-DE" sz="1400" dirty="0"/>
-              <a:t> in </a:t>
-            </a:r>
-            <a:r>
-              <a:rPr lang="de-DE" sz="1400" dirty="0" err="1"/>
-              <a:t>groups</a:t>
-            </a:r>
-            <a:r>
-              <a:rPr lang="de-DE" sz="1400" dirty="0"/>
-              <a:t>) possible</a:t>
-            </a:r>
-          </a:p>
-          <a:p>
-            <a:pPr lvl="1"/>
-            <a:endParaRPr lang="de-DE" sz="1600" dirty="0"/>
-          </a:p>
-        </p:txBody>
-      </p:sp>
-      <p:sp>
-        <p:nvSpPr>
-          <p:cNvPr id="7" name="Content Placeholder 2">
-            <a:extLst>
-              <a:ext uri="{FF2B5EF4-FFF2-40B4-BE49-F238E27FC236}">
-                <a16:creationId xmlns:a16="http://schemas.microsoft.com/office/drawing/2014/main" id="{F152D6A2-8367-4C29-AF8F-F872DE757B9D}"/>
-              </a:ext>
-            </a:extLst>
-          </p:cNvPr>
-          <p:cNvSpPr txBox="1">
-            <a:spLocks/>
-          </p:cNvSpPr>
-          <p:nvPr/>
-        </p:nvSpPr>
-        <p:spPr>
-          <a:xfrm>
-            <a:off x="4786743" y="1371598"/>
-            <a:ext cx="3710049" cy="4805363"/>
-          </a:xfrm>
-          <a:prstGeom prst="rect">
-            <a:avLst/>
-          </a:prstGeom>
-        </p:spPr>
-        <p:txBody>
-          <a:bodyPr vert="horz" lIns="91440" tIns="45720" rIns="91440" bIns="45720" rtlCol="0">
-            <a:normAutofit/>
-          </a:bodyPr>
-          <a:lstStyle>
-            <a:lvl1pPr marL="228600" indent="-228600" algn="l" defTabSz="914400" rtl="0" eaLnBrk="1" latinLnBrk="0" hangingPunct="1">
-              <a:lnSpc>
-                <a:spcPct val="90000"/>
-              </a:lnSpc>
-              <a:spcBef>
-                <a:spcPts val="1000"/>
-              </a:spcBef>
-              <a:buClr>
-                <a:schemeClr val="accent1"/>
-              </a:buClr>
-              <a:buFont typeface="Arial" panose="020B0604020202020204" pitchFamily="34" charset="0"/>
-              <a:buChar char="•"/>
-              <a:defRPr sz="2800" kern="1200" baseline="0">
-                <a:solidFill>
-                  <a:srgbClr val="005597"/>
-                </a:solidFill>
-                <a:latin typeface="+mn-lt"/>
-                <a:ea typeface="+mn-ea"/>
-                <a:cs typeface="+mn-cs"/>
-              </a:defRPr>
-            </a:lvl1pPr>
-            <a:lvl2pPr marL="685800" indent="-228600" algn="l" defTabSz="914400" rtl="0" eaLnBrk="1" latinLnBrk="0" hangingPunct="1">
-              <a:lnSpc>
-                <a:spcPct val="90000"/>
-              </a:lnSpc>
-              <a:spcBef>
-                <a:spcPts val="500"/>
-              </a:spcBef>
-              <a:buClr>
-                <a:schemeClr val="accent1"/>
-              </a:buClr>
-              <a:buFont typeface="Arial" panose="020B0604020202020204" pitchFamily="34" charset="0"/>
-              <a:buChar char="•"/>
-              <a:defRPr sz="2400" kern="1200" baseline="0">
-                <a:solidFill>
-                  <a:srgbClr val="005597"/>
-                </a:solidFill>
-                <a:latin typeface="+mn-lt"/>
-                <a:ea typeface="+mn-ea"/>
-                <a:cs typeface="+mn-cs"/>
-              </a:defRPr>
-            </a:lvl2pPr>
-            <a:lvl3pPr marL="1143000" indent="-228600" algn="l" defTabSz="914400" rtl="0" eaLnBrk="1" latinLnBrk="0" hangingPunct="1">
-              <a:lnSpc>
-                <a:spcPct val="90000"/>
-              </a:lnSpc>
-              <a:spcBef>
-                <a:spcPts val="500"/>
-              </a:spcBef>
-              <a:buClr>
-                <a:schemeClr val="accent1"/>
-              </a:buClr>
-              <a:buFont typeface="Arial" panose="020B0604020202020204" pitchFamily="34" charset="0"/>
-              <a:buChar char="•"/>
-              <a:defRPr sz="2000" kern="1200" baseline="0">
-                <a:solidFill>
-                  <a:srgbClr val="005597"/>
-                </a:solidFill>
-                <a:latin typeface="+mn-lt"/>
-                <a:ea typeface="+mn-ea"/>
-                <a:cs typeface="+mn-cs"/>
-              </a:defRPr>
-            </a:lvl3pPr>
-            <a:lvl4pPr marL="1600200" indent="-228600" algn="l" defTabSz="914400" rtl="0" eaLnBrk="1" latinLnBrk="0" hangingPunct="1">
-              <a:lnSpc>
-                <a:spcPct val="90000"/>
-              </a:lnSpc>
-              <a:spcBef>
-                <a:spcPts val="500"/>
-              </a:spcBef>
-              <a:buClr>
-                <a:schemeClr val="accent1"/>
-              </a:buClr>
-              <a:buFont typeface="Arial" panose="020B0604020202020204" pitchFamily="34" charset="0"/>
-              <a:buChar char="•"/>
-              <a:defRPr sz="1800" kern="1200" baseline="0">
-                <a:solidFill>
-                  <a:srgbClr val="005597"/>
-                </a:solidFill>
-                <a:latin typeface="+mn-lt"/>
-                <a:ea typeface="+mn-ea"/>
-                <a:cs typeface="+mn-cs"/>
-              </a:defRPr>
-            </a:lvl4pPr>
-            <a:lvl5pPr marL="2057400" indent="-228600" algn="l" defTabSz="914400" rtl="0" eaLnBrk="1" latinLnBrk="0" hangingPunct="1">
-              <a:lnSpc>
-                <a:spcPct val="90000"/>
-              </a:lnSpc>
-              <a:spcBef>
-                <a:spcPts val="500"/>
-              </a:spcBef>
-              <a:buClr>
-                <a:schemeClr val="accent1"/>
-              </a:buClr>
-              <a:buFont typeface="Arial" panose="020B0604020202020204" pitchFamily="34" charset="0"/>
-              <a:buChar char="•"/>
-              <a:defRPr sz="1800" kern="1200" baseline="0">
-                <a:solidFill>
-                  <a:srgbClr val="005597"/>
-                </a:solidFill>
-                <a:latin typeface="+mn-lt"/>
-                <a:ea typeface="+mn-ea"/>
-                <a:cs typeface="+mn-cs"/>
-              </a:defRPr>
-            </a:lvl5pPr>
-            <a:lvl6pPr marL="2514600" indent="-228600" algn="l" defTabSz="914400" rtl="0" eaLnBrk="1" latinLnBrk="0" hangingPunct="1">
-              <a:lnSpc>
-                <a:spcPct val="90000"/>
-              </a:lnSpc>
-              <a:spcBef>
-                <a:spcPts val="500"/>
-              </a:spcBef>
-              <a:buFont typeface="Arial" panose="020B0604020202020204" pitchFamily="34" charset="0"/>
-              <a:buChar char="•"/>
-              <a:defRPr sz="1800" kern="1200">
-                <a:solidFill>
-                  <a:schemeClr val="tx1"/>
-                </a:solidFill>
-                <a:latin typeface="+mn-lt"/>
-                <a:ea typeface="+mn-ea"/>
-                <a:cs typeface="+mn-cs"/>
-              </a:defRPr>
-            </a:lvl6pPr>
-            <a:lvl7pPr marL="2971800" indent="-228600" algn="l" defTabSz="914400" rtl="0" eaLnBrk="1" latinLnBrk="0" hangingPunct="1">
-              <a:lnSpc>
-                <a:spcPct val="90000"/>
-              </a:lnSpc>
-              <a:spcBef>
-                <a:spcPts val="500"/>
-              </a:spcBef>
-              <a:buFont typeface="Arial" panose="020B0604020202020204" pitchFamily="34" charset="0"/>
-              <a:buChar char="•"/>
-              <a:defRPr sz="1800" kern="1200">
-                <a:solidFill>
-                  <a:schemeClr val="tx1"/>
-                </a:solidFill>
-                <a:latin typeface="+mn-lt"/>
-                <a:ea typeface="+mn-ea"/>
-                <a:cs typeface="+mn-cs"/>
-              </a:defRPr>
-            </a:lvl7pPr>
-            <a:lvl8pPr marL="3429000" indent="-228600" algn="l" defTabSz="914400" rtl="0" eaLnBrk="1" latinLnBrk="0" hangingPunct="1">
-              <a:lnSpc>
-                <a:spcPct val="90000"/>
-              </a:lnSpc>
-              <a:spcBef>
-                <a:spcPts val="500"/>
-              </a:spcBef>
-              <a:buFont typeface="Arial" panose="020B0604020202020204" pitchFamily="34" charset="0"/>
-              <a:buChar char="•"/>
-              <a:defRPr sz="1800" kern="1200">
-                <a:solidFill>
-                  <a:schemeClr val="tx1"/>
-                </a:solidFill>
-                <a:latin typeface="+mn-lt"/>
-                <a:ea typeface="+mn-ea"/>
-                <a:cs typeface="+mn-cs"/>
-              </a:defRPr>
-            </a:lvl8pPr>
-            <a:lvl9pPr marL="3886200" indent="-228600" algn="l" defTabSz="914400" rtl="0" eaLnBrk="1" latinLnBrk="0" hangingPunct="1">
-              <a:lnSpc>
-                <a:spcPct val="90000"/>
-              </a:lnSpc>
-              <a:spcBef>
-                <a:spcPts val="500"/>
-              </a:spcBef>
-              <a:buFont typeface="Arial" panose="020B0604020202020204" pitchFamily="34" charset="0"/>
-              <a:buChar char="•"/>
-              <a:defRPr sz="1800" kern="1200">
-                <a:solidFill>
-                  <a:schemeClr val="tx1"/>
-                </a:solidFill>
-                <a:latin typeface="+mn-lt"/>
-                <a:ea typeface="+mn-ea"/>
-                <a:cs typeface="+mn-cs"/>
-              </a:defRPr>
-            </a:lvl9pPr>
-          </a:lstStyle>
-          <a:p>
-            <a:pPr marL="0" indent="0">
-              <a:buNone/>
-            </a:pPr>
-            <a:r>
-              <a:rPr lang="de-DE" sz="2000" dirty="0" err="1"/>
-              <a:t>Detector</a:t>
-            </a:r>
-            <a:r>
-              <a:rPr lang="de-DE" sz="2000" dirty="0"/>
-              <a:t> </a:t>
-            </a:r>
-            <a:r>
-              <a:rPr lang="de-DE" sz="2000" dirty="0" err="1"/>
-              <a:t>nodes</a:t>
-            </a:r>
-            <a:r>
-              <a:rPr lang="de-DE" sz="2000" dirty="0"/>
-              <a:t>:</a:t>
-            </a:r>
-          </a:p>
-          <a:p>
-            <a:r>
-              <a:rPr lang="de-DE" sz="1600" dirty="0"/>
-              <a:t>Energy</a:t>
-            </a:r>
-          </a:p>
-          <a:p>
-            <a:r>
-              <a:rPr lang="de-DE" sz="1600" dirty="0" err="1"/>
-              <a:t>Fluence</a:t>
-            </a:r>
-            <a:endParaRPr lang="de-DE" sz="1600" dirty="0"/>
-          </a:p>
-          <a:p>
-            <a:r>
-              <a:rPr lang="de-DE" sz="1600" dirty="0" err="1"/>
-              <a:t>Spectrum</a:t>
-            </a:r>
-            <a:endParaRPr lang="de-DE" sz="1600" dirty="0"/>
-          </a:p>
-          <a:p>
-            <a:r>
-              <a:rPr lang="de-DE" sz="1600" dirty="0"/>
-              <a:t>Spot </a:t>
-            </a:r>
-            <a:r>
-              <a:rPr lang="de-DE" sz="1600" dirty="0" err="1"/>
-              <a:t>diagram</a:t>
-            </a:r>
-            <a:endParaRPr lang="de-DE" sz="1600" dirty="0"/>
-          </a:p>
-          <a:p>
-            <a:r>
-              <a:rPr lang="de-DE" sz="1600" dirty="0" err="1"/>
-              <a:t>Wavefront</a:t>
-            </a:r>
-            <a:endParaRPr lang="de-DE" sz="2000" dirty="0"/>
-          </a:p>
-        </p:txBody>
-      </p:sp>
-      <p:sp>
-        <p:nvSpPr>
-          <p:cNvPr id="13" name="Content Placeholder 2">
-            <a:extLst>
-              <a:ext uri="{FF2B5EF4-FFF2-40B4-BE49-F238E27FC236}">
-                <a16:creationId xmlns:a16="http://schemas.microsoft.com/office/drawing/2014/main" id="{B9181300-2DD4-4219-8C63-0A98DF434A54}"/>
-              </a:ext>
-            </a:extLst>
-          </p:cNvPr>
-          <p:cNvSpPr>
-            <a:spLocks noGrp="1"/>
-          </p:cNvSpPr>
-          <p:nvPr>
-            <p:ph idx="1"/>
-          </p:nvPr>
-        </p:nvSpPr>
-        <p:spPr>
-          <a:xfrm>
-            <a:off x="8129649" y="1371598"/>
-            <a:ext cx="3710049" cy="4805363"/>
-          </a:xfrm>
-        </p:spPr>
-        <p:txBody>
-          <a:bodyPr>
-            <a:normAutofit/>
-          </a:bodyPr>
+          <a:bodyPr rtlCol="0" anchor="ctr"/>
           <a:lstStyle/>
           <a:p>
-            <a:pPr marL="0" indent="0">
-              <a:buNone/>
-            </a:pPr>
-            <a:r>
-              <a:rPr lang="de-DE" sz="2000" dirty="0" err="1"/>
-              <a:t>Generic</a:t>
-            </a:r>
-            <a:r>
-              <a:rPr lang="de-DE" sz="2000" dirty="0"/>
-              <a:t> </a:t>
-            </a:r>
-            <a:r>
-              <a:rPr lang="de-DE" sz="2000" dirty="0" err="1"/>
-              <a:t>nodes</a:t>
-            </a:r>
-            <a:r>
-              <a:rPr lang="de-DE" sz="2000" dirty="0"/>
-              <a:t>:</a:t>
-            </a:r>
-          </a:p>
-          <a:p>
-            <a:r>
-              <a:rPr lang="de-DE" sz="1600" dirty="0" err="1"/>
-              <a:t>Spherical</a:t>
-            </a:r>
-            <a:r>
-              <a:rPr lang="de-DE" sz="1600" dirty="0"/>
-              <a:t> </a:t>
-            </a:r>
-            <a:r>
-              <a:rPr lang="de-DE" sz="1600" dirty="0" err="1"/>
-              <a:t>lens</a:t>
-            </a:r>
-            <a:endParaRPr lang="de-DE" sz="1600" dirty="0"/>
-          </a:p>
-          <a:p>
-            <a:r>
-              <a:rPr lang="de-DE" sz="1600" dirty="0" err="1"/>
-              <a:t>Cylindrical</a:t>
-            </a:r>
-            <a:r>
-              <a:rPr lang="de-DE" sz="1600" dirty="0"/>
-              <a:t> </a:t>
-            </a:r>
-            <a:r>
-              <a:rPr lang="de-DE" sz="1600" dirty="0" err="1"/>
-              <a:t>lens</a:t>
-            </a:r>
-            <a:endParaRPr lang="de-DE" sz="1600" dirty="0"/>
-          </a:p>
-          <a:p>
-            <a:r>
-              <a:rPr lang="de-DE" sz="1600" dirty="0"/>
-              <a:t>Paraxial Lens</a:t>
-            </a:r>
-          </a:p>
-          <a:p>
-            <a:r>
-              <a:rPr lang="de-DE" sz="1600" dirty="0"/>
-              <a:t>Wedge</a:t>
-            </a:r>
-          </a:p>
-          <a:p>
-            <a:r>
-              <a:rPr lang="de-DE" sz="1600" dirty="0" err="1"/>
-              <a:t>Thin</a:t>
-            </a:r>
-            <a:r>
-              <a:rPr lang="de-DE" sz="1600" dirty="0"/>
-              <a:t> </a:t>
-            </a:r>
-            <a:r>
-              <a:rPr lang="de-DE" sz="1600" dirty="0" err="1"/>
-              <a:t>mirror</a:t>
-            </a:r>
-            <a:r>
-              <a:rPr lang="de-DE" sz="1600" dirty="0"/>
-              <a:t> (</a:t>
-            </a:r>
-            <a:r>
-              <a:rPr lang="de-DE" sz="1600" dirty="0" err="1"/>
-              <a:t>single</a:t>
-            </a:r>
-            <a:r>
-              <a:rPr lang="de-DE" sz="1600" dirty="0"/>
-              <a:t> </a:t>
-            </a:r>
-            <a:r>
-              <a:rPr lang="de-DE" sz="1600" dirty="0" err="1"/>
-              <a:t>surface</a:t>
-            </a:r>
-            <a:r>
-              <a:rPr lang="de-DE" sz="1600" dirty="0"/>
-              <a:t>)</a:t>
-            </a:r>
-          </a:p>
-          <a:p>
-            <a:r>
-              <a:rPr lang="de-DE" sz="1600" dirty="0"/>
-              <a:t>Ideal </a:t>
-            </a:r>
-            <a:r>
-              <a:rPr lang="de-DE" sz="1600" dirty="0" err="1"/>
-              <a:t>filter</a:t>
-            </a:r>
-            <a:endParaRPr lang="de-DE" sz="1600" dirty="0"/>
-          </a:p>
-          <a:p>
-            <a:r>
-              <a:rPr lang="de-DE" sz="1600" dirty="0" err="1"/>
-              <a:t>Reflective</a:t>
-            </a:r>
-            <a:r>
-              <a:rPr lang="de-DE" sz="1600" dirty="0"/>
-              <a:t> </a:t>
-            </a:r>
-            <a:r>
-              <a:rPr lang="de-DE" sz="1600" dirty="0" err="1"/>
-              <a:t>grating</a:t>
-            </a:r>
-            <a:endParaRPr lang="de-DE" sz="1600" dirty="0"/>
-          </a:p>
-          <a:p>
-            <a:r>
-              <a:rPr lang="de-DE" sz="1600" dirty="0"/>
-              <a:t>Ideal beam </a:t>
-            </a:r>
-            <a:r>
-              <a:rPr lang="de-DE" sz="1600" dirty="0" err="1"/>
-              <a:t>splitter</a:t>
-            </a:r>
-            <a:endParaRPr lang="de-DE" sz="2000" dirty="0"/>
+            <a:pPr algn="ctr"/>
+            <a:endParaRPr lang="en-US"/>
           </a:p>
         </p:txBody>
       </p:sp>
     </p:spTree>
     <p:extLst>
       <p:ext uri="{BB962C8B-B14F-4D97-AF65-F5344CB8AC3E}">
-        <p14:creationId xmlns:p14="http://schemas.microsoft.com/office/powerpoint/2010/main" val="300489335"/>
+        <p14:creationId xmlns:p14="http://schemas.microsoft.com/office/powerpoint/2010/main" val="3465280640"/>
       </p:ext>
     </p:extLst>
   </p:cSld>
